--- a/landing page.pptx
+++ b/landing page.pptx
@@ -11,7 +11,8 @@
     <p:sldId id="262" r:id="rId5"/>
     <p:sldId id="263" r:id="rId6"/>
     <p:sldId id="265" r:id="rId7"/>
-    <p:sldId id="264" r:id="rId8"/>
+    <p:sldId id="266" r:id="rId8"/>
+    <p:sldId id="264" r:id="rId9"/>
   </p:sldIdLst>
   <p:sldSz cx="12192000" cy="6858000"/>
   <p:notesSz cx="6858000" cy="9144000"/>
@@ -280,7 +281,7 @@
           <a:p>
             <a:fld id="{D3E76A52-5731-40A7-9DAB-D35D13F8BE84}" type="datetimeFigureOut">
               <a:rPr lang="en-AU" smtClean="0"/>
-              <a:t>6/06/2019</a:t>
+              <a:t>16/06/2019</a:t>
             </a:fld>
             <a:endParaRPr lang="en-AU"/>
           </a:p>
@@ -480,7 +481,7 @@
           <a:p>
             <a:fld id="{D3E76A52-5731-40A7-9DAB-D35D13F8BE84}" type="datetimeFigureOut">
               <a:rPr lang="en-AU" smtClean="0"/>
-              <a:t>6/06/2019</a:t>
+              <a:t>16/06/2019</a:t>
             </a:fld>
             <a:endParaRPr lang="en-AU"/>
           </a:p>
@@ -690,7 +691,7 @@
           <a:p>
             <a:fld id="{D3E76A52-5731-40A7-9DAB-D35D13F8BE84}" type="datetimeFigureOut">
               <a:rPr lang="en-AU" smtClean="0"/>
-              <a:t>6/06/2019</a:t>
+              <a:t>16/06/2019</a:t>
             </a:fld>
             <a:endParaRPr lang="en-AU"/>
           </a:p>
@@ -913,7 +914,7 @@
           <a:p>
             <a:fld id="{D3E76A52-5731-40A7-9DAB-D35D13F8BE84}" type="datetimeFigureOut">
               <a:rPr lang="en-AU" smtClean="0"/>
-              <a:t>6/06/2019</a:t>
+              <a:t>16/06/2019</a:t>
             </a:fld>
             <a:endParaRPr lang="en-AU"/>
           </a:p>
@@ -1189,7 +1190,7 @@
           <a:p>
             <a:fld id="{D3E76A52-5731-40A7-9DAB-D35D13F8BE84}" type="datetimeFigureOut">
               <a:rPr lang="en-AU" smtClean="0"/>
-              <a:t>6/06/2019</a:t>
+              <a:t>16/06/2019</a:t>
             </a:fld>
             <a:endParaRPr lang="en-AU"/>
           </a:p>
@@ -1457,7 +1458,7 @@
           <a:p>
             <a:fld id="{D3E76A52-5731-40A7-9DAB-D35D13F8BE84}" type="datetimeFigureOut">
               <a:rPr lang="en-AU" smtClean="0"/>
-              <a:t>6/06/2019</a:t>
+              <a:t>16/06/2019</a:t>
             </a:fld>
             <a:endParaRPr lang="en-AU"/>
           </a:p>
@@ -1872,7 +1873,7 @@
           <a:p>
             <a:fld id="{D3E76A52-5731-40A7-9DAB-D35D13F8BE84}" type="datetimeFigureOut">
               <a:rPr lang="en-AU" smtClean="0"/>
-              <a:t>6/06/2019</a:t>
+              <a:t>16/06/2019</a:t>
             </a:fld>
             <a:endParaRPr lang="en-AU"/>
           </a:p>
@@ -2014,7 +2015,7 @@
           <a:p>
             <a:fld id="{D3E76A52-5731-40A7-9DAB-D35D13F8BE84}" type="datetimeFigureOut">
               <a:rPr lang="en-AU" smtClean="0"/>
-              <a:t>6/06/2019</a:t>
+              <a:t>16/06/2019</a:t>
             </a:fld>
             <a:endParaRPr lang="en-AU"/>
           </a:p>
@@ -2127,7 +2128,7 @@
           <a:p>
             <a:fld id="{D3E76A52-5731-40A7-9DAB-D35D13F8BE84}" type="datetimeFigureOut">
               <a:rPr lang="en-AU" smtClean="0"/>
-              <a:t>6/06/2019</a:t>
+              <a:t>16/06/2019</a:t>
             </a:fld>
             <a:endParaRPr lang="en-AU"/>
           </a:p>
@@ -2440,7 +2441,7 @@
           <a:p>
             <a:fld id="{D3E76A52-5731-40A7-9DAB-D35D13F8BE84}" type="datetimeFigureOut">
               <a:rPr lang="en-AU" smtClean="0"/>
-              <a:t>6/06/2019</a:t>
+              <a:t>16/06/2019</a:t>
             </a:fld>
             <a:endParaRPr lang="en-AU"/>
           </a:p>
@@ -2729,7 +2730,7 @@
           <a:p>
             <a:fld id="{D3E76A52-5731-40A7-9DAB-D35D13F8BE84}" type="datetimeFigureOut">
               <a:rPr lang="en-AU" smtClean="0"/>
-              <a:t>6/06/2019</a:t>
+              <a:t>16/06/2019</a:t>
             </a:fld>
             <a:endParaRPr lang="en-AU"/>
           </a:p>
@@ -2975,7 +2976,7 @@
           <a:p>
             <a:fld id="{D3E76A52-5731-40A7-9DAB-D35D13F8BE84}" type="datetimeFigureOut">
               <a:rPr lang="en-AU" smtClean="0"/>
-              <a:t>6/06/2019</a:t>
+              <a:t>16/06/2019</a:t>
             </a:fld>
             <a:endParaRPr lang="en-AU"/>
           </a:p>
@@ -7450,6 +7451,4972 @@
         </p:nvSpPr>
         <p:spPr>
           <a:xfrm>
+            <a:off x="705393" y="464295"/>
+            <a:ext cx="10894423" cy="2407893"/>
+          </a:xfrm>
+        </p:spPr>
+        <p:txBody>
+          <a:bodyPr>
+            <a:normAutofit/>
+          </a:bodyPr>
+          <a:lstStyle/>
+          <a:p>
+            <a:pPr algn="ctr"/>
+            <a:r>
+              <a:rPr lang="en-US" sz="3000" dirty="0">
+                <a:solidFill>
+                  <a:schemeClr val="tx2">
+                    <a:lumMod val="50000"/>
+                  </a:schemeClr>
+                </a:solidFill>
+                <a:latin typeface="Verdana Pro" panose="020B0604030504040204" pitchFamily="34" charset="0"/>
+                <a:ea typeface="Verdana" panose="020B0604030504040204" pitchFamily="34" charset="0"/>
+              </a:rPr>
+              <a:t>How John uses </a:t>
+            </a:r>
+            <a:r>
+              <a:rPr lang="en-US" sz="3000" dirty="0" err="1">
+                <a:solidFill>
+                  <a:srgbClr val="9999FF"/>
+                </a:solidFill>
+                <a:latin typeface="Verdana Pro" panose="020B0604030504040204" pitchFamily="34" charset="0"/>
+                <a:ea typeface="Verdana" panose="020B0604030504040204" pitchFamily="34" charset="0"/>
+              </a:rPr>
+              <a:t>mywealthanalyst</a:t>
+            </a:r>
+            <a:r>
+              <a:rPr lang="en-US" sz="3000" dirty="0">
+                <a:solidFill>
+                  <a:schemeClr val="tx2">
+                    <a:lumMod val="50000"/>
+                  </a:schemeClr>
+                </a:solidFill>
+                <a:latin typeface="Verdana Pro" panose="020B0604030504040204" pitchFamily="34" charset="0"/>
+                <a:ea typeface="Verdana" panose="020B0604030504040204" pitchFamily="34" charset="0"/>
+              </a:rPr>
+              <a:t> to increase his </a:t>
+            </a:r>
+            <a:r>
+              <a:rPr lang="en-US" sz="3000" dirty="0">
+                <a:solidFill>
+                  <a:srgbClr val="9999FF"/>
+                </a:solidFill>
+                <a:latin typeface="Verdana Pro" panose="020B0604030504040204" pitchFamily="34" charset="0"/>
+                <a:ea typeface="Verdana" panose="020B0604030504040204" pitchFamily="34" charset="0"/>
+              </a:rPr>
+              <a:t>wealth</a:t>
+            </a:r>
+            <a:br>
+              <a:rPr lang="en-US" sz="3000" dirty="0">
+                <a:solidFill>
+                  <a:srgbClr val="9999FF"/>
+                </a:solidFill>
+                <a:latin typeface="Verdana Pro" panose="020B0604030504040204" pitchFamily="34" charset="0"/>
+                <a:ea typeface="Verdana" panose="020B0604030504040204" pitchFamily="34" charset="0"/>
+              </a:rPr>
+            </a:br>
+            <a:endParaRPr lang="en-AU" sz="3000" dirty="0">
+              <a:solidFill>
+                <a:srgbClr val="9999FF"/>
+              </a:solidFill>
+              <a:latin typeface="Verdana Pro" panose="020B0604030504040204" pitchFamily="34" charset="0"/>
+              <a:ea typeface="Verdana" panose="020B0604030504040204" pitchFamily="34" charset="0"/>
+            </a:endParaRPr>
+          </a:p>
+        </p:txBody>
+      </p:sp>
+      <p:pic>
+        <p:nvPicPr>
+          <p:cNvPr id="9" name="Picture 8">
+            <a:extLst>
+              <a:ext uri="{FF2B5EF4-FFF2-40B4-BE49-F238E27FC236}">
+                <a16:creationId xmlns:a16="http://schemas.microsoft.com/office/drawing/2014/main" id="{D4A0750C-8BE9-4DE0-885B-5C1C3F9FA135}"/>
+              </a:ext>
+            </a:extLst>
+          </p:cNvPr>
+          <p:cNvPicPr>
+            <a:picLocks noChangeAspect="1"/>
+          </p:cNvPicPr>
+          <p:nvPr/>
+        </p:nvPicPr>
+        <p:blipFill>
+          <a:blip r:embed="rId2"/>
+          <a:stretch>
+            <a:fillRect/>
+          </a:stretch>
+        </p:blipFill>
+        <p:spPr>
+          <a:xfrm>
+            <a:off x="3218083" y="3066642"/>
+            <a:ext cx="6143625" cy="2076450"/>
+          </a:xfrm>
+          <a:prstGeom prst="rect">
+            <a:avLst/>
+          </a:prstGeom>
+        </p:spPr>
+      </p:pic>
+      <p:pic>
+        <p:nvPicPr>
+          <p:cNvPr id="11" name="Graphic 10" descr="Male profile">
+            <a:extLst>
+              <a:ext uri="{FF2B5EF4-FFF2-40B4-BE49-F238E27FC236}">
+                <a16:creationId xmlns:a16="http://schemas.microsoft.com/office/drawing/2014/main" id="{DEB6ACB1-779E-4695-A517-42784BB66A0D}"/>
+              </a:ext>
+            </a:extLst>
+          </p:cNvPr>
+          <p:cNvPicPr>
+            <a:picLocks noChangeAspect="1"/>
+          </p:cNvPicPr>
+          <p:nvPr/>
+        </p:nvPicPr>
+        <p:blipFill>
+          <a:blip r:embed="rId3">
+            <a:extLst>
+              <a:ext uri="{28A0092B-C50C-407E-A947-70E740481C1C}">
+                <a14:useLocalDpi xmlns:a14="http://schemas.microsoft.com/office/drawing/2010/main" val="0"/>
+              </a:ext>
+              <a:ext uri="{96DAC541-7B7A-43D3-8B79-37D633B846F1}">
+                <asvg:svgBlip xmlns:asvg="http://schemas.microsoft.com/office/drawing/2016/SVG/main" r:embed="rId4"/>
+              </a:ext>
+            </a:extLst>
+          </a:blip>
+          <a:stretch>
+            <a:fillRect/>
+          </a:stretch>
+        </p:blipFill>
+        <p:spPr>
+          <a:xfrm>
+            <a:off x="3098815" y="2016541"/>
+            <a:ext cx="914400" cy="914400"/>
+          </a:xfrm>
+          <a:prstGeom prst="rect">
+            <a:avLst/>
+          </a:prstGeom>
+        </p:spPr>
+      </p:pic>
+      <p:pic>
+        <p:nvPicPr>
+          <p:cNvPr id="13" name="Graphic 12" descr="Female Profile">
+            <a:extLst>
+              <a:ext uri="{FF2B5EF4-FFF2-40B4-BE49-F238E27FC236}">
+                <a16:creationId xmlns:a16="http://schemas.microsoft.com/office/drawing/2014/main" id="{74EF0E9E-40D0-417E-9E31-9DC14D374591}"/>
+              </a:ext>
+            </a:extLst>
+          </p:cNvPr>
+          <p:cNvPicPr>
+            <a:picLocks noChangeAspect="1"/>
+          </p:cNvPicPr>
+          <p:nvPr/>
+        </p:nvPicPr>
+        <p:blipFill>
+          <a:blip r:embed="rId5">
+            <a:extLst>
+              <a:ext uri="{28A0092B-C50C-407E-A947-70E740481C1C}">
+                <a14:useLocalDpi xmlns:a14="http://schemas.microsoft.com/office/drawing/2010/main" val="0"/>
+              </a:ext>
+              <a:ext uri="{96DAC541-7B7A-43D3-8B79-37D633B846F1}">
+                <asvg:svgBlip xmlns:asvg="http://schemas.microsoft.com/office/drawing/2016/SVG/main" r:embed="rId6"/>
+              </a:ext>
+            </a:extLst>
+          </a:blip>
+          <a:stretch>
+            <a:fillRect/>
+          </a:stretch>
+        </p:blipFill>
+        <p:spPr>
+          <a:xfrm>
+            <a:off x="3098815" y="5101836"/>
+            <a:ext cx="914400" cy="914400"/>
+          </a:xfrm>
+          <a:prstGeom prst="rect">
+            <a:avLst/>
+          </a:prstGeom>
+        </p:spPr>
+      </p:pic>
+      <p:sp>
+        <p:nvSpPr>
+          <p:cNvPr id="14" name="Content Placeholder 2">
+            <a:extLst>
+              <a:ext uri="{FF2B5EF4-FFF2-40B4-BE49-F238E27FC236}">
+                <a16:creationId xmlns:a16="http://schemas.microsoft.com/office/drawing/2014/main" id="{13782966-1AE3-4189-A7FA-A43DA06D22DC}"/>
+              </a:ext>
+            </a:extLst>
+          </p:cNvPr>
+          <p:cNvSpPr txBox="1">
+            <a:spLocks/>
+          </p:cNvSpPr>
+          <p:nvPr/>
+        </p:nvSpPr>
+        <p:spPr>
+          <a:xfrm>
+            <a:off x="3965589" y="2209769"/>
+            <a:ext cx="5396119" cy="691151"/>
+          </a:xfrm>
+          <a:prstGeom prst="rect">
+            <a:avLst/>
+          </a:prstGeom>
+        </p:spPr>
+        <p:txBody>
+          <a:bodyPr vert="horz" lIns="91440" tIns="45720" rIns="91440" bIns="45720" rtlCol="0" anchor="ctr">
+            <a:normAutofit/>
+          </a:bodyPr>
+          <a:lstStyle>
+            <a:lvl1pPr marL="228600" indent="-228600" algn="l" defTabSz="914400" rtl="0" eaLnBrk="1" latinLnBrk="0" hangingPunct="1">
+              <a:lnSpc>
+                <a:spcPct val="90000"/>
+              </a:lnSpc>
+              <a:spcBef>
+                <a:spcPts val="1000"/>
+              </a:spcBef>
+              <a:buFont typeface="Arial" panose="020B0604020202020204" pitchFamily="34" charset="0"/>
+              <a:buChar char="•"/>
+              <a:defRPr sz="2800" kern="1200">
+                <a:solidFill>
+                  <a:schemeClr val="tx1"/>
+                </a:solidFill>
+                <a:latin typeface="+mn-lt"/>
+                <a:ea typeface="+mn-ea"/>
+                <a:cs typeface="+mn-cs"/>
+              </a:defRPr>
+            </a:lvl1pPr>
+            <a:lvl2pPr marL="685800" indent="-228600" algn="l" defTabSz="914400" rtl="0" eaLnBrk="1" latinLnBrk="0" hangingPunct="1">
+              <a:lnSpc>
+                <a:spcPct val="90000"/>
+              </a:lnSpc>
+              <a:spcBef>
+                <a:spcPts val="500"/>
+              </a:spcBef>
+              <a:buFont typeface="Arial" panose="020B0604020202020204" pitchFamily="34" charset="0"/>
+              <a:buChar char="•"/>
+              <a:defRPr sz="2400" kern="1200">
+                <a:solidFill>
+                  <a:schemeClr val="tx1"/>
+                </a:solidFill>
+                <a:latin typeface="+mn-lt"/>
+                <a:ea typeface="+mn-ea"/>
+                <a:cs typeface="+mn-cs"/>
+              </a:defRPr>
+            </a:lvl2pPr>
+            <a:lvl3pPr marL="1143000" indent="-228600" algn="l" defTabSz="914400" rtl="0" eaLnBrk="1" latinLnBrk="0" hangingPunct="1">
+              <a:lnSpc>
+                <a:spcPct val="90000"/>
+              </a:lnSpc>
+              <a:spcBef>
+                <a:spcPts val="500"/>
+              </a:spcBef>
+              <a:buFont typeface="Arial" panose="020B0604020202020204" pitchFamily="34" charset="0"/>
+              <a:buChar char="•"/>
+              <a:defRPr sz="2000" kern="1200">
+                <a:solidFill>
+                  <a:schemeClr val="tx1"/>
+                </a:solidFill>
+                <a:latin typeface="+mn-lt"/>
+                <a:ea typeface="+mn-ea"/>
+                <a:cs typeface="+mn-cs"/>
+              </a:defRPr>
+            </a:lvl3pPr>
+            <a:lvl4pPr marL="1600200" indent="-228600" algn="l" defTabSz="914400" rtl="0" eaLnBrk="1" latinLnBrk="0" hangingPunct="1">
+              <a:lnSpc>
+                <a:spcPct val="90000"/>
+              </a:lnSpc>
+              <a:spcBef>
+                <a:spcPts val="500"/>
+              </a:spcBef>
+              <a:buFont typeface="Arial" panose="020B0604020202020204" pitchFamily="34" charset="0"/>
+              <a:buChar char="•"/>
+              <a:defRPr sz="1800" kern="1200">
+                <a:solidFill>
+                  <a:schemeClr val="tx1"/>
+                </a:solidFill>
+                <a:latin typeface="+mn-lt"/>
+                <a:ea typeface="+mn-ea"/>
+                <a:cs typeface="+mn-cs"/>
+              </a:defRPr>
+            </a:lvl4pPr>
+            <a:lvl5pPr marL="2057400" indent="-228600" algn="l" defTabSz="914400" rtl="0" eaLnBrk="1" latinLnBrk="0" hangingPunct="1">
+              <a:lnSpc>
+                <a:spcPct val="90000"/>
+              </a:lnSpc>
+              <a:spcBef>
+                <a:spcPts val="500"/>
+              </a:spcBef>
+              <a:buFont typeface="Arial" panose="020B0604020202020204" pitchFamily="34" charset="0"/>
+              <a:buChar char="•"/>
+              <a:defRPr sz="1800" kern="1200">
+                <a:solidFill>
+                  <a:schemeClr val="tx1"/>
+                </a:solidFill>
+                <a:latin typeface="+mn-lt"/>
+                <a:ea typeface="+mn-ea"/>
+                <a:cs typeface="+mn-cs"/>
+              </a:defRPr>
+            </a:lvl5pPr>
+            <a:lvl6pPr marL="2514600" indent="-228600" algn="l" defTabSz="914400" rtl="0" eaLnBrk="1" latinLnBrk="0" hangingPunct="1">
+              <a:lnSpc>
+                <a:spcPct val="90000"/>
+              </a:lnSpc>
+              <a:spcBef>
+                <a:spcPts val="500"/>
+              </a:spcBef>
+              <a:buFont typeface="Arial" panose="020B0604020202020204" pitchFamily="34" charset="0"/>
+              <a:buChar char="•"/>
+              <a:defRPr sz="1800" kern="1200">
+                <a:solidFill>
+                  <a:schemeClr val="tx1"/>
+                </a:solidFill>
+                <a:latin typeface="+mn-lt"/>
+                <a:ea typeface="+mn-ea"/>
+                <a:cs typeface="+mn-cs"/>
+              </a:defRPr>
+            </a:lvl6pPr>
+            <a:lvl7pPr marL="2971800" indent="-228600" algn="l" defTabSz="914400" rtl="0" eaLnBrk="1" latinLnBrk="0" hangingPunct="1">
+              <a:lnSpc>
+                <a:spcPct val="90000"/>
+              </a:lnSpc>
+              <a:spcBef>
+                <a:spcPts val="500"/>
+              </a:spcBef>
+              <a:buFont typeface="Arial" panose="020B0604020202020204" pitchFamily="34" charset="0"/>
+              <a:buChar char="•"/>
+              <a:defRPr sz="1800" kern="1200">
+                <a:solidFill>
+                  <a:schemeClr val="tx1"/>
+                </a:solidFill>
+                <a:latin typeface="+mn-lt"/>
+                <a:ea typeface="+mn-ea"/>
+                <a:cs typeface="+mn-cs"/>
+              </a:defRPr>
+            </a:lvl7pPr>
+            <a:lvl8pPr marL="3429000" indent="-228600" algn="l" defTabSz="914400" rtl="0" eaLnBrk="1" latinLnBrk="0" hangingPunct="1">
+              <a:lnSpc>
+                <a:spcPct val="90000"/>
+              </a:lnSpc>
+              <a:spcBef>
+                <a:spcPts val="500"/>
+              </a:spcBef>
+              <a:buFont typeface="Arial" panose="020B0604020202020204" pitchFamily="34" charset="0"/>
+              <a:buChar char="•"/>
+              <a:defRPr sz="1800" kern="1200">
+                <a:solidFill>
+                  <a:schemeClr val="tx1"/>
+                </a:solidFill>
+                <a:latin typeface="+mn-lt"/>
+                <a:ea typeface="+mn-ea"/>
+                <a:cs typeface="+mn-cs"/>
+              </a:defRPr>
+            </a:lvl8pPr>
+            <a:lvl9pPr marL="3886200" indent="-228600" algn="l" defTabSz="914400" rtl="0" eaLnBrk="1" latinLnBrk="0" hangingPunct="1">
+              <a:lnSpc>
+                <a:spcPct val="90000"/>
+              </a:lnSpc>
+              <a:spcBef>
+                <a:spcPts val="500"/>
+              </a:spcBef>
+              <a:buFont typeface="Arial" panose="020B0604020202020204" pitchFamily="34" charset="0"/>
+              <a:buChar char="•"/>
+              <a:defRPr sz="1800" kern="1200">
+                <a:solidFill>
+                  <a:schemeClr val="tx1"/>
+                </a:solidFill>
+                <a:latin typeface="+mn-lt"/>
+                <a:ea typeface="+mn-ea"/>
+                <a:cs typeface="+mn-cs"/>
+              </a:defRPr>
+            </a:lvl9pPr>
+          </a:lstStyle>
+          <a:p>
+            <a:pPr marL="0" indent="0">
+              <a:buNone/>
+            </a:pPr>
+            <a:r>
+              <a:rPr lang="en-US" sz="2000" dirty="0">
+                <a:solidFill>
+                  <a:srgbClr val="FF9900"/>
+                </a:solidFill>
+                <a:latin typeface="Tw Cen MT" panose="020B0602020104020603" pitchFamily="34" charset="0"/>
+                <a:ea typeface="Verdana" panose="020B0604030504040204" pitchFamily="34" charset="0"/>
+              </a:rPr>
+              <a:t>In 1998 John &amp; Jane both invest in 1 oz. of Gold bullion</a:t>
+            </a:r>
+            <a:endParaRPr lang="en-US" sz="2000" dirty="0">
+              <a:solidFill>
+                <a:srgbClr val="202C35"/>
+              </a:solidFill>
+              <a:latin typeface="Tw Cen MT" panose="020B0602020104020603" pitchFamily="34" charset="0"/>
+              <a:ea typeface="Verdana" panose="020B0604030504040204" pitchFamily="34" charset="0"/>
+            </a:endParaRPr>
+          </a:p>
+        </p:txBody>
+      </p:sp>
+      <p:sp>
+        <p:nvSpPr>
+          <p:cNvPr id="15" name="Content Placeholder 2">
+            <a:extLst>
+              <a:ext uri="{FF2B5EF4-FFF2-40B4-BE49-F238E27FC236}">
+                <a16:creationId xmlns:a16="http://schemas.microsoft.com/office/drawing/2014/main" id="{58D62C97-5EB2-41B9-880E-372272B749E7}"/>
+              </a:ext>
+            </a:extLst>
+          </p:cNvPr>
+          <p:cNvSpPr txBox="1">
+            <a:spLocks/>
+          </p:cNvSpPr>
+          <p:nvPr/>
+        </p:nvSpPr>
+        <p:spPr>
+          <a:xfrm>
+            <a:off x="3954496" y="5220486"/>
+            <a:ext cx="5396119" cy="691151"/>
+          </a:xfrm>
+          <a:prstGeom prst="rect">
+            <a:avLst/>
+          </a:prstGeom>
+        </p:spPr>
+        <p:txBody>
+          <a:bodyPr vert="horz" lIns="91440" tIns="45720" rIns="91440" bIns="45720" rtlCol="0" anchor="ctr">
+            <a:normAutofit/>
+          </a:bodyPr>
+          <a:lstStyle>
+            <a:lvl1pPr marL="228600" indent="-228600" algn="l" defTabSz="914400" rtl="0" eaLnBrk="1" latinLnBrk="0" hangingPunct="1">
+              <a:lnSpc>
+                <a:spcPct val="90000"/>
+              </a:lnSpc>
+              <a:spcBef>
+                <a:spcPts val="1000"/>
+              </a:spcBef>
+              <a:buFont typeface="Arial" panose="020B0604020202020204" pitchFamily="34" charset="0"/>
+              <a:buChar char="•"/>
+              <a:defRPr sz="2800" kern="1200">
+                <a:solidFill>
+                  <a:schemeClr val="tx1"/>
+                </a:solidFill>
+                <a:latin typeface="+mn-lt"/>
+                <a:ea typeface="+mn-ea"/>
+                <a:cs typeface="+mn-cs"/>
+              </a:defRPr>
+            </a:lvl1pPr>
+            <a:lvl2pPr marL="685800" indent="-228600" algn="l" defTabSz="914400" rtl="0" eaLnBrk="1" latinLnBrk="0" hangingPunct="1">
+              <a:lnSpc>
+                <a:spcPct val="90000"/>
+              </a:lnSpc>
+              <a:spcBef>
+                <a:spcPts val="500"/>
+              </a:spcBef>
+              <a:buFont typeface="Arial" panose="020B0604020202020204" pitchFamily="34" charset="0"/>
+              <a:buChar char="•"/>
+              <a:defRPr sz="2400" kern="1200">
+                <a:solidFill>
+                  <a:schemeClr val="tx1"/>
+                </a:solidFill>
+                <a:latin typeface="+mn-lt"/>
+                <a:ea typeface="+mn-ea"/>
+                <a:cs typeface="+mn-cs"/>
+              </a:defRPr>
+            </a:lvl2pPr>
+            <a:lvl3pPr marL="1143000" indent="-228600" algn="l" defTabSz="914400" rtl="0" eaLnBrk="1" latinLnBrk="0" hangingPunct="1">
+              <a:lnSpc>
+                <a:spcPct val="90000"/>
+              </a:lnSpc>
+              <a:spcBef>
+                <a:spcPts val="500"/>
+              </a:spcBef>
+              <a:buFont typeface="Arial" panose="020B0604020202020204" pitchFamily="34" charset="0"/>
+              <a:buChar char="•"/>
+              <a:defRPr sz="2000" kern="1200">
+                <a:solidFill>
+                  <a:schemeClr val="tx1"/>
+                </a:solidFill>
+                <a:latin typeface="+mn-lt"/>
+                <a:ea typeface="+mn-ea"/>
+                <a:cs typeface="+mn-cs"/>
+              </a:defRPr>
+            </a:lvl3pPr>
+            <a:lvl4pPr marL="1600200" indent="-228600" algn="l" defTabSz="914400" rtl="0" eaLnBrk="1" latinLnBrk="0" hangingPunct="1">
+              <a:lnSpc>
+                <a:spcPct val="90000"/>
+              </a:lnSpc>
+              <a:spcBef>
+                <a:spcPts val="500"/>
+              </a:spcBef>
+              <a:buFont typeface="Arial" panose="020B0604020202020204" pitchFamily="34" charset="0"/>
+              <a:buChar char="•"/>
+              <a:defRPr sz="1800" kern="1200">
+                <a:solidFill>
+                  <a:schemeClr val="tx1"/>
+                </a:solidFill>
+                <a:latin typeface="+mn-lt"/>
+                <a:ea typeface="+mn-ea"/>
+                <a:cs typeface="+mn-cs"/>
+              </a:defRPr>
+            </a:lvl4pPr>
+            <a:lvl5pPr marL="2057400" indent="-228600" algn="l" defTabSz="914400" rtl="0" eaLnBrk="1" latinLnBrk="0" hangingPunct="1">
+              <a:lnSpc>
+                <a:spcPct val="90000"/>
+              </a:lnSpc>
+              <a:spcBef>
+                <a:spcPts val="500"/>
+              </a:spcBef>
+              <a:buFont typeface="Arial" panose="020B0604020202020204" pitchFamily="34" charset="0"/>
+              <a:buChar char="•"/>
+              <a:defRPr sz="1800" kern="1200">
+                <a:solidFill>
+                  <a:schemeClr val="tx1"/>
+                </a:solidFill>
+                <a:latin typeface="+mn-lt"/>
+                <a:ea typeface="+mn-ea"/>
+                <a:cs typeface="+mn-cs"/>
+              </a:defRPr>
+            </a:lvl5pPr>
+            <a:lvl6pPr marL="2514600" indent="-228600" algn="l" defTabSz="914400" rtl="0" eaLnBrk="1" latinLnBrk="0" hangingPunct="1">
+              <a:lnSpc>
+                <a:spcPct val="90000"/>
+              </a:lnSpc>
+              <a:spcBef>
+                <a:spcPts val="500"/>
+              </a:spcBef>
+              <a:buFont typeface="Arial" panose="020B0604020202020204" pitchFamily="34" charset="0"/>
+              <a:buChar char="•"/>
+              <a:defRPr sz="1800" kern="1200">
+                <a:solidFill>
+                  <a:schemeClr val="tx1"/>
+                </a:solidFill>
+                <a:latin typeface="+mn-lt"/>
+                <a:ea typeface="+mn-ea"/>
+                <a:cs typeface="+mn-cs"/>
+              </a:defRPr>
+            </a:lvl6pPr>
+            <a:lvl7pPr marL="2971800" indent="-228600" algn="l" defTabSz="914400" rtl="0" eaLnBrk="1" latinLnBrk="0" hangingPunct="1">
+              <a:lnSpc>
+                <a:spcPct val="90000"/>
+              </a:lnSpc>
+              <a:spcBef>
+                <a:spcPts val="500"/>
+              </a:spcBef>
+              <a:buFont typeface="Arial" panose="020B0604020202020204" pitchFamily="34" charset="0"/>
+              <a:buChar char="•"/>
+              <a:defRPr sz="1800" kern="1200">
+                <a:solidFill>
+                  <a:schemeClr val="tx1"/>
+                </a:solidFill>
+                <a:latin typeface="+mn-lt"/>
+                <a:ea typeface="+mn-ea"/>
+                <a:cs typeface="+mn-cs"/>
+              </a:defRPr>
+            </a:lvl7pPr>
+            <a:lvl8pPr marL="3429000" indent="-228600" algn="l" defTabSz="914400" rtl="0" eaLnBrk="1" latinLnBrk="0" hangingPunct="1">
+              <a:lnSpc>
+                <a:spcPct val="90000"/>
+              </a:lnSpc>
+              <a:spcBef>
+                <a:spcPts val="500"/>
+              </a:spcBef>
+              <a:buFont typeface="Arial" panose="020B0604020202020204" pitchFamily="34" charset="0"/>
+              <a:buChar char="•"/>
+              <a:defRPr sz="1800" kern="1200">
+                <a:solidFill>
+                  <a:schemeClr val="tx1"/>
+                </a:solidFill>
+                <a:latin typeface="+mn-lt"/>
+                <a:ea typeface="+mn-ea"/>
+                <a:cs typeface="+mn-cs"/>
+              </a:defRPr>
+            </a:lvl8pPr>
+            <a:lvl9pPr marL="3886200" indent="-228600" algn="l" defTabSz="914400" rtl="0" eaLnBrk="1" latinLnBrk="0" hangingPunct="1">
+              <a:lnSpc>
+                <a:spcPct val="90000"/>
+              </a:lnSpc>
+              <a:spcBef>
+                <a:spcPts val="500"/>
+              </a:spcBef>
+              <a:buFont typeface="Arial" panose="020B0604020202020204" pitchFamily="34" charset="0"/>
+              <a:buChar char="•"/>
+              <a:defRPr sz="1800" kern="1200">
+                <a:solidFill>
+                  <a:schemeClr val="tx1"/>
+                </a:solidFill>
+                <a:latin typeface="+mn-lt"/>
+                <a:ea typeface="+mn-ea"/>
+                <a:cs typeface="+mn-cs"/>
+              </a:defRPr>
+            </a:lvl9pPr>
+          </a:lstStyle>
+          <a:p>
+            <a:pPr marL="0" indent="0">
+              <a:buNone/>
+            </a:pPr>
+            <a:r>
+              <a:rPr lang="en-US" sz="2000" dirty="0">
+                <a:solidFill>
+                  <a:srgbClr val="9999FF"/>
+                </a:solidFill>
+                <a:latin typeface="Tw Cen MT" panose="020B0602020104020603" pitchFamily="34" charset="0"/>
+                <a:ea typeface="Verdana" panose="020B0604030504040204" pitchFamily="34" charset="0"/>
+              </a:rPr>
+              <a:t>Jane holds her investment</a:t>
+            </a:r>
+          </a:p>
+        </p:txBody>
+      </p:sp>
+      <p:sp>
+        <p:nvSpPr>
+          <p:cNvPr id="23" name="Content Placeholder 2">
+            <a:extLst>
+              <a:ext uri="{FF2B5EF4-FFF2-40B4-BE49-F238E27FC236}">
+                <a16:creationId xmlns:a16="http://schemas.microsoft.com/office/drawing/2014/main" id="{67D08DEB-188B-4B9F-8503-933D1611065A}"/>
+              </a:ext>
+            </a:extLst>
+          </p:cNvPr>
+          <p:cNvSpPr txBox="1">
+            <a:spLocks/>
+          </p:cNvSpPr>
+          <p:nvPr/>
+        </p:nvSpPr>
+        <p:spPr>
+          <a:xfrm>
+            <a:off x="3963204" y="2215357"/>
+            <a:ext cx="5396119" cy="691151"/>
+          </a:xfrm>
+          <a:prstGeom prst="rect">
+            <a:avLst/>
+          </a:prstGeom>
+          <a:solidFill>
+            <a:schemeClr val="bg1"/>
+          </a:solidFill>
+        </p:spPr>
+        <p:txBody>
+          <a:bodyPr vert="horz" lIns="91440" tIns="45720" rIns="91440" bIns="45720" rtlCol="0" anchor="ctr">
+            <a:normAutofit/>
+          </a:bodyPr>
+          <a:lstStyle>
+            <a:lvl1pPr marL="228600" indent="-228600" algn="l" defTabSz="914400" rtl="0" eaLnBrk="1" latinLnBrk="0" hangingPunct="1">
+              <a:lnSpc>
+                <a:spcPct val="90000"/>
+              </a:lnSpc>
+              <a:spcBef>
+                <a:spcPts val="1000"/>
+              </a:spcBef>
+              <a:buFont typeface="Arial" panose="020B0604020202020204" pitchFamily="34" charset="0"/>
+              <a:buChar char="•"/>
+              <a:defRPr sz="2800" kern="1200">
+                <a:solidFill>
+                  <a:schemeClr val="tx1"/>
+                </a:solidFill>
+                <a:latin typeface="+mn-lt"/>
+                <a:ea typeface="+mn-ea"/>
+                <a:cs typeface="+mn-cs"/>
+              </a:defRPr>
+            </a:lvl1pPr>
+            <a:lvl2pPr marL="685800" indent="-228600" algn="l" defTabSz="914400" rtl="0" eaLnBrk="1" latinLnBrk="0" hangingPunct="1">
+              <a:lnSpc>
+                <a:spcPct val="90000"/>
+              </a:lnSpc>
+              <a:spcBef>
+                <a:spcPts val="500"/>
+              </a:spcBef>
+              <a:buFont typeface="Arial" panose="020B0604020202020204" pitchFamily="34" charset="0"/>
+              <a:buChar char="•"/>
+              <a:defRPr sz="2400" kern="1200">
+                <a:solidFill>
+                  <a:schemeClr val="tx1"/>
+                </a:solidFill>
+                <a:latin typeface="+mn-lt"/>
+                <a:ea typeface="+mn-ea"/>
+                <a:cs typeface="+mn-cs"/>
+              </a:defRPr>
+            </a:lvl2pPr>
+            <a:lvl3pPr marL="1143000" indent="-228600" algn="l" defTabSz="914400" rtl="0" eaLnBrk="1" latinLnBrk="0" hangingPunct="1">
+              <a:lnSpc>
+                <a:spcPct val="90000"/>
+              </a:lnSpc>
+              <a:spcBef>
+                <a:spcPts val="500"/>
+              </a:spcBef>
+              <a:buFont typeface="Arial" panose="020B0604020202020204" pitchFamily="34" charset="0"/>
+              <a:buChar char="•"/>
+              <a:defRPr sz="2000" kern="1200">
+                <a:solidFill>
+                  <a:schemeClr val="tx1"/>
+                </a:solidFill>
+                <a:latin typeface="+mn-lt"/>
+                <a:ea typeface="+mn-ea"/>
+                <a:cs typeface="+mn-cs"/>
+              </a:defRPr>
+            </a:lvl3pPr>
+            <a:lvl4pPr marL="1600200" indent="-228600" algn="l" defTabSz="914400" rtl="0" eaLnBrk="1" latinLnBrk="0" hangingPunct="1">
+              <a:lnSpc>
+                <a:spcPct val="90000"/>
+              </a:lnSpc>
+              <a:spcBef>
+                <a:spcPts val="500"/>
+              </a:spcBef>
+              <a:buFont typeface="Arial" panose="020B0604020202020204" pitchFamily="34" charset="0"/>
+              <a:buChar char="•"/>
+              <a:defRPr sz="1800" kern="1200">
+                <a:solidFill>
+                  <a:schemeClr val="tx1"/>
+                </a:solidFill>
+                <a:latin typeface="+mn-lt"/>
+                <a:ea typeface="+mn-ea"/>
+                <a:cs typeface="+mn-cs"/>
+              </a:defRPr>
+            </a:lvl4pPr>
+            <a:lvl5pPr marL="2057400" indent="-228600" algn="l" defTabSz="914400" rtl="0" eaLnBrk="1" latinLnBrk="0" hangingPunct="1">
+              <a:lnSpc>
+                <a:spcPct val="90000"/>
+              </a:lnSpc>
+              <a:spcBef>
+                <a:spcPts val="500"/>
+              </a:spcBef>
+              <a:buFont typeface="Arial" panose="020B0604020202020204" pitchFamily="34" charset="0"/>
+              <a:buChar char="•"/>
+              <a:defRPr sz="1800" kern="1200">
+                <a:solidFill>
+                  <a:schemeClr val="tx1"/>
+                </a:solidFill>
+                <a:latin typeface="+mn-lt"/>
+                <a:ea typeface="+mn-ea"/>
+                <a:cs typeface="+mn-cs"/>
+              </a:defRPr>
+            </a:lvl5pPr>
+            <a:lvl6pPr marL="2514600" indent="-228600" algn="l" defTabSz="914400" rtl="0" eaLnBrk="1" latinLnBrk="0" hangingPunct="1">
+              <a:lnSpc>
+                <a:spcPct val="90000"/>
+              </a:lnSpc>
+              <a:spcBef>
+                <a:spcPts val="500"/>
+              </a:spcBef>
+              <a:buFont typeface="Arial" panose="020B0604020202020204" pitchFamily="34" charset="0"/>
+              <a:buChar char="•"/>
+              <a:defRPr sz="1800" kern="1200">
+                <a:solidFill>
+                  <a:schemeClr val="tx1"/>
+                </a:solidFill>
+                <a:latin typeface="+mn-lt"/>
+                <a:ea typeface="+mn-ea"/>
+                <a:cs typeface="+mn-cs"/>
+              </a:defRPr>
+            </a:lvl6pPr>
+            <a:lvl7pPr marL="2971800" indent="-228600" algn="l" defTabSz="914400" rtl="0" eaLnBrk="1" latinLnBrk="0" hangingPunct="1">
+              <a:lnSpc>
+                <a:spcPct val="90000"/>
+              </a:lnSpc>
+              <a:spcBef>
+                <a:spcPts val="500"/>
+              </a:spcBef>
+              <a:buFont typeface="Arial" panose="020B0604020202020204" pitchFamily="34" charset="0"/>
+              <a:buChar char="•"/>
+              <a:defRPr sz="1800" kern="1200">
+                <a:solidFill>
+                  <a:schemeClr val="tx1"/>
+                </a:solidFill>
+                <a:latin typeface="+mn-lt"/>
+                <a:ea typeface="+mn-ea"/>
+                <a:cs typeface="+mn-cs"/>
+              </a:defRPr>
+            </a:lvl7pPr>
+            <a:lvl8pPr marL="3429000" indent="-228600" algn="l" defTabSz="914400" rtl="0" eaLnBrk="1" latinLnBrk="0" hangingPunct="1">
+              <a:lnSpc>
+                <a:spcPct val="90000"/>
+              </a:lnSpc>
+              <a:spcBef>
+                <a:spcPts val="500"/>
+              </a:spcBef>
+              <a:buFont typeface="Arial" panose="020B0604020202020204" pitchFamily="34" charset="0"/>
+              <a:buChar char="•"/>
+              <a:defRPr sz="1800" kern="1200">
+                <a:solidFill>
+                  <a:schemeClr val="tx1"/>
+                </a:solidFill>
+                <a:latin typeface="+mn-lt"/>
+                <a:ea typeface="+mn-ea"/>
+                <a:cs typeface="+mn-cs"/>
+              </a:defRPr>
+            </a:lvl8pPr>
+            <a:lvl9pPr marL="3886200" indent="-228600" algn="l" defTabSz="914400" rtl="0" eaLnBrk="1" latinLnBrk="0" hangingPunct="1">
+              <a:lnSpc>
+                <a:spcPct val="90000"/>
+              </a:lnSpc>
+              <a:spcBef>
+                <a:spcPts val="500"/>
+              </a:spcBef>
+              <a:buFont typeface="Arial" panose="020B0604020202020204" pitchFamily="34" charset="0"/>
+              <a:buChar char="•"/>
+              <a:defRPr sz="1800" kern="1200">
+                <a:solidFill>
+                  <a:schemeClr val="tx1"/>
+                </a:solidFill>
+                <a:latin typeface="+mn-lt"/>
+                <a:ea typeface="+mn-ea"/>
+                <a:cs typeface="+mn-cs"/>
+              </a:defRPr>
+            </a:lvl9pPr>
+          </a:lstStyle>
+          <a:p>
+            <a:pPr marL="0" indent="0">
+              <a:buNone/>
+            </a:pPr>
+            <a:r>
+              <a:rPr lang="en-US" sz="2000" dirty="0">
+                <a:solidFill>
+                  <a:srgbClr val="FF9900"/>
+                </a:solidFill>
+                <a:latin typeface="Tw Cen MT" panose="020B0602020104020603" pitchFamily="34" charset="0"/>
+                <a:ea typeface="Verdana" panose="020B0604030504040204" pitchFamily="34" charset="0"/>
+              </a:rPr>
+              <a:t>In 2003 John converts his 1 oz. Gold bullion into 78 ounces of Silver </a:t>
+            </a:r>
+          </a:p>
+        </p:txBody>
+      </p:sp>
+      <p:sp>
+        <p:nvSpPr>
+          <p:cNvPr id="26" name="Content Placeholder 2">
+            <a:extLst>
+              <a:ext uri="{FF2B5EF4-FFF2-40B4-BE49-F238E27FC236}">
+                <a16:creationId xmlns:a16="http://schemas.microsoft.com/office/drawing/2014/main" id="{9033CB19-1B20-48A2-A51A-0A3306DE9EF0}"/>
+              </a:ext>
+            </a:extLst>
+          </p:cNvPr>
+          <p:cNvSpPr txBox="1">
+            <a:spLocks/>
+          </p:cNvSpPr>
+          <p:nvPr/>
+        </p:nvSpPr>
+        <p:spPr>
+          <a:xfrm>
+            <a:off x="3727075" y="4192114"/>
+            <a:ext cx="604212" cy="345576"/>
+          </a:xfrm>
+          <a:prstGeom prst="rect">
+            <a:avLst/>
+          </a:prstGeom>
+        </p:spPr>
+        <p:txBody>
+          <a:bodyPr vert="horz" lIns="91440" tIns="45720" rIns="91440" bIns="45720" rtlCol="0" anchor="ctr">
+            <a:normAutofit/>
+          </a:bodyPr>
+          <a:lstStyle>
+            <a:lvl1pPr marL="228600" indent="-228600" algn="l" defTabSz="914400" rtl="0" eaLnBrk="1" latinLnBrk="0" hangingPunct="1">
+              <a:lnSpc>
+                <a:spcPct val="90000"/>
+              </a:lnSpc>
+              <a:spcBef>
+                <a:spcPts val="1000"/>
+              </a:spcBef>
+              <a:buFont typeface="Arial" panose="020B0604020202020204" pitchFamily="34" charset="0"/>
+              <a:buChar char="•"/>
+              <a:defRPr sz="2800" kern="1200">
+                <a:solidFill>
+                  <a:schemeClr val="tx1"/>
+                </a:solidFill>
+                <a:latin typeface="+mn-lt"/>
+                <a:ea typeface="+mn-ea"/>
+                <a:cs typeface="+mn-cs"/>
+              </a:defRPr>
+            </a:lvl1pPr>
+            <a:lvl2pPr marL="685800" indent="-228600" algn="l" defTabSz="914400" rtl="0" eaLnBrk="1" latinLnBrk="0" hangingPunct="1">
+              <a:lnSpc>
+                <a:spcPct val="90000"/>
+              </a:lnSpc>
+              <a:spcBef>
+                <a:spcPts val="500"/>
+              </a:spcBef>
+              <a:buFont typeface="Arial" panose="020B0604020202020204" pitchFamily="34" charset="0"/>
+              <a:buChar char="•"/>
+              <a:defRPr sz="2400" kern="1200">
+                <a:solidFill>
+                  <a:schemeClr val="tx1"/>
+                </a:solidFill>
+                <a:latin typeface="+mn-lt"/>
+                <a:ea typeface="+mn-ea"/>
+                <a:cs typeface="+mn-cs"/>
+              </a:defRPr>
+            </a:lvl2pPr>
+            <a:lvl3pPr marL="1143000" indent="-228600" algn="l" defTabSz="914400" rtl="0" eaLnBrk="1" latinLnBrk="0" hangingPunct="1">
+              <a:lnSpc>
+                <a:spcPct val="90000"/>
+              </a:lnSpc>
+              <a:spcBef>
+                <a:spcPts val="500"/>
+              </a:spcBef>
+              <a:buFont typeface="Arial" panose="020B0604020202020204" pitchFamily="34" charset="0"/>
+              <a:buChar char="•"/>
+              <a:defRPr sz="2000" kern="1200">
+                <a:solidFill>
+                  <a:schemeClr val="tx1"/>
+                </a:solidFill>
+                <a:latin typeface="+mn-lt"/>
+                <a:ea typeface="+mn-ea"/>
+                <a:cs typeface="+mn-cs"/>
+              </a:defRPr>
+            </a:lvl3pPr>
+            <a:lvl4pPr marL="1600200" indent="-228600" algn="l" defTabSz="914400" rtl="0" eaLnBrk="1" latinLnBrk="0" hangingPunct="1">
+              <a:lnSpc>
+                <a:spcPct val="90000"/>
+              </a:lnSpc>
+              <a:spcBef>
+                <a:spcPts val="500"/>
+              </a:spcBef>
+              <a:buFont typeface="Arial" panose="020B0604020202020204" pitchFamily="34" charset="0"/>
+              <a:buChar char="•"/>
+              <a:defRPr sz="1800" kern="1200">
+                <a:solidFill>
+                  <a:schemeClr val="tx1"/>
+                </a:solidFill>
+                <a:latin typeface="+mn-lt"/>
+                <a:ea typeface="+mn-ea"/>
+                <a:cs typeface="+mn-cs"/>
+              </a:defRPr>
+            </a:lvl4pPr>
+            <a:lvl5pPr marL="2057400" indent="-228600" algn="l" defTabSz="914400" rtl="0" eaLnBrk="1" latinLnBrk="0" hangingPunct="1">
+              <a:lnSpc>
+                <a:spcPct val="90000"/>
+              </a:lnSpc>
+              <a:spcBef>
+                <a:spcPts val="500"/>
+              </a:spcBef>
+              <a:buFont typeface="Arial" panose="020B0604020202020204" pitchFamily="34" charset="0"/>
+              <a:buChar char="•"/>
+              <a:defRPr sz="1800" kern="1200">
+                <a:solidFill>
+                  <a:schemeClr val="tx1"/>
+                </a:solidFill>
+                <a:latin typeface="+mn-lt"/>
+                <a:ea typeface="+mn-ea"/>
+                <a:cs typeface="+mn-cs"/>
+              </a:defRPr>
+            </a:lvl5pPr>
+            <a:lvl6pPr marL="2514600" indent="-228600" algn="l" defTabSz="914400" rtl="0" eaLnBrk="1" latinLnBrk="0" hangingPunct="1">
+              <a:lnSpc>
+                <a:spcPct val="90000"/>
+              </a:lnSpc>
+              <a:spcBef>
+                <a:spcPts val="500"/>
+              </a:spcBef>
+              <a:buFont typeface="Arial" panose="020B0604020202020204" pitchFamily="34" charset="0"/>
+              <a:buChar char="•"/>
+              <a:defRPr sz="1800" kern="1200">
+                <a:solidFill>
+                  <a:schemeClr val="tx1"/>
+                </a:solidFill>
+                <a:latin typeface="+mn-lt"/>
+                <a:ea typeface="+mn-ea"/>
+                <a:cs typeface="+mn-cs"/>
+              </a:defRPr>
+            </a:lvl6pPr>
+            <a:lvl7pPr marL="2971800" indent="-228600" algn="l" defTabSz="914400" rtl="0" eaLnBrk="1" latinLnBrk="0" hangingPunct="1">
+              <a:lnSpc>
+                <a:spcPct val="90000"/>
+              </a:lnSpc>
+              <a:spcBef>
+                <a:spcPts val="500"/>
+              </a:spcBef>
+              <a:buFont typeface="Arial" panose="020B0604020202020204" pitchFamily="34" charset="0"/>
+              <a:buChar char="•"/>
+              <a:defRPr sz="1800" kern="1200">
+                <a:solidFill>
+                  <a:schemeClr val="tx1"/>
+                </a:solidFill>
+                <a:latin typeface="+mn-lt"/>
+                <a:ea typeface="+mn-ea"/>
+                <a:cs typeface="+mn-cs"/>
+              </a:defRPr>
+            </a:lvl7pPr>
+            <a:lvl8pPr marL="3429000" indent="-228600" algn="l" defTabSz="914400" rtl="0" eaLnBrk="1" latinLnBrk="0" hangingPunct="1">
+              <a:lnSpc>
+                <a:spcPct val="90000"/>
+              </a:lnSpc>
+              <a:spcBef>
+                <a:spcPts val="500"/>
+              </a:spcBef>
+              <a:buFont typeface="Arial" panose="020B0604020202020204" pitchFamily="34" charset="0"/>
+              <a:buChar char="•"/>
+              <a:defRPr sz="1800" kern="1200">
+                <a:solidFill>
+                  <a:schemeClr val="tx1"/>
+                </a:solidFill>
+                <a:latin typeface="+mn-lt"/>
+                <a:ea typeface="+mn-ea"/>
+                <a:cs typeface="+mn-cs"/>
+              </a:defRPr>
+            </a:lvl8pPr>
+            <a:lvl9pPr marL="3886200" indent="-228600" algn="l" defTabSz="914400" rtl="0" eaLnBrk="1" latinLnBrk="0" hangingPunct="1">
+              <a:lnSpc>
+                <a:spcPct val="90000"/>
+              </a:lnSpc>
+              <a:spcBef>
+                <a:spcPts val="500"/>
+              </a:spcBef>
+              <a:buFont typeface="Arial" panose="020B0604020202020204" pitchFamily="34" charset="0"/>
+              <a:buChar char="•"/>
+              <a:defRPr sz="1800" kern="1200">
+                <a:solidFill>
+                  <a:schemeClr val="tx1"/>
+                </a:solidFill>
+                <a:latin typeface="+mn-lt"/>
+                <a:ea typeface="+mn-ea"/>
+                <a:cs typeface="+mn-cs"/>
+              </a:defRPr>
+            </a:lvl9pPr>
+          </a:lstStyle>
+          <a:p>
+            <a:pPr marL="0" indent="0">
+              <a:buNone/>
+            </a:pPr>
+            <a:r>
+              <a:rPr lang="en-US" sz="1400" dirty="0">
+                <a:solidFill>
+                  <a:srgbClr val="202C35"/>
+                </a:solidFill>
+                <a:latin typeface="Tw Cen MT" panose="020B0602020104020603" pitchFamily="34" charset="0"/>
+                <a:ea typeface="Verdana" panose="020B0604030504040204" pitchFamily="34" charset="0"/>
+              </a:rPr>
+              <a:t>1.0oz</a:t>
+            </a:r>
+          </a:p>
+        </p:txBody>
+      </p:sp>
+      <p:sp>
+        <p:nvSpPr>
+          <p:cNvPr id="28" name="Content Placeholder 2">
+            <a:extLst>
+              <a:ext uri="{FF2B5EF4-FFF2-40B4-BE49-F238E27FC236}">
+                <a16:creationId xmlns:a16="http://schemas.microsoft.com/office/drawing/2014/main" id="{6BEE83A4-2490-49B8-95C8-F395AB7168E1}"/>
+              </a:ext>
+            </a:extLst>
+          </p:cNvPr>
+          <p:cNvSpPr txBox="1">
+            <a:spLocks/>
+          </p:cNvSpPr>
+          <p:nvPr/>
+        </p:nvSpPr>
+        <p:spPr>
+          <a:xfrm>
+            <a:off x="5074538" y="3064127"/>
+            <a:ext cx="559411" cy="345576"/>
+          </a:xfrm>
+          <a:prstGeom prst="rect">
+            <a:avLst/>
+          </a:prstGeom>
+        </p:spPr>
+        <p:txBody>
+          <a:bodyPr vert="horz" lIns="91440" tIns="45720" rIns="91440" bIns="45720" rtlCol="0" anchor="ctr">
+            <a:normAutofit/>
+          </a:bodyPr>
+          <a:lstStyle>
+            <a:lvl1pPr marL="228600" indent="-228600" algn="l" defTabSz="914400" rtl="0" eaLnBrk="1" latinLnBrk="0" hangingPunct="1">
+              <a:lnSpc>
+                <a:spcPct val="90000"/>
+              </a:lnSpc>
+              <a:spcBef>
+                <a:spcPts val="1000"/>
+              </a:spcBef>
+              <a:buFont typeface="Arial" panose="020B0604020202020204" pitchFamily="34" charset="0"/>
+              <a:buChar char="•"/>
+              <a:defRPr sz="2800" kern="1200">
+                <a:solidFill>
+                  <a:schemeClr val="tx1"/>
+                </a:solidFill>
+                <a:latin typeface="+mn-lt"/>
+                <a:ea typeface="+mn-ea"/>
+                <a:cs typeface="+mn-cs"/>
+              </a:defRPr>
+            </a:lvl1pPr>
+            <a:lvl2pPr marL="685800" indent="-228600" algn="l" defTabSz="914400" rtl="0" eaLnBrk="1" latinLnBrk="0" hangingPunct="1">
+              <a:lnSpc>
+                <a:spcPct val="90000"/>
+              </a:lnSpc>
+              <a:spcBef>
+                <a:spcPts val="500"/>
+              </a:spcBef>
+              <a:buFont typeface="Arial" panose="020B0604020202020204" pitchFamily="34" charset="0"/>
+              <a:buChar char="•"/>
+              <a:defRPr sz="2400" kern="1200">
+                <a:solidFill>
+                  <a:schemeClr val="tx1"/>
+                </a:solidFill>
+                <a:latin typeface="+mn-lt"/>
+                <a:ea typeface="+mn-ea"/>
+                <a:cs typeface="+mn-cs"/>
+              </a:defRPr>
+            </a:lvl2pPr>
+            <a:lvl3pPr marL="1143000" indent="-228600" algn="l" defTabSz="914400" rtl="0" eaLnBrk="1" latinLnBrk="0" hangingPunct="1">
+              <a:lnSpc>
+                <a:spcPct val="90000"/>
+              </a:lnSpc>
+              <a:spcBef>
+                <a:spcPts val="500"/>
+              </a:spcBef>
+              <a:buFont typeface="Arial" panose="020B0604020202020204" pitchFamily="34" charset="0"/>
+              <a:buChar char="•"/>
+              <a:defRPr sz="2000" kern="1200">
+                <a:solidFill>
+                  <a:schemeClr val="tx1"/>
+                </a:solidFill>
+                <a:latin typeface="+mn-lt"/>
+                <a:ea typeface="+mn-ea"/>
+                <a:cs typeface="+mn-cs"/>
+              </a:defRPr>
+            </a:lvl3pPr>
+            <a:lvl4pPr marL="1600200" indent="-228600" algn="l" defTabSz="914400" rtl="0" eaLnBrk="1" latinLnBrk="0" hangingPunct="1">
+              <a:lnSpc>
+                <a:spcPct val="90000"/>
+              </a:lnSpc>
+              <a:spcBef>
+                <a:spcPts val="500"/>
+              </a:spcBef>
+              <a:buFont typeface="Arial" panose="020B0604020202020204" pitchFamily="34" charset="0"/>
+              <a:buChar char="•"/>
+              <a:defRPr sz="1800" kern="1200">
+                <a:solidFill>
+                  <a:schemeClr val="tx1"/>
+                </a:solidFill>
+                <a:latin typeface="+mn-lt"/>
+                <a:ea typeface="+mn-ea"/>
+                <a:cs typeface="+mn-cs"/>
+              </a:defRPr>
+            </a:lvl4pPr>
+            <a:lvl5pPr marL="2057400" indent="-228600" algn="l" defTabSz="914400" rtl="0" eaLnBrk="1" latinLnBrk="0" hangingPunct="1">
+              <a:lnSpc>
+                <a:spcPct val="90000"/>
+              </a:lnSpc>
+              <a:spcBef>
+                <a:spcPts val="500"/>
+              </a:spcBef>
+              <a:buFont typeface="Arial" panose="020B0604020202020204" pitchFamily="34" charset="0"/>
+              <a:buChar char="•"/>
+              <a:defRPr sz="1800" kern="1200">
+                <a:solidFill>
+                  <a:schemeClr val="tx1"/>
+                </a:solidFill>
+                <a:latin typeface="+mn-lt"/>
+                <a:ea typeface="+mn-ea"/>
+                <a:cs typeface="+mn-cs"/>
+              </a:defRPr>
+            </a:lvl5pPr>
+            <a:lvl6pPr marL="2514600" indent="-228600" algn="l" defTabSz="914400" rtl="0" eaLnBrk="1" latinLnBrk="0" hangingPunct="1">
+              <a:lnSpc>
+                <a:spcPct val="90000"/>
+              </a:lnSpc>
+              <a:spcBef>
+                <a:spcPts val="500"/>
+              </a:spcBef>
+              <a:buFont typeface="Arial" panose="020B0604020202020204" pitchFamily="34" charset="0"/>
+              <a:buChar char="•"/>
+              <a:defRPr sz="1800" kern="1200">
+                <a:solidFill>
+                  <a:schemeClr val="tx1"/>
+                </a:solidFill>
+                <a:latin typeface="+mn-lt"/>
+                <a:ea typeface="+mn-ea"/>
+                <a:cs typeface="+mn-cs"/>
+              </a:defRPr>
+            </a:lvl6pPr>
+            <a:lvl7pPr marL="2971800" indent="-228600" algn="l" defTabSz="914400" rtl="0" eaLnBrk="1" latinLnBrk="0" hangingPunct="1">
+              <a:lnSpc>
+                <a:spcPct val="90000"/>
+              </a:lnSpc>
+              <a:spcBef>
+                <a:spcPts val="500"/>
+              </a:spcBef>
+              <a:buFont typeface="Arial" panose="020B0604020202020204" pitchFamily="34" charset="0"/>
+              <a:buChar char="•"/>
+              <a:defRPr sz="1800" kern="1200">
+                <a:solidFill>
+                  <a:schemeClr val="tx1"/>
+                </a:solidFill>
+                <a:latin typeface="+mn-lt"/>
+                <a:ea typeface="+mn-ea"/>
+                <a:cs typeface="+mn-cs"/>
+              </a:defRPr>
+            </a:lvl7pPr>
+            <a:lvl8pPr marL="3429000" indent="-228600" algn="l" defTabSz="914400" rtl="0" eaLnBrk="1" latinLnBrk="0" hangingPunct="1">
+              <a:lnSpc>
+                <a:spcPct val="90000"/>
+              </a:lnSpc>
+              <a:spcBef>
+                <a:spcPts val="500"/>
+              </a:spcBef>
+              <a:buFont typeface="Arial" panose="020B0604020202020204" pitchFamily="34" charset="0"/>
+              <a:buChar char="•"/>
+              <a:defRPr sz="1800" kern="1200">
+                <a:solidFill>
+                  <a:schemeClr val="tx1"/>
+                </a:solidFill>
+                <a:latin typeface="+mn-lt"/>
+                <a:ea typeface="+mn-ea"/>
+                <a:cs typeface="+mn-cs"/>
+              </a:defRPr>
+            </a:lvl8pPr>
+            <a:lvl9pPr marL="3886200" indent="-228600" algn="l" defTabSz="914400" rtl="0" eaLnBrk="1" latinLnBrk="0" hangingPunct="1">
+              <a:lnSpc>
+                <a:spcPct val="90000"/>
+              </a:lnSpc>
+              <a:spcBef>
+                <a:spcPts val="500"/>
+              </a:spcBef>
+              <a:buFont typeface="Arial" panose="020B0604020202020204" pitchFamily="34" charset="0"/>
+              <a:buChar char="•"/>
+              <a:defRPr sz="1800" kern="1200">
+                <a:solidFill>
+                  <a:schemeClr val="tx1"/>
+                </a:solidFill>
+                <a:latin typeface="+mn-lt"/>
+                <a:ea typeface="+mn-ea"/>
+                <a:cs typeface="+mn-cs"/>
+              </a:defRPr>
+            </a:lvl9pPr>
+          </a:lstStyle>
+          <a:p>
+            <a:pPr marL="0" indent="0">
+              <a:buNone/>
+            </a:pPr>
+            <a:r>
+              <a:rPr lang="en-US" sz="1400" dirty="0">
+                <a:solidFill>
+                  <a:srgbClr val="202C35"/>
+                </a:solidFill>
+                <a:latin typeface="Tw Cen MT" panose="020B0602020104020603" pitchFamily="34" charset="0"/>
+                <a:ea typeface="Verdana" panose="020B0604030504040204" pitchFamily="34" charset="0"/>
+              </a:rPr>
+              <a:t>78oz</a:t>
+            </a:r>
+          </a:p>
+        </p:txBody>
+      </p:sp>
+      <p:sp>
+        <p:nvSpPr>
+          <p:cNvPr id="29" name="Content Placeholder 2">
+            <a:extLst>
+              <a:ext uri="{FF2B5EF4-FFF2-40B4-BE49-F238E27FC236}">
+                <a16:creationId xmlns:a16="http://schemas.microsoft.com/office/drawing/2014/main" id="{D51A46DF-68BB-4786-90FB-A6B21EC7D98C}"/>
+              </a:ext>
+            </a:extLst>
+          </p:cNvPr>
+          <p:cNvSpPr txBox="1">
+            <a:spLocks/>
+          </p:cNvSpPr>
+          <p:nvPr/>
+        </p:nvSpPr>
+        <p:spPr>
+          <a:xfrm>
+            <a:off x="5849682" y="4192114"/>
+            <a:ext cx="668813" cy="345576"/>
+          </a:xfrm>
+          <a:prstGeom prst="rect">
+            <a:avLst/>
+          </a:prstGeom>
+        </p:spPr>
+        <p:txBody>
+          <a:bodyPr vert="horz" lIns="91440" tIns="45720" rIns="91440" bIns="45720" rtlCol="0" anchor="ctr">
+            <a:normAutofit fontScale="92500"/>
+          </a:bodyPr>
+          <a:lstStyle>
+            <a:lvl1pPr marL="228600" indent="-228600" algn="l" defTabSz="914400" rtl="0" eaLnBrk="1" latinLnBrk="0" hangingPunct="1">
+              <a:lnSpc>
+                <a:spcPct val="90000"/>
+              </a:lnSpc>
+              <a:spcBef>
+                <a:spcPts val="1000"/>
+              </a:spcBef>
+              <a:buFont typeface="Arial" panose="020B0604020202020204" pitchFamily="34" charset="0"/>
+              <a:buChar char="•"/>
+              <a:defRPr sz="2800" kern="1200">
+                <a:solidFill>
+                  <a:schemeClr val="tx1"/>
+                </a:solidFill>
+                <a:latin typeface="+mn-lt"/>
+                <a:ea typeface="+mn-ea"/>
+                <a:cs typeface="+mn-cs"/>
+              </a:defRPr>
+            </a:lvl1pPr>
+            <a:lvl2pPr marL="685800" indent="-228600" algn="l" defTabSz="914400" rtl="0" eaLnBrk="1" latinLnBrk="0" hangingPunct="1">
+              <a:lnSpc>
+                <a:spcPct val="90000"/>
+              </a:lnSpc>
+              <a:spcBef>
+                <a:spcPts val="500"/>
+              </a:spcBef>
+              <a:buFont typeface="Arial" panose="020B0604020202020204" pitchFamily="34" charset="0"/>
+              <a:buChar char="•"/>
+              <a:defRPr sz="2400" kern="1200">
+                <a:solidFill>
+                  <a:schemeClr val="tx1"/>
+                </a:solidFill>
+                <a:latin typeface="+mn-lt"/>
+                <a:ea typeface="+mn-ea"/>
+                <a:cs typeface="+mn-cs"/>
+              </a:defRPr>
+            </a:lvl2pPr>
+            <a:lvl3pPr marL="1143000" indent="-228600" algn="l" defTabSz="914400" rtl="0" eaLnBrk="1" latinLnBrk="0" hangingPunct="1">
+              <a:lnSpc>
+                <a:spcPct val="90000"/>
+              </a:lnSpc>
+              <a:spcBef>
+                <a:spcPts val="500"/>
+              </a:spcBef>
+              <a:buFont typeface="Arial" panose="020B0604020202020204" pitchFamily="34" charset="0"/>
+              <a:buChar char="•"/>
+              <a:defRPr sz="2000" kern="1200">
+                <a:solidFill>
+                  <a:schemeClr val="tx1"/>
+                </a:solidFill>
+                <a:latin typeface="+mn-lt"/>
+                <a:ea typeface="+mn-ea"/>
+                <a:cs typeface="+mn-cs"/>
+              </a:defRPr>
+            </a:lvl3pPr>
+            <a:lvl4pPr marL="1600200" indent="-228600" algn="l" defTabSz="914400" rtl="0" eaLnBrk="1" latinLnBrk="0" hangingPunct="1">
+              <a:lnSpc>
+                <a:spcPct val="90000"/>
+              </a:lnSpc>
+              <a:spcBef>
+                <a:spcPts val="500"/>
+              </a:spcBef>
+              <a:buFont typeface="Arial" panose="020B0604020202020204" pitchFamily="34" charset="0"/>
+              <a:buChar char="•"/>
+              <a:defRPr sz="1800" kern="1200">
+                <a:solidFill>
+                  <a:schemeClr val="tx1"/>
+                </a:solidFill>
+                <a:latin typeface="+mn-lt"/>
+                <a:ea typeface="+mn-ea"/>
+                <a:cs typeface="+mn-cs"/>
+              </a:defRPr>
+            </a:lvl4pPr>
+            <a:lvl5pPr marL="2057400" indent="-228600" algn="l" defTabSz="914400" rtl="0" eaLnBrk="1" latinLnBrk="0" hangingPunct="1">
+              <a:lnSpc>
+                <a:spcPct val="90000"/>
+              </a:lnSpc>
+              <a:spcBef>
+                <a:spcPts val="500"/>
+              </a:spcBef>
+              <a:buFont typeface="Arial" panose="020B0604020202020204" pitchFamily="34" charset="0"/>
+              <a:buChar char="•"/>
+              <a:defRPr sz="1800" kern="1200">
+                <a:solidFill>
+                  <a:schemeClr val="tx1"/>
+                </a:solidFill>
+                <a:latin typeface="+mn-lt"/>
+                <a:ea typeface="+mn-ea"/>
+                <a:cs typeface="+mn-cs"/>
+              </a:defRPr>
+            </a:lvl5pPr>
+            <a:lvl6pPr marL="2514600" indent="-228600" algn="l" defTabSz="914400" rtl="0" eaLnBrk="1" latinLnBrk="0" hangingPunct="1">
+              <a:lnSpc>
+                <a:spcPct val="90000"/>
+              </a:lnSpc>
+              <a:spcBef>
+                <a:spcPts val="500"/>
+              </a:spcBef>
+              <a:buFont typeface="Arial" panose="020B0604020202020204" pitchFamily="34" charset="0"/>
+              <a:buChar char="•"/>
+              <a:defRPr sz="1800" kern="1200">
+                <a:solidFill>
+                  <a:schemeClr val="tx1"/>
+                </a:solidFill>
+                <a:latin typeface="+mn-lt"/>
+                <a:ea typeface="+mn-ea"/>
+                <a:cs typeface="+mn-cs"/>
+              </a:defRPr>
+            </a:lvl6pPr>
+            <a:lvl7pPr marL="2971800" indent="-228600" algn="l" defTabSz="914400" rtl="0" eaLnBrk="1" latinLnBrk="0" hangingPunct="1">
+              <a:lnSpc>
+                <a:spcPct val="90000"/>
+              </a:lnSpc>
+              <a:spcBef>
+                <a:spcPts val="500"/>
+              </a:spcBef>
+              <a:buFont typeface="Arial" panose="020B0604020202020204" pitchFamily="34" charset="0"/>
+              <a:buChar char="•"/>
+              <a:defRPr sz="1800" kern="1200">
+                <a:solidFill>
+                  <a:schemeClr val="tx1"/>
+                </a:solidFill>
+                <a:latin typeface="+mn-lt"/>
+                <a:ea typeface="+mn-ea"/>
+                <a:cs typeface="+mn-cs"/>
+              </a:defRPr>
+            </a:lvl7pPr>
+            <a:lvl8pPr marL="3429000" indent="-228600" algn="l" defTabSz="914400" rtl="0" eaLnBrk="1" latinLnBrk="0" hangingPunct="1">
+              <a:lnSpc>
+                <a:spcPct val="90000"/>
+              </a:lnSpc>
+              <a:spcBef>
+                <a:spcPts val="500"/>
+              </a:spcBef>
+              <a:buFont typeface="Arial" panose="020B0604020202020204" pitchFamily="34" charset="0"/>
+              <a:buChar char="•"/>
+              <a:defRPr sz="1800" kern="1200">
+                <a:solidFill>
+                  <a:schemeClr val="tx1"/>
+                </a:solidFill>
+                <a:latin typeface="+mn-lt"/>
+                <a:ea typeface="+mn-ea"/>
+                <a:cs typeface="+mn-cs"/>
+              </a:defRPr>
+            </a:lvl8pPr>
+            <a:lvl9pPr marL="3886200" indent="-228600" algn="l" defTabSz="914400" rtl="0" eaLnBrk="1" latinLnBrk="0" hangingPunct="1">
+              <a:lnSpc>
+                <a:spcPct val="90000"/>
+              </a:lnSpc>
+              <a:spcBef>
+                <a:spcPts val="500"/>
+              </a:spcBef>
+              <a:buFont typeface="Arial" panose="020B0604020202020204" pitchFamily="34" charset="0"/>
+              <a:buChar char="•"/>
+              <a:defRPr sz="1800" kern="1200">
+                <a:solidFill>
+                  <a:schemeClr val="tx1"/>
+                </a:solidFill>
+                <a:latin typeface="+mn-lt"/>
+                <a:ea typeface="+mn-ea"/>
+                <a:cs typeface="+mn-cs"/>
+              </a:defRPr>
+            </a:lvl9pPr>
+          </a:lstStyle>
+          <a:p>
+            <a:pPr marL="0" indent="0">
+              <a:buNone/>
+            </a:pPr>
+            <a:r>
+              <a:rPr lang="en-US" sz="1400" dirty="0">
+                <a:solidFill>
+                  <a:srgbClr val="202C35"/>
+                </a:solidFill>
+                <a:latin typeface="Tw Cen MT" panose="020B0602020104020603" pitchFamily="34" charset="0"/>
+                <a:ea typeface="Verdana" panose="020B0604030504040204" pitchFamily="34" charset="0"/>
+              </a:rPr>
+              <a:t>1.65oz</a:t>
+            </a:r>
+          </a:p>
+        </p:txBody>
+      </p:sp>
+      <p:sp>
+        <p:nvSpPr>
+          <p:cNvPr id="30" name="Content Placeholder 2">
+            <a:extLst>
+              <a:ext uri="{FF2B5EF4-FFF2-40B4-BE49-F238E27FC236}">
+                <a16:creationId xmlns:a16="http://schemas.microsoft.com/office/drawing/2014/main" id="{B3261526-CFFD-4123-B0EB-99E813114A43}"/>
+              </a:ext>
+            </a:extLst>
+          </p:cNvPr>
+          <p:cNvSpPr txBox="1">
+            <a:spLocks/>
+          </p:cNvSpPr>
+          <p:nvPr/>
+        </p:nvSpPr>
+        <p:spPr>
+          <a:xfrm>
+            <a:off x="6321384" y="3079367"/>
+            <a:ext cx="693787" cy="345576"/>
+          </a:xfrm>
+          <a:prstGeom prst="rect">
+            <a:avLst/>
+          </a:prstGeom>
+        </p:spPr>
+        <p:txBody>
+          <a:bodyPr vert="horz" lIns="91440" tIns="45720" rIns="91440" bIns="45720" rtlCol="0" anchor="ctr">
+            <a:normAutofit/>
+          </a:bodyPr>
+          <a:lstStyle>
+            <a:lvl1pPr marL="228600" indent="-228600" algn="l" defTabSz="914400" rtl="0" eaLnBrk="1" latinLnBrk="0" hangingPunct="1">
+              <a:lnSpc>
+                <a:spcPct val="90000"/>
+              </a:lnSpc>
+              <a:spcBef>
+                <a:spcPts val="1000"/>
+              </a:spcBef>
+              <a:buFont typeface="Arial" panose="020B0604020202020204" pitchFamily="34" charset="0"/>
+              <a:buChar char="•"/>
+              <a:defRPr sz="2800" kern="1200">
+                <a:solidFill>
+                  <a:schemeClr val="tx1"/>
+                </a:solidFill>
+                <a:latin typeface="+mn-lt"/>
+                <a:ea typeface="+mn-ea"/>
+                <a:cs typeface="+mn-cs"/>
+              </a:defRPr>
+            </a:lvl1pPr>
+            <a:lvl2pPr marL="685800" indent="-228600" algn="l" defTabSz="914400" rtl="0" eaLnBrk="1" latinLnBrk="0" hangingPunct="1">
+              <a:lnSpc>
+                <a:spcPct val="90000"/>
+              </a:lnSpc>
+              <a:spcBef>
+                <a:spcPts val="500"/>
+              </a:spcBef>
+              <a:buFont typeface="Arial" panose="020B0604020202020204" pitchFamily="34" charset="0"/>
+              <a:buChar char="•"/>
+              <a:defRPr sz="2400" kern="1200">
+                <a:solidFill>
+                  <a:schemeClr val="tx1"/>
+                </a:solidFill>
+                <a:latin typeface="+mn-lt"/>
+                <a:ea typeface="+mn-ea"/>
+                <a:cs typeface="+mn-cs"/>
+              </a:defRPr>
+            </a:lvl2pPr>
+            <a:lvl3pPr marL="1143000" indent="-228600" algn="l" defTabSz="914400" rtl="0" eaLnBrk="1" latinLnBrk="0" hangingPunct="1">
+              <a:lnSpc>
+                <a:spcPct val="90000"/>
+              </a:lnSpc>
+              <a:spcBef>
+                <a:spcPts val="500"/>
+              </a:spcBef>
+              <a:buFont typeface="Arial" panose="020B0604020202020204" pitchFamily="34" charset="0"/>
+              <a:buChar char="•"/>
+              <a:defRPr sz="2000" kern="1200">
+                <a:solidFill>
+                  <a:schemeClr val="tx1"/>
+                </a:solidFill>
+                <a:latin typeface="+mn-lt"/>
+                <a:ea typeface="+mn-ea"/>
+                <a:cs typeface="+mn-cs"/>
+              </a:defRPr>
+            </a:lvl3pPr>
+            <a:lvl4pPr marL="1600200" indent="-228600" algn="l" defTabSz="914400" rtl="0" eaLnBrk="1" latinLnBrk="0" hangingPunct="1">
+              <a:lnSpc>
+                <a:spcPct val="90000"/>
+              </a:lnSpc>
+              <a:spcBef>
+                <a:spcPts val="500"/>
+              </a:spcBef>
+              <a:buFont typeface="Arial" panose="020B0604020202020204" pitchFamily="34" charset="0"/>
+              <a:buChar char="•"/>
+              <a:defRPr sz="1800" kern="1200">
+                <a:solidFill>
+                  <a:schemeClr val="tx1"/>
+                </a:solidFill>
+                <a:latin typeface="+mn-lt"/>
+                <a:ea typeface="+mn-ea"/>
+                <a:cs typeface="+mn-cs"/>
+              </a:defRPr>
+            </a:lvl4pPr>
+            <a:lvl5pPr marL="2057400" indent="-228600" algn="l" defTabSz="914400" rtl="0" eaLnBrk="1" latinLnBrk="0" hangingPunct="1">
+              <a:lnSpc>
+                <a:spcPct val="90000"/>
+              </a:lnSpc>
+              <a:spcBef>
+                <a:spcPts val="500"/>
+              </a:spcBef>
+              <a:buFont typeface="Arial" panose="020B0604020202020204" pitchFamily="34" charset="0"/>
+              <a:buChar char="•"/>
+              <a:defRPr sz="1800" kern="1200">
+                <a:solidFill>
+                  <a:schemeClr val="tx1"/>
+                </a:solidFill>
+                <a:latin typeface="+mn-lt"/>
+                <a:ea typeface="+mn-ea"/>
+                <a:cs typeface="+mn-cs"/>
+              </a:defRPr>
+            </a:lvl5pPr>
+            <a:lvl6pPr marL="2514600" indent="-228600" algn="l" defTabSz="914400" rtl="0" eaLnBrk="1" latinLnBrk="0" hangingPunct="1">
+              <a:lnSpc>
+                <a:spcPct val="90000"/>
+              </a:lnSpc>
+              <a:spcBef>
+                <a:spcPts val="500"/>
+              </a:spcBef>
+              <a:buFont typeface="Arial" panose="020B0604020202020204" pitchFamily="34" charset="0"/>
+              <a:buChar char="•"/>
+              <a:defRPr sz="1800" kern="1200">
+                <a:solidFill>
+                  <a:schemeClr val="tx1"/>
+                </a:solidFill>
+                <a:latin typeface="+mn-lt"/>
+                <a:ea typeface="+mn-ea"/>
+                <a:cs typeface="+mn-cs"/>
+              </a:defRPr>
+            </a:lvl6pPr>
+            <a:lvl7pPr marL="2971800" indent="-228600" algn="l" defTabSz="914400" rtl="0" eaLnBrk="1" latinLnBrk="0" hangingPunct="1">
+              <a:lnSpc>
+                <a:spcPct val="90000"/>
+              </a:lnSpc>
+              <a:spcBef>
+                <a:spcPts val="500"/>
+              </a:spcBef>
+              <a:buFont typeface="Arial" panose="020B0604020202020204" pitchFamily="34" charset="0"/>
+              <a:buChar char="•"/>
+              <a:defRPr sz="1800" kern="1200">
+                <a:solidFill>
+                  <a:schemeClr val="tx1"/>
+                </a:solidFill>
+                <a:latin typeface="+mn-lt"/>
+                <a:ea typeface="+mn-ea"/>
+                <a:cs typeface="+mn-cs"/>
+              </a:defRPr>
+            </a:lvl7pPr>
+            <a:lvl8pPr marL="3429000" indent="-228600" algn="l" defTabSz="914400" rtl="0" eaLnBrk="1" latinLnBrk="0" hangingPunct="1">
+              <a:lnSpc>
+                <a:spcPct val="90000"/>
+              </a:lnSpc>
+              <a:spcBef>
+                <a:spcPts val="500"/>
+              </a:spcBef>
+              <a:buFont typeface="Arial" panose="020B0604020202020204" pitchFamily="34" charset="0"/>
+              <a:buChar char="•"/>
+              <a:defRPr sz="1800" kern="1200">
+                <a:solidFill>
+                  <a:schemeClr val="tx1"/>
+                </a:solidFill>
+                <a:latin typeface="+mn-lt"/>
+                <a:ea typeface="+mn-ea"/>
+                <a:cs typeface="+mn-cs"/>
+              </a:defRPr>
+            </a:lvl8pPr>
+            <a:lvl9pPr marL="3886200" indent="-228600" algn="l" defTabSz="914400" rtl="0" eaLnBrk="1" latinLnBrk="0" hangingPunct="1">
+              <a:lnSpc>
+                <a:spcPct val="90000"/>
+              </a:lnSpc>
+              <a:spcBef>
+                <a:spcPts val="500"/>
+              </a:spcBef>
+              <a:buFont typeface="Arial" panose="020B0604020202020204" pitchFamily="34" charset="0"/>
+              <a:buChar char="•"/>
+              <a:defRPr sz="1800" kern="1200">
+                <a:solidFill>
+                  <a:schemeClr val="tx1"/>
+                </a:solidFill>
+                <a:latin typeface="+mn-lt"/>
+                <a:ea typeface="+mn-ea"/>
+                <a:cs typeface="+mn-cs"/>
+              </a:defRPr>
+            </a:lvl9pPr>
+          </a:lstStyle>
+          <a:p>
+            <a:pPr marL="0" indent="0">
+              <a:buNone/>
+            </a:pPr>
+            <a:r>
+              <a:rPr lang="en-US" sz="1400" dirty="0">
+                <a:solidFill>
+                  <a:srgbClr val="202C35"/>
+                </a:solidFill>
+                <a:latin typeface="Tw Cen MT" panose="020B0602020104020603" pitchFamily="34" charset="0"/>
+                <a:ea typeface="Verdana" panose="020B0604030504040204" pitchFamily="34" charset="0"/>
+              </a:rPr>
+              <a:t>129oz</a:t>
+            </a:r>
+          </a:p>
+        </p:txBody>
+      </p:sp>
+      <p:sp>
+        <p:nvSpPr>
+          <p:cNvPr id="31" name="Content Placeholder 2">
+            <a:extLst>
+              <a:ext uri="{FF2B5EF4-FFF2-40B4-BE49-F238E27FC236}">
+                <a16:creationId xmlns:a16="http://schemas.microsoft.com/office/drawing/2014/main" id="{3256D073-802E-4D7B-8511-9FD7B739A485}"/>
+              </a:ext>
+            </a:extLst>
+          </p:cNvPr>
+          <p:cNvSpPr txBox="1">
+            <a:spLocks/>
+          </p:cNvSpPr>
+          <p:nvPr/>
+        </p:nvSpPr>
+        <p:spPr>
+          <a:xfrm>
+            <a:off x="6846225" y="4202236"/>
+            <a:ext cx="622577" cy="345576"/>
+          </a:xfrm>
+          <a:prstGeom prst="rect">
+            <a:avLst/>
+          </a:prstGeom>
+        </p:spPr>
+        <p:txBody>
+          <a:bodyPr vert="horz" lIns="91440" tIns="45720" rIns="91440" bIns="45720" rtlCol="0" anchor="ctr">
+            <a:normAutofit/>
+          </a:bodyPr>
+          <a:lstStyle>
+            <a:lvl1pPr marL="228600" indent="-228600" algn="l" defTabSz="914400" rtl="0" eaLnBrk="1" latinLnBrk="0" hangingPunct="1">
+              <a:lnSpc>
+                <a:spcPct val="90000"/>
+              </a:lnSpc>
+              <a:spcBef>
+                <a:spcPts val="1000"/>
+              </a:spcBef>
+              <a:buFont typeface="Arial" panose="020B0604020202020204" pitchFamily="34" charset="0"/>
+              <a:buChar char="•"/>
+              <a:defRPr sz="2800" kern="1200">
+                <a:solidFill>
+                  <a:schemeClr val="tx1"/>
+                </a:solidFill>
+                <a:latin typeface="+mn-lt"/>
+                <a:ea typeface="+mn-ea"/>
+                <a:cs typeface="+mn-cs"/>
+              </a:defRPr>
+            </a:lvl1pPr>
+            <a:lvl2pPr marL="685800" indent="-228600" algn="l" defTabSz="914400" rtl="0" eaLnBrk="1" latinLnBrk="0" hangingPunct="1">
+              <a:lnSpc>
+                <a:spcPct val="90000"/>
+              </a:lnSpc>
+              <a:spcBef>
+                <a:spcPts val="500"/>
+              </a:spcBef>
+              <a:buFont typeface="Arial" panose="020B0604020202020204" pitchFamily="34" charset="0"/>
+              <a:buChar char="•"/>
+              <a:defRPr sz="2400" kern="1200">
+                <a:solidFill>
+                  <a:schemeClr val="tx1"/>
+                </a:solidFill>
+                <a:latin typeface="+mn-lt"/>
+                <a:ea typeface="+mn-ea"/>
+                <a:cs typeface="+mn-cs"/>
+              </a:defRPr>
+            </a:lvl2pPr>
+            <a:lvl3pPr marL="1143000" indent="-228600" algn="l" defTabSz="914400" rtl="0" eaLnBrk="1" latinLnBrk="0" hangingPunct="1">
+              <a:lnSpc>
+                <a:spcPct val="90000"/>
+              </a:lnSpc>
+              <a:spcBef>
+                <a:spcPts val="500"/>
+              </a:spcBef>
+              <a:buFont typeface="Arial" panose="020B0604020202020204" pitchFamily="34" charset="0"/>
+              <a:buChar char="•"/>
+              <a:defRPr sz="2000" kern="1200">
+                <a:solidFill>
+                  <a:schemeClr val="tx1"/>
+                </a:solidFill>
+                <a:latin typeface="+mn-lt"/>
+                <a:ea typeface="+mn-ea"/>
+                <a:cs typeface="+mn-cs"/>
+              </a:defRPr>
+            </a:lvl3pPr>
+            <a:lvl4pPr marL="1600200" indent="-228600" algn="l" defTabSz="914400" rtl="0" eaLnBrk="1" latinLnBrk="0" hangingPunct="1">
+              <a:lnSpc>
+                <a:spcPct val="90000"/>
+              </a:lnSpc>
+              <a:spcBef>
+                <a:spcPts val="500"/>
+              </a:spcBef>
+              <a:buFont typeface="Arial" panose="020B0604020202020204" pitchFamily="34" charset="0"/>
+              <a:buChar char="•"/>
+              <a:defRPr sz="1800" kern="1200">
+                <a:solidFill>
+                  <a:schemeClr val="tx1"/>
+                </a:solidFill>
+                <a:latin typeface="+mn-lt"/>
+                <a:ea typeface="+mn-ea"/>
+                <a:cs typeface="+mn-cs"/>
+              </a:defRPr>
+            </a:lvl4pPr>
+            <a:lvl5pPr marL="2057400" indent="-228600" algn="l" defTabSz="914400" rtl="0" eaLnBrk="1" latinLnBrk="0" hangingPunct="1">
+              <a:lnSpc>
+                <a:spcPct val="90000"/>
+              </a:lnSpc>
+              <a:spcBef>
+                <a:spcPts val="500"/>
+              </a:spcBef>
+              <a:buFont typeface="Arial" panose="020B0604020202020204" pitchFamily="34" charset="0"/>
+              <a:buChar char="•"/>
+              <a:defRPr sz="1800" kern="1200">
+                <a:solidFill>
+                  <a:schemeClr val="tx1"/>
+                </a:solidFill>
+                <a:latin typeface="+mn-lt"/>
+                <a:ea typeface="+mn-ea"/>
+                <a:cs typeface="+mn-cs"/>
+              </a:defRPr>
+            </a:lvl5pPr>
+            <a:lvl6pPr marL="2514600" indent="-228600" algn="l" defTabSz="914400" rtl="0" eaLnBrk="1" latinLnBrk="0" hangingPunct="1">
+              <a:lnSpc>
+                <a:spcPct val="90000"/>
+              </a:lnSpc>
+              <a:spcBef>
+                <a:spcPts val="500"/>
+              </a:spcBef>
+              <a:buFont typeface="Arial" panose="020B0604020202020204" pitchFamily="34" charset="0"/>
+              <a:buChar char="•"/>
+              <a:defRPr sz="1800" kern="1200">
+                <a:solidFill>
+                  <a:schemeClr val="tx1"/>
+                </a:solidFill>
+                <a:latin typeface="+mn-lt"/>
+                <a:ea typeface="+mn-ea"/>
+                <a:cs typeface="+mn-cs"/>
+              </a:defRPr>
+            </a:lvl6pPr>
+            <a:lvl7pPr marL="2971800" indent="-228600" algn="l" defTabSz="914400" rtl="0" eaLnBrk="1" latinLnBrk="0" hangingPunct="1">
+              <a:lnSpc>
+                <a:spcPct val="90000"/>
+              </a:lnSpc>
+              <a:spcBef>
+                <a:spcPts val="500"/>
+              </a:spcBef>
+              <a:buFont typeface="Arial" panose="020B0604020202020204" pitchFamily="34" charset="0"/>
+              <a:buChar char="•"/>
+              <a:defRPr sz="1800" kern="1200">
+                <a:solidFill>
+                  <a:schemeClr val="tx1"/>
+                </a:solidFill>
+                <a:latin typeface="+mn-lt"/>
+                <a:ea typeface="+mn-ea"/>
+                <a:cs typeface="+mn-cs"/>
+              </a:defRPr>
+            </a:lvl7pPr>
+            <a:lvl8pPr marL="3429000" indent="-228600" algn="l" defTabSz="914400" rtl="0" eaLnBrk="1" latinLnBrk="0" hangingPunct="1">
+              <a:lnSpc>
+                <a:spcPct val="90000"/>
+              </a:lnSpc>
+              <a:spcBef>
+                <a:spcPts val="500"/>
+              </a:spcBef>
+              <a:buFont typeface="Arial" panose="020B0604020202020204" pitchFamily="34" charset="0"/>
+              <a:buChar char="•"/>
+              <a:defRPr sz="1800" kern="1200">
+                <a:solidFill>
+                  <a:schemeClr val="tx1"/>
+                </a:solidFill>
+                <a:latin typeface="+mn-lt"/>
+                <a:ea typeface="+mn-ea"/>
+                <a:cs typeface="+mn-cs"/>
+              </a:defRPr>
+            </a:lvl8pPr>
+            <a:lvl9pPr marL="3886200" indent="-228600" algn="l" defTabSz="914400" rtl="0" eaLnBrk="1" latinLnBrk="0" hangingPunct="1">
+              <a:lnSpc>
+                <a:spcPct val="90000"/>
+              </a:lnSpc>
+              <a:spcBef>
+                <a:spcPts val="500"/>
+              </a:spcBef>
+              <a:buFont typeface="Arial" panose="020B0604020202020204" pitchFamily="34" charset="0"/>
+              <a:buChar char="•"/>
+              <a:defRPr sz="1800" kern="1200">
+                <a:solidFill>
+                  <a:schemeClr val="tx1"/>
+                </a:solidFill>
+                <a:latin typeface="+mn-lt"/>
+                <a:ea typeface="+mn-ea"/>
+                <a:cs typeface="+mn-cs"/>
+              </a:defRPr>
+            </a:lvl9pPr>
+          </a:lstStyle>
+          <a:p>
+            <a:pPr marL="0" indent="0">
+              <a:buNone/>
+            </a:pPr>
+            <a:r>
+              <a:rPr lang="en-US" sz="1400" dirty="0">
+                <a:solidFill>
+                  <a:srgbClr val="202C35"/>
+                </a:solidFill>
+                <a:latin typeface="Tw Cen MT" panose="020B0602020104020603" pitchFamily="34" charset="0"/>
+                <a:ea typeface="Verdana" panose="020B0604030504040204" pitchFamily="34" charset="0"/>
+              </a:rPr>
+              <a:t>2.9oz</a:t>
+            </a:r>
+          </a:p>
+        </p:txBody>
+      </p:sp>
+      <p:sp>
+        <p:nvSpPr>
+          <p:cNvPr id="25" name="Content Placeholder 2">
+            <a:extLst>
+              <a:ext uri="{FF2B5EF4-FFF2-40B4-BE49-F238E27FC236}">
+                <a16:creationId xmlns:a16="http://schemas.microsoft.com/office/drawing/2014/main" id="{93CBF3E5-40A3-4B09-9561-85ED21577010}"/>
+              </a:ext>
+            </a:extLst>
+          </p:cNvPr>
+          <p:cNvSpPr txBox="1">
+            <a:spLocks/>
+          </p:cNvSpPr>
+          <p:nvPr/>
+        </p:nvSpPr>
+        <p:spPr>
+          <a:xfrm>
+            <a:off x="3133473" y="2845409"/>
+            <a:ext cx="1867153" cy="310602"/>
+          </a:xfrm>
+          <a:prstGeom prst="rect">
+            <a:avLst/>
+          </a:prstGeom>
+        </p:spPr>
+        <p:txBody>
+          <a:bodyPr vert="horz" lIns="91440" tIns="45720" rIns="91440" bIns="45720" rtlCol="0" anchor="ctr">
+            <a:normAutofit/>
+          </a:bodyPr>
+          <a:lstStyle>
+            <a:lvl1pPr marL="228600" indent="-228600" algn="l" defTabSz="914400" rtl="0" eaLnBrk="1" latinLnBrk="0" hangingPunct="1">
+              <a:lnSpc>
+                <a:spcPct val="90000"/>
+              </a:lnSpc>
+              <a:spcBef>
+                <a:spcPts val="1000"/>
+              </a:spcBef>
+              <a:buFont typeface="Arial" panose="020B0604020202020204" pitchFamily="34" charset="0"/>
+              <a:buChar char="•"/>
+              <a:defRPr sz="2800" kern="1200">
+                <a:solidFill>
+                  <a:schemeClr val="tx1"/>
+                </a:solidFill>
+                <a:latin typeface="+mn-lt"/>
+                <a:ea typeface="+mn-ea"/>
+                <a:cs typeface="+mn-cs"/>
+              </a:defRPr>
+            </a:lvl1pPr>
+            <a:lvl2pPr marL="685800" indent="-228600" algn="l" defTabSz="914400" rtl="0" eaLnBrk="1" latinLnBrk="0" hangingPunct="1">
+              <a:lnSpc>
+                <a:spcPct val="90000"/>
+              </a:lnSpc>
+              <a:spcBef>
+                <a:spcPts val="500"/>
+              </a:spcBef>
+              <a:buFont typeface="Arial" panose="020B0604020202020204" pitchFamily="34" charset="0"/>
+              <a:buChar char="•"/>
+              <a:defRPr sz="2400" kern="1200">
+                <a:solidFill>
+                  <a:schemeClr val="tx1"/>
+                </a:solidFill>
+                <a:latin typeface="+mn-lt"/>
+                <a:ea typeface="+mn-ea"/>
+                <a:cs typeface="+mn-cs"/>
+              </a:defRPr>
+            </a:lvl2pPr>
+            <a:lvl3pPr marL="1143000" indent="-228600" algn="l" defTabSz="914400" rtl="0" eaLnBrk="1" latinLnBrk="0" hangingPunct="1">
+              <a:lnSpc>
+                <a:spcPct val="90000"/>
+              </a:lnSpc>
+              <a:spcBef>
+                <a:spcPts val="500"/>
+              </a:spcBef>
+              <a:buFont typeface="Arial" panose="020B0604020202020204" pitchFamily="34" charset="0"/>
+              <a:buChar char="•"/>
+              <a:defRPr sz="2000" kern="1200">
+                <a:solidFill>
+                  <a:schemeClr val="tx1"/>
+                </a:solidFill>
+                <a:latin typeface="+mn-lt"/>
+                <a:ea typeface="+mn-ea"/>
+                <a:cs typeface="+mn-cs"/>
+              </a:defRPr>
+            </a:lvl3pPr>
+            <a:lvl4pPr marL="1600200" indent="-228600" algn="l" defTabSz="914400" rtl="0" eaLnBrk="1" latinLnBrk="0" hangingPunct="1">
+              <a:lnSpc>
+                <a:spcPct val="90000"/>
+              </a:lnSpc>
+              <a:spcBef>
+                <a:spcPts val="500"/>
+              </a:spcBef>
+              <a:buFont typeface="Arial" panose="020B0604020202020204" pitchFamily="34" charset="0"/>
+              <a:buChar char="•"/>
+              <a:defRPr sz="1800" kern="1200">
+                <a:solidFill>
+                  <a:schemeClr val="tx1"/>
+                </a:solidFill>
+                <a:latin typeface="+mn-lt"/>
+                <a:ea typeface="+mn-ea"/>
+                <a:cs typeface="+mn-cs"/>
+              </a:defRPr>
+            </a:lvl4pPr>
+            <a:lvl5pPr marL="2057400" indent="-228600" algn="l" defTabSz="914400" rtl="0" eaLnBrk="1" latinLnBrk="0" hangingPunct="1">
+              <a:lnSpc>
+                <a:spcPct val="90000"/>
+              </a:lnSpc>
+              <a:spcBef>
+                <a:spcPts val="500"/>
+              </a:spcBef>
+              <a:buFont typeface="Arial" panose="020B0604020202020204" pitchFamily="34" charset="0"/>
+              <a:buChar char="•"/>
+              <a:defRPr sz="1800" kern="1200">
+                <a:solidFill>
+                  <a:schemeClr val="tx1"/>
+                </a:solidFill>
+                <a:latin typeface="+mn-lt"/>
+                <a:ea typeface="+mn-ea"/>
+                <a:cs typeface="+mn-cs"/>
+              </a:defRPr>
+            </a:lvl5pPr>
+            <a:lvl6pPr marL="2514600" indent="-228600" algn="l" defTabSz="914400" rtl="0" eaLnBrk="1" latinLnBrk="0" hangingPunct="1">
+              <a:lnSpc>
+                <a:spcPct val="90000"/>
+              </a:lnSpc>
+              <a:spcBef>
+                <a:spcPts val="500"/>
+              </a:spcBef>
+              <a:buFont typeface="Arial" panose="020B0604020202020204" pitchFamily="34" charset="0"/>
+              <a:buChar char="•"/>
+              <a:defRPr sz="1800" kern="1200">
+                <a:solidFill>
+                  <a:schemeClr val="tx1"/>
+                </a:solidFill>
+                <a:latin typeface="+mn-lt"/>
+                <a:ea typeface="+mn-ea"/>
+                <a:cs typeface="+mn-cs"/>
+              </a:defRPr>
+            </a:lvl6pPr>
+            <a:lvl7pPr marL="2971800" indent="-228600" algn="l" defTabSz="914400" rtl="0" eaLnBrk="1" latinLnBrk="0" hangingPunct="1">
+              <a:lnSpc>
+                <a:spcPct val="90000"/>
+              </a:lnSpc>
+              <a:spcBef>
+                <a:spcPts val="500"/>
+              </a:spcBef>
+              <a:buFont typeface="Arial" panose="020B0604020202020204" pitchFamily="34" charset="0"/>
+              <a:buChar char="•"/>
+              <a:defRPr sz="1800" kern="1200">
+                <a:solidFill>
+                  <a:schemeClr val="tx1"/>
+                </a:solidFill>
+                <a:latin typeface="+mn-lt"/>
+                <a:ea typeface="+mn-ea"/>
+                <a:cs typeface="+mn-cs"/>
+              </a:defRPr>
+            </a:lvl7pPr>
+            <a:lvl8pPr marL="3429000" indent="-228600" algn="l" defTabSz="914400" rtl="0" eaLnBrk="1" latinLnBrk="0" hangingPunct="1">
+              <a:lnSpc>
+                <a:spcPct val="90000"/>
+              </a:lnSpc>
+              <a:spcBef>
+                <a:spcPts val="500"/>
+              </a:spcBef>
+              <a:buFont typeface="Arial" panose="020B0604020202020204" pitchFamily="34" charset="0"/>
+              <a:buChar char="•"/>
+              <a:defRPr sz="1800" kern="1200">
+                <a:solidFill>
+                  <a:schemeClr val="tx1"/>
+                </a:solidFill>
+                <a:latin typeface="+mn-lt"/>
+                <a:ea typeface="+mn-ea"/>
+                <a:cs typeface="+mn-cs"/>
+              </a:defRPr>
+            </a:lvl8pPr>
+            <a:lvl9pPr marL="3886200" indent="-228600" algn="l" defTabSz="914400" rtl="0" eaLnBrk="1" latinLnBrk="0" hangingPunct="1">
+              <a:lnSpc>
+                <a:spcPct val="90000"/>
+              </a:lnSpc>
+              <a:spcBef>
+                <a:spcPts val="500"/>
+              </a:spcBef>
+              <a:buFont typeface="Arial" panose="020B0604020202020204" pitchFamily="34" charset="0"/>
+              <a:buChar char="•"/>
+              <a:defRPr sz="1800" kern="1200">
+                <a:solidFill>
+                  <a:schemeClr val="tx1"/>
+                </a:solidFill>
+                <a:latin typeface="+mn-lt"/>
+                <a:ea typeface="+mn-ea"/>
+                <a:cs typeface="+mn-cs"/>
+              </a:defRPr>
+            </a:lvl9pPr>
+          </a:lstStyle>
+          <a:p>
+            <a:pPr marL="0" indent="0">
+              <a:buNone/>
+            </a:pPr>
+            <a:r>
+              <a:rPr lang="en-US" sz="1400" dirty="0">
+                <a:solidFill>
+                  <a:srgbClr val="202C35"/>
+                </a:solidFill>
+                <a:latin typeface="Tw Cen MT" panose="020B0602020104020603" pitchFamily="34" charset="0"/>
+                <a:ea typeface="Verdana" panose="020B0604030504040204" pitchFamily="34" charset="0"/>
+              </a:rPr>
+              <a:t>GOLD:SILVER RATIO</a:t>
+            </a:r>
+          </a:p>
+        </p:txBody>
+      </p:sp>
+      <p:sp>
+        <p:nvSpPr>
+          <p:cNvPr id="33" name="Content Placeholder 2">
+            <a:extLst>
+              <a:ext uri="{FF2B5EF4-FFF2-40B4-BE49-F238E27FC236}">
+                <a16:creationId xmlns:a16="http://schemas.microsoft.com/office/drawing/2014/main" id="{DEA1EC6D-535A-4194-BB3D-9939B5D5AFDC}"/>
+              </a:ext>
+            </a:extLst>
+          </p:cNvPr>
+          <p:cNvSpPr txBox="1">
+            <a:spLocks/>
+          </p:cNvSpPr>
+          <p:nvPr/>
+        </p:nvSpPr>
+        <p:spPr>
+          <a:xfrm>
+            <a:off x="3965589" y="2208747"/>
+            <a:ext cx="5396119" cy="691151"/>
+          </a:xfrm>
+          <a:prstGeom prst="rect">
+            <a:avLst/>
+          </a:prstGeom>
+          <a:solidFill>
+            <a:schemeClr val="bg1"/>
+          </a:solidFill>
+        </p:spPr>
+        <p:txBody>
+          <a:bodyPr vert="horz" lIns="91440" tIns="45720" rIns="91440" bIns="45720" rtlCol="0" anchor="ctr">
+            <a:normAutofit/>
+          </a:bodyPr>
+          <a:lstStyle>
+            <a:lvl1pPr marL="228600" indent="-228600" algn="l" defTabSz="914400" rtl="0" eaLnBrk="1" latinLnBrk="0" hangingPunct="1">
+              <a:lnSpc>
+                <a:spcPct val="90000"/>
+              </a:lnSpc>
+              <a:spcBef>
+                <a:spcPts val="1000"/>
+              </a:spcBef>
+              <a:buFont typeface="Arial" panose="020B0604020202020204" pitchFamily="34" charset="0"/>
+              <a:buChar char="•"/>
+              <a:defRPr sz="2800" kern="1200">
+                <a:solidFill>
+                  <a:schemeClr val="tx1"/>
+                </a:solidFill>
+                <a:latin typeface="+mn-lt"/>
+                <a:ea typeface="+mn-ea"/>
+                <a:cs typeface="+mn-cs"/>
+              </a:defRPr>
+            </a:lvl1pPr>
+            <a:lvl2pPr marL="685800" indent="-228600" algn="l" defTabSz="914400" rtl="0" eaLnBrk="1" latinLnBrk="0" hangingPunct="1">
+              <a:lnSpc>
+                <a:spcPct val="90000"/>
+              </a:lnSpc>
+              <a:spcBef>
+                <a:spcPts val="500"/>
+              </a:spcBef>
+              <a:buFont typeface="Arial" panose="020B0604020202020204" pitchFamily="34" charset="0"/>
+              <a:buChar char="•"/>
+              <a:defRPr sz="2400" kern="1200">
+                <a:solidFill>
+                  <a:schemeClr val="tx1"/>
+                </a:solidFill>
+                <a:latin typeface="+mn-lt"/>
+                <a:ea typeface="+mn-ea"/>
+                <a:cs typeface="+mn-cs"/>
+              </a:defRPr>
+            </a:lvl2pPr>
+            <a:lvl3pPr marL="1143000" indent="-228600" algn="l" defTabSz="914400" rtl="0" eaLnBrk="1" latinLnBrk="0" hangingPunct="1">
+              <a:lnSpc>
+                <a:spcPct val="90000"/>
+              </a:lnSpc>
+              <a:spcBef>
+                <a:spcPts val="500"/>
+              </a:spcBef>
+              <a:buFont typeface="Arial" panose="020B0604020202020204" pitchFamily="34" charset="0"/>
+              <a:buChar char="•"/>
+              <a:defRPr sz="2000" kern="1200">
+                <a:solidFill>
+                  <a:schemeClr val="tx1"/>
+                </a:solidFill>
+                <a:latin typeface="+mn-lt"/>
+                <a:ea typeface="+mn-ea"/>
+                <a:cs typeface="+mn-cs"/>
+              </a:defRPr>
+            </a:lvl3pPr>
+            <a:lvl4pPr marL="1600200" indent="-228600" algn="l" defTabSz="914400" rtl="0" eaLnBrk="1" latinLnBrk="0" hangingPunct="1">
+              <a:lnSpc>
+                <a:spcPct val="90000"/>
+              </a:lnSpc>
+              <a:spcBef>
+                <a:spcPts val="500"/>
+              </a:spcBef>
+              <a:buFont typeface="Arial" panose="020B0604020202020204" pitchFamily="34" charset="0"/>
+              <a:buChar char="•"/>
+              <a:defRPr sz="1800" kern="1200">
+                <a:solidFill>
+                  <a:schemeClr val="tx1"/>
+                </a:solidFill>
+                <a:latin typeface="+mn-lt"/>
+                <a:ea typeface="+mn-ea"/>
+                <a:cs typeface="+mn-cs"/>
+              </a:defRPr>
+            </a:lvl4pPr>
+            <a:lvl5pPr marL="2057400" indent="-228600" algn="l" defTabSz="914400" rtl="0" eaLnBrk="1" latinLnBrk="0" hangingPunct="1">
+              <a:lnSpc>
+                <a:spcPct val="90000"/>
+              </a:lnSpc>
+              <a:spcBef>
+                <a:spcPts val="500"/>
+              </a:spcBef>
+              <a:buFont typeface="Arial" panose="020B0604020202020204" pitchFamily="34" charset="0"/>
+              <a:buChar char="•"/>
+              <a:defRPr sz="1800" kern="1200">
+                <a:solidFill>
+                  <a:schemeClr val="tx1"/>
+                </a:solidFill>
+                <a:latin typeface="+mn-lt"/>
+                <a:ea typeface="+mn-ea"/>
+                <a:cs typeface="+mn-cs"/>
+              </a:defRPr>
+            </a:lvl5pPr>
+            <a:lvl6pPr marL="2514600" indent="-228600" algn="l" defTabSz="914400" rtl="0" eaLnBrk="1" latinLnBrk="0" hangingPunct="1">
+              <a:lnSpc>
+                <a:spcPct val="90000"/>
+              </a:lnSpc>
+              <a:spcBef>
+                <a:spcPts val="500"/>
+              </a:spcBef>
+              <a:buFont typeface="Arial" panose="020B0604020202020204" pitchFamily="34" charset="0"/>
+              <a:buChar char="•"/>
+              <a:defRPr sz="1800" kern="1200">
+                <a:solidFill>
+                  <a:schemeClr val="tx1"/>
+                </a:solidFill>
+                <a:latin typeface="+mn-lt"/>
+                <a:ea typeface="+mn-ea"/>
+                <a:cs typeface="+mn-cs"/>
+              </a:defRPr>
+            </a:lvl6pPr>
+            <a:lvl7pPr marL="2971800" indent="-228600" algn="l" defTabSz="914400" rtl="0" eaLnBrk="1" latinLnBrk="0" hangingPunct="1">
+              <a:lnSpc>
+                <a:spcPct val="90000"/>
+              </a:lnSpc>
+              <a:spcBef>
+                <a:spcPts val="500"/>
+              </a:spcBef>
+              <a:buFont typeface="Arial" panose="020B0604020202020204" pitchFamily="34" charset="0"/>
+              <a:buChar char="•"/>
+              <a:defRPr sz="1800" kern="1200">
+                <a:solidFill>
+                  <a:schemeClr val="tx1"/>
+                </a:solidFill>
+                <a:latin typeface="+mn-lt"/>
+                <a:ea typeface="+mn-ea"/>
+                <a:cs typeface="+mn-cs"/>
+              </a:defRPr>
+            </a:lvl7pPr>
+            <a:lvl8pPr marL="3429000" indent="-228600" algn="l" defTabSz="914400" rtl="0" eaLnBrk="1" latinLnBrk="0" hangingPunct="1">
+              <a:lnSpc>
+                <a:spcPct val="90000"/>
+              </a:lnSpc>
+              <a:spcBef>
+                <a:spcPts val="500"/>
+              </a:spcBef>
+              <a:buFont typeface="Arial" panose="020B0604020202020204" pitchFamily="34" charset="0"/>
+              <a:buChar char="•"/>
+              <a:defRPr sz="1800" kern="1200">
+                <a:solidFill>
+                  <a:schemeClr val="tx1"/>
+                </a:solidFill>
+                <a:latin typeface="+mn-lt"/>
+                <a:ea typeface="+mn-ea"/>
+                <a:cs typeface="+mn-cs"/>
+              </a:defRPr>
+            </a:lvl8pPr>
+            <a:lvl9pPr marL="3886200" indent="-228600" algn="l" defTabSz="914400" rtl="0" eaLnBrk="1" latinLnBrk="0" hangingPunct="1">
+              <a:lnSpc>
+                <a:spcPct val="90000"/>
+              </a:lnSpc>
+              <a:spcBef>
+                <a:spcPts val="500"/>
+              </a:spcBef>
+              <a:buFont typeface="Arial" panose="020B0604020202020204" pitchFamily="34" charset="0"/>
+              <a:buChar char="•"/>
+              <a:defRPr sz="1800" kern="1200">
+                <a:solidFill>
+                  <a:schemeClr val="tx1"/>
+                </a:solidFill>
+                <a:latin typeface="+mn-lt"/>
+                <a:ea typeface="+mn-ea"/>
+                <a:cs typeface="+mn-cs"/>
+              </a:defRPr>
+            </a:lvl9pPr>
+          </a:lstStyle>
+          <a:p>
+            <a:pPr marL="0" indent="0">
+              <a:buNone/>
+            </a:pPr>
+            <a:r>
+              <a:rPr lang="en-US" sz="2000" dirty="0">
+                <a:solidFill>
+                  <a:srgbClr val="FF9900"/>
+                </a:solidFill>
+                <a:latin typeface="Tw Cen MT" panose="020B0602020104020603" pitchFamily="34" charset="0"/>
+                <a:ea typeface="Verdana" panose="020B0604030504040204" pitchFamily="34" charset="0"/>
+              </a:rPr>
+              <a:t>In 2007 John converts his 78 oz. of Silver into 1.65 oz. of Gold</a:t>
+            </a:r>
+          </a:p>
+        </p:txBody>
+      </p:sp>
+      <p:sp>
+        <p:nvSpPr>
+          <p:cNvPr id="34" name="Content Placeholder 2">
+            <a:extLst>
+              <a:ext uri="{FF2B5EF4-FFF2-40B4-BE49-F238E27FC236}">
+                <a16:creationId xmlns:a16="http://schemas.microsoft.com/office/drawing/2014/main" id="{F725C71E-1F65-4112-A929-2B712A894FD1}"/>
+              </a:ext>
+            </a:extLst>
+          </p:cNvPr>
+          <p:cNvSpPr txBox="1">
+            <a:spLocks/>
+          </p:cNvSpPr>
+          <p:nvPr/>
+        </p:nvSpPr>
+        <p:spPr>
+          <a:xfrm>
+            <a:off x="3965769" y="2208326"/>
+            <a:ext cx="5396119" cy="691151"/>
+          </a:xfrm>
+          <a:prstGeom prst="rect">
+            <a:avLst/>
+          </a:prstGeom>
+          <a:solidFill>
+            <a:schemeClr val="bg1"/>
+          </a:solidFill>
+        </p:spPr>
+        <p:txBody>
+          <a:bodyPr vert="horz" lIns="91440" tIns="45720" rIns="91440" bIns="45720" rtlCol="0" anchor="ctr">
+            <a:normAutofit/>
+          </a:bodyPr>
+          <a:lstStyle>
+            <a:lvl1pPr marL="228600" indent="-228600" algn="l" defTabSz="914400" rtl="0" eaLnBrk="1" latinLnBrk="0" hangingPunct="1">
+              <a:lnSpc>
+                <a:spcPct val="90000"/>
+              </a:lnSpc>
+              <a:spcBef>
+                <a:spcPts val="1000"/>
+              </a:spcBef>
+              <a:buFont typeface="Arial" panose="020B0604020202020204" pitchFamily="34" charset="0"/>
+              <a:buChar char="•"/>
+              <a:defRPr sz="2800" kern="1200">
+                <a:solidFill>
+                  <a:schemeClr val="tx1"/>
+                </a:solidFill>
+                <a:latin typeface="+mn-lt"/>
+                <a:ea typeface="+mn-ea"/>
+                <a:cs typeface="+mn-cs"/>
+              </a:defRPr>
+            </a:lvl1pPr>
+            <a:lvl2pPr marL="685800" indent="-228600" algn="l" defTabSz="914400" rtl="0" eaLnBrk="1" latinLnBrk="0" hangingPunct="1">
+              <a:lnSpc>
+                <a:spcPct val="90000"/>
+              </a:lnSpc>
+              <a:spcBef>
+                <a:spcPts val="500"/>
+              </a:spcBef>
+              <a:buFont typeface="Arial" panose="020B0604020202020204" pitchFamily="34" charset="0"/>
+              <a:buChar char="•"/>
+              <a:defRPr sz="2400" kern="1200">
+                <a:solidFill>
+                  <a:schemeClr val="tx1"/>
+                </a:solidFill>
+                <a:latin typeface="+mn-lt"/>
+                <a:ea typeface="+mn-ea"/>
+                <a:cs typeface="+mn-cs"/>
+              </a:defRPr>
+            </a:lvl2pPr>
+            <a:lvl3pPr marL="1143000" indent="-228600" algn="l" defTabSz="914400" rtl="0" eaLnBrk="1" latinLnBrk="0" hangingPunct="1">
+              <a:lnSpc>
+                <a:spcPct val="90000"/>
+              </a:lnSpc>
+              <a:spcBef>
+                <a:spcPts val="500"/>
+              </a:spcBef>
+              <a:buFont typeface="Arial" panose="020B0604020202020204" pitchFamily="34" charset="0"/>
+              <a:buChar char="•"/>
+              <a:defRPr sz="2000" kern="1200">
+                <a:solidFill>
+                  <a:schemeClr val="tx1"/>
+                </a:solidFill>
+                <a:latin typeface="+mn-lt"/>
+                <a:ea typeface="+mn-ea"/>
+                <a:cs typeface="+mn-cs"/>
+              </a:defRPr>
+            </a:lvl3pPr>
+            <a:lvl4pPr marL="1600200" indent="-228600" algn="l" defTabSz="914400" rtl="0" eaLnBrk="1" latinLnBrk="0" hangingPunct="1">
+              <a:lnSpc>
+                <a:spcPct val="90000"/>
+              </a:lnSpc>
+              <a:spcBef>
+                <a:spcPts val="500"/>
+              </a:spcBef>
+              <a:buFont typeface="Arial" panose="020B0604020202020204" pitchFamily="34" charset="0"/>
+              <a:buChar char="•"/>
+              <a:defRPr sz="1800" kern="1200">
+                <a:solidFill>
+                  <a:schemeClr val="tx1"/>
+                </a:solidFill>
+                <a:latin typeface="+mn-lt"/>
+                <a:ea typeface="+mn-ea"/>
+                <a:cs typeface="+mn-cs"/>
+              </a:defRPr>
+            </a:lvl4pPr>
+            <a:lvl5pPr marL="2057400" indent="-228600" algn="l" defTabSz="914400" rtl="0" eaLnBrk="1" latinLnBrk="0" hangingPunct="1">
+              <a:lnSpc>
+                <a:spcPct val="90000"/>
+              </a:lnSpc>
+              <a:spcBef>
+                <a:spcPts val="500"/>
+              </a:spcBef>
+              <a:buFont typeface="Arial" panose="020B0604020202020204" pitchFamily="34" charset="0"/>
+              <a:buChar char="•"/>
+              <a:defRPr sz="1800" kern="1200">
+                <a:solidFill>
+                  <a:schemeClr val="tx1"/>
+                </a:solidFill>
+                <a:latin typeface="+mn-lt"/>
+                <a:ea typeface="+mn-ea"/>
+                <a:cs typeface="+mn-cs"/>
+              </a:defRPr>
+            </a:lvl5pPr>
+            <a:lvl6pPr marL="2514600" indent="-228600" algn="l" defTabSz="914400" rtl="0" eaLnBrk="1" latinLnBrk="0" hangingPunct="1">
+              <a:lnSpc>
+                <a:spcPct val="90000"/>
+              </a:lnSpc>
+              <a:spcBef>
+                <a:spcPts val="500"/>
+              </a:spcBef>
+              <a:buFont typeface="Arial" panose="020B0604020202020204" pitchFamily="34" charset="0"/>
+              <a:buChar char="•"/>
+              <a:defRPr sz="1800" kern="1200">
+                <a:solidFill>
+                  <a:schemeClr val="tx1"/>
+                </a:solidFill>
+                <a:latin typeface="+mn-lt"/>
+                <a:ea typeface="+mn-ea"/>
+                <a:cs typeface="+mn-cs"/>
+              </a:defRPr>
+            </a:lvl6pPr>
+            <a:lvl7pPr marL="2971800" indent="-228600" algn="l" defTabSz="914400" rtl="0" eaLnBrk="1" latinLnBrk="0" hangingPunct="1">
+              <a:lnSpc>
+                <a:spcPct val="90000"/>
+              </a:lnSpc>
+              <a:spcBef>
+                <a:spcPts val="500"/>
+              </a:spcBef>
+              <a:buFont typeface="Arial" panose="020B0604020202020204" pitchFamily="34" charset="0"/>
+              <a:buChar char="•"/>
+              <a:defRPr sz="1800" kern="1200">
+                <a:solidFill>
+                  <a:schemeClr val="tx1"/>
+                </a:solidFill>
+                <a:latin typeface="+mn-lt"/>
+                <a:ea typeface="+mn-ea"/>
+                <a:cs typeface="+mn-cs"/>
+              </a:defRPr>
+            </a:lvl7pPr>
+            <a:lvl8pPr marL="3429000" indent="-228600" algn="l" defTabSz="914400" rtl="0" eaLnBrk="1" latinLnBrk="0" hangingPunct="1">
+              <a:lnSpc>
+                <a:spcPct val="90000"/>
+              </a:lnSpc>
+              <a:spcBef>
+                <a:spcPts val="500"/>
+              </a:spcBef>
+              <a:buFont typeface="Arial" panose="020B0604020202020204" pitchFamily="34" charset="0"/>
+              <a:buChar char="•"/>
+              <a:defRPr sz="1800" kern="1200">
+                <a:solidFill>
+                  <a:schemeClr val="tx1"/>
+                </a:solidFill>
+                <a:latin typeface="+mn-lt"/>
+                <a:ea typeface="+mn-ea"/>
+                <a:cs typeface="+mn-cs"/>
+              </a:defRPr>
+            </a:lvl8pPr>
+            <a:lvl9pPr marL="3886200" indent="-228600" algn="l" defTabSz="914400" rtl="0" eaLnBrk="1" latinLnBrk="0" hangingPunct="1">
+              <a:lnSpc>
+                <a:spcPct val="90000"/>
+              </a:lnSpc>
+              <a:spcBef>
+                <a:spcPts val="500"/>
+              </a:spcBef>
+              <a:buFont typeface="Arial" panose="020B0604020202020204" pitchFamily="34" charset="0"/>
+              <a:buChar char="•"/>
+              <a:defRPr sz="1800" kern="1200">
+                <a:solidFill>
+                  <a:schemeClr val="tx1"/>
+                </a:solidFill>
+                <a:latin typeface="+mn-lt"/>
+                <a:ea typeface="+mn-ea"/>
+                <a:cs typeface="+mn-cs"/>
+              </a:defRPr>
+            </a:lvl9pPr>
+          </a:lstStyle>
+          <a:p>
+            <a:pPr marL="0" indent="0">
+              <a:buNone/>
+            </a:pPr>
+            <a:r>
+              <a:rPr lang="en-US" sz="2000" dirty="0">
+                <a:solidFill>
+                  <a:srgbClr val="FF9900"/>
+                </a:solidFill>
+                <a:latin typeface="Tw Cen MT" panose="020B0602020104020603" pitchFamily="34" charset="0"/>
+                <a:ea typeface="Verdana" panose="020B0604030504040204" pitchFamily="34" charset="0"/>
+              </a:rPr>
+              <a:t>In 2008 John converts his 1.65 oz. of Gold into 129 oz. of Silver</a:t>
+            </a:r>
+          </a:p>
+        </p:txBody>
+      </p:sp>
+      <p:sp>
+        <p:nvSpPr>
+          <p:cNvPr id="35" name="Content Placeholder 2">
+            <a:extLst>
+              <a:ext uri="{FF2B5EF4-FFF2-40B4-BE49-F238E27FC236}">
+                <a16:creationId xmlns:a16="http://schemas.microsoft.com/office/drawing/2014/main" id="{7D715A77-9FBD-4F8A-9C4E-B57F75711091}"/>
+              </a:ext>
+            </a:extLst>
+          </p:cNvPr>
+          <p:cNvSpPr txBox="1">
+            <a:spLocks/>
+          </p:cNvSpPr>
+          <p:nvPr/>
+        </p:nvSpPr>
+        <p:spPr>
+          <a:xfrm>
+            <a:off x="3961414" y="2211606"/>
+            <a:ext cx="5396119" cy="691151"/>
+          </a:xfrm>
+          <a:prstGeom prst="rect">
+            <a:avLst/>
+          </a:prstGeom>
+          <a:solidFill>
+            <a:schemeClr val="bg1"/>
+          </a:solidFill>
+        </p:spPr>
+        <p:txBody>
+          <a:bodyPr vert="horz" lIns="91440" tIns="45720" rIns="91440" bIns="45720" rtlCol="0" anchor="ctr">
+            <a:normAutofit/>
+          </a:bodyPr>
+          <a:lstStyle>
+            <a:lvl1pPr marL="228600" indent="-228600" algn="l" defTabSz="914400" rtl="0" eaLnBrk="1" latinLnBrk="0" hangingPunct="1">
+              <a:lnSpc>
+                <a:spcPct val="90000"/>
+              </a:lnSpc>
+              <a:spcBef>
+                <a:spcPts val="1000"/>
+              </a:spcBef>
+              <a:buFont typeface="Arial" panose="020B0604020202020204" pitchFamily="34" charset="0"/>
+              <a:buChar char="•"/>
+              <a:defRPr sz="2800" kern="1200">
+                <a:solidFill>
+                  <a:schemeClr val="tx1"/>
+                </a:solidFill>
+                <a:latin typeface="+mn-lt"/>
+                <a:ea typeface="+mn-ea"/>
+                <a:cs typeface="+mn-cs"/>
+              </a:defRPr>
+            </a:lvl1pPr>
+            <a:lvl2pPr marL="685800" indent="-228600" algn="l" defTabSz="914400" rtl="0" eaLnBrk="1" latinLnBrk="0" hangingPunct="1">
+              <a:lnSpc>
+                <a:spcPct val="90000"/>
+              </a:lnSpc>
+              <a:spcBef>
+                <a:spcPts val="500"/>
+              </a:spcBef>
+              <a:buFont typeface="Arial" panose="020B0604020202020204" pitchFamily="34" charset="0"/>
+              <a:buChar char="•"/>
+              <a:defRPr sz="2400" kern="1200">
+                <a:solidFill>
+                  <a:schemeClr val="tx1"/>
+                </a:solidFill>
+                <a:latin typeface="+mn-lt"/>
+                <a:ea typeface="+mn-ea"/>
+                <a:cs typeface="+mn-cs"/>
+              </a:defRPr>
+            </a:lvl2pPr>
+            <a:lvl3pPr marL="1143000" indent="-228600" algn="l" defTabSz="914400" rtl="0" eaLnBrk="1" latinLnBrk="0" hangingPunct="1">
+              <a:lnSpc>
+                <a:spcPct val="90000"/>
+              </a:lnSpc>
+              <a:spcBef>
+                <a:spcPts val="500"/>
+              </a:spcBef>
+              <a:buFont typeface="Arial" panose="020B0604020202020204" pitchFamily="34" charset="0"/>
+              <a:buChar char="•"/>
+              <a:defRPr sz="2000" kern="1200">
+                <a:solidFill>
+                  <a:schemeClr val="tx1"/>
+                </a:solidFill>
+                <a:latin typeface="+mn-lt"/>
+                <a:ea typeface="+mn-ea"/>
+                <a:cs typeface="+mn-cs"/>
+              </a:defRPr>
+            </a:lvl3pPr>
+            <a:lvl4pPr marL="1600200" indent="-228600" algn="l" defTabSz="914400" rtl="0" eaLnBrk="1" latinLnBrk="0" hangingPunct="1">
+              <a:lnSpc>
+                <a:spcPct val="90000"/>
+              </a:lnSpc>
+              <a:spcBef>
+                <a:spcPts val="500"/>
+              </a:spcBef>
+              <a:buFont typeface="Arial" panose="020B0604020202020204" pitchFamily="34" charset="0"/>
+              <a:buChar char="•"/>
+              <a:defRPr sz="1800" kern="1200">
+                <a:solidFill>
+                  <a:schemeClr val="tx1"/>
+                </a:solidFill>
+                <a:latin typeface="+mn-lt"/>
+                <a:ea typeface="+mn-ea"/>
+                <a:cs typeface="+mn-cs"/>
+              </a:defRPr>
+            </a:lvl4pPr>
+            <a:lvl5pPr marL="2057400" indent="-228600" algn="l" defTabSz="914400" rtl="0" eaLnBrk="1" latinLnBrk="0" hangingPunct="1">
+              <a:lnSpc>
+                <a:spcPct val="90000"/>
+              </a:lnSpc>
+              <a:spcBef>
+                <a:spcPts val="500"/>
+              </a:spcBef>
+              <a:buFont typeface="Arial" panose="020B0604020202020204" pitchFamily="34" charset="0"/>
+              <a:buChar char="•"/>
+              <a:defRPr sz="1800" kern="1200">
+                <a:solidFill>
+                  <a:schemeClr val="tx1"/>
+                </a:solidFill>
+                <a:latin typeface="+mn-lt"/>
+                <a:ea typeface="+mn-ea"/>
+                <a:cs typeface="+mn-cs"/>
+              </a:defRPr>
+            </a:lvl5pPr>
+            <a:lvl6pPr marL="2514600" indent="-228600" algn="l" defTabSz="914400" rtl="0" eaLnBrk="1" latinLnBrk="0" hangingPunct="1">
+              <a:lnSpc>
+                <a:spcPct val="90000"/>
+              </a:lnSpc>
+              <a:spcBef>
+                <a:spcPts val="500"/>
+              </a:spcBef>
+              <a:buFont typeface="Arial" panose="020B0604020202020204" pitchFamily="34" charset="0"/>
+              <a:buChar char="•"/>
+              <a:defRPr sz="1800" kern="1200">
+                <a:solidFill>
+                  <a:schemeClr val="tx1"/>
+                </a:solidFill>
+                <a:latin typeface="+mn-lt"/>
+                <a:ea typeface="+mn-ea"/>
+                <a:cs typeface="+mn-cs"/>
+              </a:defRPr>
+            </a:lvl6pPr>
+            <a:lvl7pPr marL="2971800" indent="-228600" algn="l" defTabSz="914400" rtl="0" eaLnBrk="1" latinLnBrk="0" hangingPunct="1">
+              <a:lnSpc>
+                <a:spcPct val="90000"/>
+              </a:lnSpc>
+              <a:spcBef>
+                <a:spcPts val="500"/>
+              </a:spcBef>
+              <a:buFont typeface="Arial" panose="020B0604020202020204" pitchFamily="34" charset="0"/>
+              <a:buChar char="•"/>
+              <a:defRPr sz="1800" kern="1200">
+                <a:solidFill>
+                  <a:schemeClr val="tx1"/>
+                </a:solidFill>
+                <a:latin typeface="+mn-lt"/>
+                <a:ea typeface="+mn-ea"/>
+                <a:cs typeface="+mn-cs"/>
+              </a:defRPr>
+            </a:lvl7pPr>
+            <a:lvl8pPr marL="3429000" indent="-228600" algn="l" defTabSz="914400" rtl="0" eaLnBrk="1" latinLnBrk="0" hangingPunct="1">
+              <a:lnSpc>
+                <a:spcPct val="90000"/>
+              </a:lnSpc>
+              <a:spcBef>
+                <a:spcPts val="500"/>
+              </a:spcBef>
+              <a:buFont typeface="Arial" panose="020B0604020202020204" pitchFamily="34" charset="0"/>
+              <a:buChar char="•"/>
+              <a:defRPr sz="1800" kern="1200">
+                <a:solidFill>
+                  <a:schemeClr val="tx1"/>
+                </a:solidFill>
+                <a:latin typeface="+mn-lt"/>
+                <a:ea typeface="+mn-ea"/>
+                <a:cs typeface="+mn-cs"/>
+              </a:defRPr>
+            </a:lvl8pPr>
+            <a:lvl9pPr marL="3886200" indent="-228600" algn="l" defTabSz="914400" rtl="0" eaLnBrk="1" latinLnBrk="0" hangingPunct="1">
+              <a:lnSpc>
+                <a:spcPct val="90000"/>
+              </a:lnSpc>
+              <a:spcBef>
+                <a:spcPts val="500"/>
+              </a:spcBef>
+              <a:buFont typeface="Arial" panose="020B0604020202020204" pitchFamily="34" charset="0"/>
+              <a:buChar char="•"/>
+              <a:defRPr sz="1800" kern="1200">
+                <a:solidFill>
+                  <a:schemeClr val="tx1"/>
+                </a:solidFill>
+                <a:latin typeface="+mn-lt"/>
+                <a:ea typeface="+mn-ea"/>
+                <a:cs typeface="+mn-cs"/>
+              </a:defRPr>
+            </a:lvl9pPr>
+          </a:lstStyle>
+          <a:p>
+            <a:pPr marL="0" indent="0">
+              <a:buNone/>
+            </a:pPr>
+            <a:r>
+              <a:rPr lang="en-US" sz="2000" dirty="0">
+                <a:solidFill>
+                  <a:srgbClr val="FF9900"/>
+                </a:solidFill>
+                <a:latin typeface="Tw Cen MT" panose="020B0602020104020603" pitchFamily="34" charset="0"/>
+                <a:ea typeface="Verdana" panose="020B0604030504040204" pitchFamily="34" charset="0"/>
+              </a:rPr>
+              <a:t>In 2011 John converts his 129 oz. of Silver into 2.9 oz. of Gold</a:t>
+            </a:r>
+          </a:p>
+        </p:txBody>
+      </p:sp>
+      <p:sp>
+        <p:nvSpPr>
+          <p:cNvPr id="37" name="Content Placeholder 2">
+            <a:extLst>
+              <a:ext uri="{FF2B5EF4-FFF2-40B4-BE49-F238E27FC236}">
+                <a16:creationId xmlns:a16="http://schemas.microsoft.com/office/drawing/2014/main" id="{966F9358-92A8-424C-A1AC-3C5480F75EAC}"/>
+              </a:ext>
+            </a:extLst>
+          </p:cNvPr>
+          <p:cNvSpPr txBox="1">
+            <a:spLocks/>
+          </p:cNvSpPr>
+          <p:nvPr/>
+        </p:nvSpPr>
+        <p:spPr>
+          <a:xfrm>
+            <a:off x="3960961" y="2212449"/>
+            <a:ext cx="5396119" cy="691151"/>
+          </a:xfrm>
+          <a:prstGeom prst="rect">
+            <a:avLst/>
+          </a:prstGeom>
+          <a:solidFill>
+            <a:schemeClr val="bg1"/>
+          </a:solidFill>
+        </p:spPr>
+        <p:txBody>
+          <a:bodyPr vert="horz" lIns="91440" tIns="45720" rIns="91440" bIns="45720" rtlCol="0" anchor="ctr">
+            <a:normAutofit/>
+          </a:bodyPr>
+          <a:lstStyle>
+            <a:lvl1pPr marL="228600" indent="-228600" algn="l" defTabSz="914400" rtl="0" eaLnBrk="1" latinLnBrk="0" hangingPunct="1">
+              <a:lnSpc>
+                <a:spcPct val="90000"/>
+              </a:lnSpc>
+              <a:spcBef>
+                <a:spcPts val="1000"/>
+              </a:spcBef>
+              <a:buFont typeface="Arial" panose="020B0604020202020204" pitchFamily="34" charset="0"/>
+              <a:buChar char="•"/>
+              <a:defRPr sz="2800" kern="1200">
+                <a:solidFill>
+                  <a:schemeClr val="tx1"/>
+                </a:solidFill>
+                <a:latin typeface="+mn-lt"/>
+                <a:ea typeface="+mn-ea"/>
+                <a:cs typeface="+mn-cs"/>
+              </a:defRPr>
+            </a:lvl1pPr>
+            <a:lvl2pPr marL="685800" indent="-228600" algn="l" defTabSz="914400" rtl="0" eaLnBrk="1" latinLnBrk="0" hangingPunct="1">
+              <a:lnSpc>
+                <a:spcPct val="90000"/>
+              </a:lnSpc>
+              <a:spcBef>
+                <a:spcPts val="500"/>
+              </a:spcBef>
+              <a:buFont typeface="Arial" panose="020B0604020202020204" pitchFamily="34" charset="0"/>
+              <a:buChar char="•"/>
+              <a:defRPr sz="2400" kern="1200">
+                <a:solidFill>
+                  <a:schemeClr val="tx1"/>
+                </a:solidFill>
+                <a:latin typeface="+mn-lt"/>
+                <a:ea typeface="+mn-ea"/>
+                <a:cs typeface="+mn-cs"/>
+              </a:defRPr>
+            </a:lvl2pPr>
+            <a:lvl3pPr marL="1143000" indent="-228600" algn="l" defTabSz="914400" rtl="0" eaLnBrk="1" latinLnBrk="0" hangingPunct="1">
+              <a:lnSpc>
+                <a:spcPct val="90000"/>
+              </a:lnSpc>
+              <a:spcBef>
+                <a:spcPts val="500"/>
+              </a:spcBef>
+              <a:buFont typeface="Arial" panose="020B0604020202020204" pitchFamily="34" charset="0"/>
+              <a:buChar char="•"/>
+              <a:defRPr sz="2000" kern="1200">
+                <a:solidFill>
+                  <a:schemeClr val="tx1"/>
+                </a:solidFill>
+                <a:latin typeface="+mn-lt"/>
+                <a:ea typeface="+mn-ea"/>
+                <a:cs typeface="+mn-cs"/>
+              </a:defRPr>
+            </a:lvl3pPr>
+            <a:lvl4pPr marL="1600200" indent="-228600" algn="l" defTabSz="914400" rtl="0" eaLnBrk="1" latinLnBrk="0" hangingPunct="1">
+              <a:lnSpc>
+                <a:spcPct val="90000"/>
+              </a:lnSpc>
+              <a:spcBef>
+                <a:spcPts val="500"/>
+              </a:spcBef>
+              <a:buFont typeface="Arial" panose="020B0604020202020204" pitchFamily="34" charset="0"/>
+              <a:buChar char="•"/>
+              <a:defRPr sz="1800" kern="1200">
+                <a:solidFill>
+                  <a:schemeClr val="tx1"/>
+                </a:solidFill>
+                <a:latin typeface="+mn-lt"/>
+                <a:ea typeface="+mn-ea"/>
+                <a:cs typeface="+mn-cs"/>
+              </a:defRPr>
+            </a:lvl4pPr>
+            <a:lvl5pPr marL="2057400" indent="-228600" algn="l" defTabSz="914400" rtl="0" eaLnBrk="1" latinLnBrk="0" hangingPunct="1">
+              <a:lnSpc>
+                <a:spcPct val="90000"/>
+              </a:lnSpc>
+              <a:spcBef>
+                <a:spcPts val="500"/>
+              </a:spcBef>
+              <a:buFont typeface="Arial" panose="020B0604020202020204" pitchFamily="34" charset="0"/>
+              <a:buChar char="•"/>
+              <a:defRPr sz="1800" kern="1200">
+                <a:solidFill>
+                  <a:schemeClr val="tx1"/>
+                </a:solidFill>
+                <a:latin typeface="+mn-lt"/>
+                <a:ea typeface="+mn-ea"/>
+                <a:cs typeface="+mn-cs"/>
+              </a:defRPr>
+            </a:lvl5pPr>
+            <a:lvl6pPr marL="2514600" indent="-228600" algn="l" defTabSz="914400" rtl="0" eaLnBrk="1" latinLnBrk="0" hangingPunct="1">
+              <a:lnSpc>
+                <a:spcPct val="90000"/>
+              </a:lnSpc>
+              <a:spcBef>
+                <a:spcPts val="500"/>
+              </a:spcBef>
+              <a:buFont typeface="Arial" panose="020B0604020202020204" pitchFamily="34" charset="0"/>
+              <a:buChar char="•"/>
+              <a:defRPr sz="1800" kern="1200">
+                <a:solidFill>
+                  <a:schemeClr val="tx1"/>
+                </a:solidFill>
+                <a:latin typeface="+mn-lt"/>
+                <a:ea typeface="+mn-ea"/>
+                <a:cs typeface="+mn-cs"/>
+              </a:defRPr>
+            </a:lvl6pPr>
+            <a:lvl7pPr marL="2971800" indent="-228600" algn="l" defTabSz="914400" rtl="0" eaLnBrk="1" latinLnBrk="0" hangingPunct="1">
+              <a:lnSpc>
+                <a:spcPct val="90000"/>
+              </a:lnSpc>
+              <a:spcBef>
+                <a:spcPts val="500"/>
+              </a:spcBef>
+              <a:buFont typeface="Arial" panose="020B0604020202020204" pitchFamily="34" charset="0"/>
+              <a:buChar char="•"/>
+              <a:defRPr sz="1800" kern="1200">
+                <a:solidFill>
+                  <a:schemeClr val="tx1"/>
+                </a:solidFill>
+                <a:latin typeface="+mn-lt"/>
+                <a:ea typeface="+mn-ea"/>
+                <a:cs typeface="+mn-cs"/>
+              </a:defRPr>
+            </a:lvl7pPr>
+            <a:lvl8pPr marL="3429000" indent="-228600" algn="l" defTabSz="914400" rtl="0" eaLnBrk="1" latinLnBrk="0" hangingPunct="1">
+              <a:lnSpc>
+                <a:spcPct val="90000"/>
+              </a:lnSpc>
+              <a:spcBef>
+                <a:spcPts val="500"/>
+              </a:spcBef>
+              <a:buFont typeface="Arial" panose="020B0604020202020204" pitchFamily="34" charset="0"/>
+              <a:buChar char="•"/>
+              <a:defRPr sz="1800" kern="1200">
+                <a:solidFill>
+                  <a:schemeClr val="tx1"/>
+                </a:solidFill>
+                <a:latin typeface="+mn-lt"/>
+                <a:ea typeface="+mn-ea"/>
+                <a:cs typeface="+mn-cs"/>
+              </a:defRPr>
+            </a:lvl8pPr>
+            <a:lvl9pPr marL="3886200" indent="-228600" algn="l" defTabSz="914400" rtl="0" eaLnBrk="1" latinLnBrk="0" hangingPunct="1">
+              <a:lnSpc>
+                <a:spcPct val="90000"/>
+              </a:lnSpc>
+              <a:spcBef>
+                <a:spcPts val="500"/>
+              </a:spcBef>
+              <a:buFont typeface="Arial" panose="020B0604020202020204" pitchFamily="34" charset="0"/>
+              <a:buChar char="•"/>
+              <a:defRPr sz="1800" kern="1200">
+                <a:solidFill>
+                  <a:schemeClr val="tx1"/>
+                </a:solidFill>
+                <a:latin typeface="+mn-lt"/>
+                <a:ea typeface="+mn-ea"/>
+                <a:cs typeface="+mn-cs"/>
+              </a:defRPr>
+            </a:lvl9pPr>
+          </a:lstStyle>
+          <a:p>
+            <a:pPr marL="0" indent="0">
+              <a:buNone/>
+            </a:pPr>
+            <a:r>
+              <a:rPr lang="en-US" sz="2000" dirty="0">
+                <a:solidFill>
+                  <a:srgbClr val="FF9900"/>
+                </a:solidFill>
+                <a:latin typeface="Tw Cen MT" panose="020B0602020104020603" pitchFamily="34" charset="0"/>
+                <a:ea typeface="Verdana" panose="020B0604030504040204" pitchFamily="34" charset="0"/>
+              </a:rPr>
+              <a:t>In 13 years John has doubled his wealth increasing from 1 oz. to 2.9 oz. of Gold</a:t>
+            </a:r>
+          </a:p>
+        </p:txBody>
+      </p:sp>
+      <p:sp>
+        <p:nvSpPr>
+          <p:cNvPr id="38" name="Content Placeholder 2">
+            <a:extLst>
+              <a:ext uri="{FF2B5EF4-FFF2-40B4-BE49-F238E27FC236}">
+                <a16:creationId xmlns:a16="http://schemas.microsoft.com/office/drawing/2014/main" id="{E7D51E85-7CDC-4C7F-BFC3-891274EC5A4F}"/>
+              </a:ext>
+            </a:extLst>
+          </p:cNvPr>
+          <p:cNvSpPr txBox="1">
+            <a:spLocks/>
+          </p:cNvSpPr>
+          <p:nvPr/>
+        </p:nvSpPr>
+        <p:spPr>
+          <a:xfrm>
+            <a:off x="3961333" y="5219051"/>
+            <a:ext cx="5396119" cy="691151"/>
+          </a:xfrm>
+          <a:prstGeom prst="rect">
+            <a:avLst/>
+          </a:prstGeom>
+          <a:solidFill>
+            <a:schemeClr val="bg1"/>
+          </a:solidFill>
+        </p:spPr>
+        <p:txBody>
+          <a:bodyPr vert="horz" lIns="91440" tIns="45720" rIns="91440" bIns="45720" rtlCol="0" anchor="ctr">
+            <a:normAutofit/>
+          </a:bodyPr>
+          <a:lstStyle>
+            <a:lvl1pPr marL="228600" indent="-228600" algn="l" defTabSz="914400" rtl="0" eaLnBrk="1" latinLnBrk="0" hangingPunct="1">
+              <a:lnSpc>
+                <a:spcPct val="90000"/>
+              </a:lnSpc>
+              <a:spcBef>
+                <a:spcPts val="1000"/>
+              </a:spcBef>
+              <a:buFont typeface="Arial" panose="020B0604020202020204" pitchFamily="34" charset="0"/>
+              <a:buChar char="•"/>
+              <a:defRPr sz="2800" kern="1200">
+                <a:solidFill>
+                  <a:schemeClr val="tx1"/>
+                </a:solidFill>
+                <a:latin typeface="+mn-lt"/>
+                <a:ea typeface="+mn-ea"/>
+                <a:cs typeface="+mn-cs"/>
+              </a:defRPr>
+            </a:lvl1pPr>
+            <a:lvl2pPr marL="685800" indent="-228600" algn="l" defTabSz="914400" rtl="0" eaLnBrk="1" latinLnBrk="0" hangingPunct="1">
+              <a:lnSpc>
+                <a:spcPct val="90000"/>
+              </a:lnSpc>
+              <a:spcBef>
+                <a:spcPts val="500"/>
+              </a:spcBef>
+              <a:buFont typeface="Arial" panose="020B0604020202020204" pitchFamily="34" charset="0"/>
+              <a:buChar char="•"/>
+              <a:defRPr sz="2400" kern="1200">
+                <a:solidFill>
+                  <a:schemeClr val="tx1"/>
+                </a:solidFill>
+                <a:latin typeface="+mn-lt"/>
+                <a:ea typeface="+mn-ea"/>
+                <a:cs typeface="+mn-cs"/>
+              </a:defRPr>
+            </a:lvl2pPr>
+            <a:lvl3pPr marL="1143000" indent="-228600" algn="l" defTabSz="914400" rtl="0" eaLnBrk="1" latinLnBrk="0" hangingPunct="1">
+              <a:lnSpc>
+                <a:spcPct val="90000"/>
+              </a:lnSpc>
+              <a:spcBef>
+                <a:spcPts val="500"/>
+              </a:spcBef>
+              <a:buFont typeface="Arial" panose="020B0604020202020204" pitchFamily="34" charset="0"/>
+              <a:buChar char="•"/>
+              <a:defRPr sz="2000" kern="1200">
+                <a:solidFill>
+                  <a:schemeClr val="tx1"/>
+                </a:solidFill>
+                <a:latin typeface="+mn-lt"/>
+                <a:ea typeface="+mn-ea"/>
+                <a:cs typeface="+mn-cs"/>
+              </a:defRPr>
+            </a:lvl3pPr>
+            <a:lvl4pPr marL="1600200" indent="-228600" algn="l" defTabSz="914400" rtl="0" eaLnBrk="1" latinLnBrk="0" hangingPunct="1">
+              <a:lnSpc>
+                <a:spcPct val="90000"/>
+              </a:lnSpc>
+              <a:spcBef>
+                <a:spcPts val="500"/>
+              </a:spcBef>
+              <a:buFont typeface="Arial" panose="020B0604020202020204" pitchFamily="34" charset="0"/>
+              <a:buChar char="•"/>
+              <a:defRPr sz="1800" kern="1200">
+                <a:solidFill>
+                  <a:schemeClr val="tx1"/>
+                </a:solidFill>
+                <a:latin typeface="+mn-lt"/>
+                <a:ea typeface="+mn-ea"/>
+                <a:cs typeface="+mn-cs"/>
+              </a:defRPr>
+            </a:lvl4pPr>
+            <a:lvl5pPr marL="2057400" indent="-228600" algn="l" defTabSz="914400" rtl="0" eaLnBrk="1" latinLnBrk="0" hangingPunct="1">
+              <a:lnSpc>
+                <a:spcPct val="90000"/>
+              </a:lnSpc>
+              <a:spcBef>
+                <a:spcPts val="500"/>
+              </a:spcBef>
+              <a:buFont typeface="Arial" panose="020B0604020202020204" pitchFamily="34" charset="0"/>
+              <a:buChar char="•"/>
+              <a:defRPr sz="1800" kern="1200">
+                <a:solidFill>
+                  <a:schemeClr val="tx1"/>
+                </a:solidFill>
+                <a:latin typeface="+mn-lt"/>
+                <a:ea typeface="+mn-ea"/>
+                <a:cs typeface="+mn-cs"/>
+              </a:defRPr>
+            </a:lvl5pPr>
+            <a:lvl6pPr marL="2514600" indent="-228600" algn="l" defTabSz="914400" rtl="0" eaLnBrk="1" latinLnBrk="0" hangingPunct="1">
+              <a:lnSpc>
+                <a:spcPct val="90000"/>
+              </a:lnSpc>
+              <a:spcBef>
+                <a:spcPts val="500"/>
+              </a:spcBef>
+              <a:buFont typeface="Arial" panose="020B0604020202020204" pitchFamily="34" charset="0"/>
+              <a:buChar char="•"/>
+              <a:defRPr sz="1800" kern="1200">
+                <a:solidFill>
+                  <a:schemeClr val="tx1"/>
+                </a:solidFill>
+                <a:latin typeface="+mn-lt"/>
+                <a:ea typeface="+mn-ea"/>
+                <a:cs typeface="+mn-cs"/>
+              </a:defRPr>
+            </a:lvl6pPr>
+            <a:lvl7pPr marL="2971800" indent="-228600" algn="l" defTabSz="914400" rtl="0" eaLnBrk="1" latinLnBrk="0" hangingPunct="1">
+              <a:lnSpc>
+                <a:spcPct val="90000"/>
+              </a:lnSpc>
+              <a:spcBef>
+                <a:spcPts val="500"/>
+              </a:spcBef>
+              <a:buFont typeface="Arial" panose="020B0604020202020204" pitchFamily="34" charset="0"/>
+              <a:buChar char="•"/>
+              <a:defRPr sz="1800" kern="1200">
+                <a:solidFill>
+                  <a:schemeClr val="tx1"/>
+                </a:solidFill>
+                <a:latin typeface="+mn-lt"/>
+                <a:ea typeface="+mn-ea"/>
+                <a:cs typeface="+mn-cs"/>
+              </a:defRPr>
+            </a:lvl7pPr>
+            <a:lvl8pPr marL="3429000" indent="-228600" algn="l" defTabSz="914400" rtl="0" eaLnBrk="1" latinLnBrk="0" hangingPunct="1">
+              <a:lnSpc>
+                <a:spcPct val="90000"/>
+              </a:lnSpc>
+              <a:spcBef>
+                <a:spcPts val="500"/>
+              </a:spcBef>
+              <a:buFont typeface="Arial" panose="020B0604020202020204" pitchFamily="34" charset="0"/>
+              <a:buChar char="•"/>
+              <a:defRPr sz="1800" kern="1200">
+                <a:solidFill>
+                  <a:schemeClr val="tx1"/>
+                </a:solidFill>
+                <a:latin typeface="+mn-lt"/>
+                <a:ea typeface="+mn-ea"/>
+                <a:cs typeface="+mn-cs"/>
+              </a:defRPr>
+            </a:lvl8pPr>
+            <a:lvl9pPr marL="3886200" indent="-228600" algn="l" defTabSz="914400" rtl="0" eaLnBrk="1" latinLnBrk="0" hangingPunct="1">
+              <a:lnSpc>
+                <a:spcPct val="90000"/>
+              </a:lnSpc>
+              <a:spcBef>
+                <a:spcPts val="500"/>
+              </a:spcBef>
+              <a:buFont typeface="Arial" panose="020B0604020202020204" pitchFamily="34" charset="0"/>
+              <a:buChar char="•"/>
+              <a:defRPr sz="1800" kern="1200">
+                <a:solidFill>
+                  <a:schemeClr val="tx1"/>
+                </a:solidFill>
+                <a:latin typeface="+mn-lt"/>
+                <a:ea typeface="+mn-ea"/>
+                <a:cs typeface="+mn-cs"/>
+              </a:defRPr>
+            </a:lvl9pPr>
+          </a:lstStyle>
+          <a:p>
+            <a:pPr marL="0" indent="0">
+              <a:buNone/>
+            </a:pPr>
+            <a:r>
+              <a:rPr lang="en-US" sz="2000" dirty="0">
+                <a:solidFill>
+                  <a:srgbClr val="9999FF"/>
+                </a:solidFill>
+                <a:latin typeface="Tw Cen MT" panose="020B0602020104020603" pitchFamily="34" charset="0"/>
+                <a:ea typeface="Verdana" panose="020B0604030504040204" pitchFamily="34" charset="0"/>
+              </a:rPr>
+              <a:t>Jane’s wealth doesn’t change</a:t>
+            </a:r>
+          </a:p>
+        </p:txBody>
+      </p:sp>
+      <p:sp>
+        <p:nvSpPr>
+          <p:cNvPr id="18" name="Oval 17">
+            <a:extLst>
+              <a:ext uri="{FF2B5EF4-FFF2-40B4-BE49-F238E27FC236}">
+                <a16:creationId xmlns:a16="http://schemas.microsoft.com/office/drawing/2014/main" id="{FDA33095-F5EF-4E24-AA3C-EA3A7760D813}"/>
+              </a:ext>
+            </a:extLst>
+          </p:cNvPr>
+          <p:cNvSpPr/>
+          <p:nvPr/>
+        </p:nvSpPr>
+        <p:spPr>
+          <a:xfrm>
+            <a:off x="5399306" y="3341066"/>
+            <a:ext cx="142304" cy="142304"/>
+          </a:xfrm>
+          <a:prstGeom prst="ellipse">
+            <a:avLst/>
+          </a:prstGeom>
+          <a:solidFill>
+            <a:srgbClr val="9999FF"/>
+          </a:solidFill>
+          <a:ln>
+            <a:solidFill>
+              <a:srgbClr val="9999FF"/>
+            </a:solidFill>
+          </a:ln>
+        </p:spPr>
+        <p:style>
+          <a:lnRef idx="2">
+            <a:schemeClr val="accent1">
+              <a:shade val="50000"/>
+            </a:schemeClr>
+          </a:lnRef>
+          <a:fillRef idx="1">
+            <a:schemeClr val="accent1"/>
+          </a:fillRef>
+          <a:effectRef idx="0">
+            <a:schemeClr val="accent1"/>
+          </a:effectRef>
+          <a:fontRef idx="minor">
+            <a:schemeClr val="lt1"/>
+          </a:fontRef>
+        </p:style>
+        <p:txBody>
+          <a:bodyPr rtlCol="0" anchor="ctr"/>
+          <a:lstStyle/>
+          <a:p>
+            <a:pPr algn="ctr"/>
+            <a:endParaRPr lang="en-AU"/>
+          </a:p>
+        </p:txBody>
+      </p:sp>
+      <p:sp>
+        <p:nvSpPr>
+          <p:cNvPr id="19" name="Oval 18">
+            <a:extLst>
+              <a:ext uri="{FF2B5EF4-FFF2-40B4-BE49-F238E27FC236}">
+                <a16:creationId xmlns:a16="http://schemas.microsoft.com/office/drawing/2014/main" id="{43126555-54F6-4765-8865-4C12FB2DC6EE}"/>
+              </a:ext>
+            </a:extLst>
+          </p:cNvPr>
+          <p:cNvSpPr/>
+          <p:nvPr/>
+        </p:nvSpPr>
+        <p:spPr>
+          <a:xfrm>
+            <a:off x="6242555" y="4108940"/>
+            <a:ext cx="142304" cy="142304"/>
+          </a:xfrm>
+          <a:prstGeom prst="ellipse">
+            <a:avLst/>
+          </a:prstGeom>
+          <a:solidFill>
+            <a:srgbClr val="FF9900"/>
+          </a:solidFill>
+          <a:ln>
+            <a:solidFill>
+              <a:srgbClr val="9999FF"/>
+            </a:solidFill>
+          </a:ln>
+        </p:spPr>
+        <p:style>
+          <a:lnRef idx="2">
+            <a:schemeClr val="accent1">
+              <a:shade val="50000"/>
+            </a:schemeClr>
+          </a:lnRef>
+          <a:fillRef idx="1">
+            <a:schemeClr val="accent1"/>
+          </a:fillRef>
+          <a:effectRef idx="0">
+            <a:schemeClr val="accent1"/>
+          </a:effectRef>
+          <a:fontRef idx="minor">
+            <a:schemeClr val="lt1"/>
+          </a:fontRef>
+        </p:style>
+        <p:txBody>
+          <a:bodyPr rtlCol="0" anchor="ctr"/>
+          <a:lstStyle/>
+          <a:p>
+            <a:pPr algn="ctr"/>
+            <a:endParaRPr lang="en-AU"/>
+          </a:p>
+        </p:txBody>
+      </p:sp>
+      <p:sp>
+        <p:nvSpPr>
+          <p:cNvPr id="20" name="Oval 19">
+            <a:extLst>
+              <a:ext uri="{FF2B5EF4-FFF2-40B4-BE49-F238E27FC236}">
+                <a16:creationId xmlns:a16="http://schemas.microsoft.com/office/drawing/2014/main" id="{DAD47DFA-2DA9-4317-B6A2-B6CE5EBA6D5E}"/>
+              </a:ext>
+            </a:extLst>
+          </p:cNvPr>
+          <p:cNvSpPr/>
+          <p:nvPr/>
+        </p:nvSpPr>
+        <p:spPr>
+          <a:xfrm>
+            <a:off x="6713007" y="3352150"/>
+            <a:ext cx="142304" cy="142304"/>
+          </a:xfrm>
+          <a:prstGeom prst="ellipse">
+            <a:avLst/>
+          </a:prstGeom>
+          <a:solidFill>
+            <a:srgbClr val="9999FF"/>
+          </a:solidFill>
+          <a:ln>
+            <a:solidFill>
+              <a:srgbClr val="9999FF"/>
+            </a:solidFill>
+          </a:ln>
+        </p:spPr>
+        <p:style>
+          <a:lnRef idx="2">
+            <a:schemeClr val="accent1">
+              <a:shade val="50000"/>
+            </a:schemeClr>
+          </a:lnRef>
+          <a:fillRef idx="1">
+            <a:schemeClr val="accent1"/>
+          </a:fillRef>
+          <a:effectRef idx="0">
+            <a:schemeClr val="accent1"/>
+          </a:effectRef>
+          <a:fontRef idx="minor">
+            <a:schemeClr val="lt1"/>
+          </a:fontRef>
+        </p:style>
+        <p:txBody>
+          <a:bodyPr rtlCol="0" anchor="ctr"/>
+          <a:lstStyle/>
+          <a:p>
+            <a:pPr algn="ctr"/>
+            <a:endParaRPr lang="en-AU"/>
+          </a:p>
+        </p:txBody>
+      </p:sp>
+      <p:sp>
+        <p:nvSpPr>
+          <p:cNvPr id="21" name="Oval 20">
+            <a:extLst>
+              <a:ext uri="{FF2B5EF4-FFF2-40B4-BE49-F238E27FC236}">
+                <a16:creationId xmlns:a16="http://schemas.microsoft.com/office/drawing/2014/main" id="{715379E9-0004-4FF2-87A2-B93247B22D79}"/>
+              </a:ext>
+            </a:extLst>
+          </p:cNvPr>
+          <p:cNvSpPr/>
+          <p:nvPr/>
+        </p:nvSpPr>
+        <p:spPr>
+          <a:xfrm>
+            <a:off x="7199530" y="4104867"/>
+            <a:ext cx="142304" cy="142304"/>
+          </a:xfrm>
+          <a:prstGeom prst="ellipse">
+            <a:avLst/>
+          </a:prstGeom>
+          <a:solidFill>
+            <a:srgbClr val="FF9900"/>
+          </a:solidFill>
+          <a:ln>
+            <a:solidFill>
+              <a:srgbClr val="9999FF"/>
+            </a:solidFill>
+          </a:ln>
+        </p:spPr>
+        <p:style>
+          <a:lnRef idx="2">
+            <a:schemeClr val="accent1">
+              <a:shade val="50000"/>
+            </a:schemeClr>
+          </a:lnRef>
+          <a:fillRef idx="1">
+            <a:schemeClr val="accent1"/>
+          </a:fillRef>
+          <a:effectRef idx="0">
+            <a:schemeClr val="accent1"/>
+          </a:effectRef>
+          <a:fontRef idx="minor">
+            <a:schemeClr val="lt1"/>
+          </a:fontRef>
+        </p:style>
+        <p:txBody>
+          <a:bodyPr rtlCol="0" anchor="ctr"/>
+          <a:lstStyle/>
+          <a:p>
+            <a:pPr algn="ctr"/>
+            <a:endParaRPr lang="en-AU"/>
+          </a:p>
+        </p:txBody>
+      </p:sp>
+      <p:sp>
+        <p:nvSpPr>
+          <p:cNvPr id="16" name="Oval 15">
+            <a:extLst>
+              <a:ext uri="{FF2B5EF4-FFF2-40B4-BE49-F238E27FC236}">
+                <a16:creationId xmlns:a16="http://schemas.microsoft.com/office/drawing/2014/main" id="{C824FA36-7C7F-422A-AAE5-A7AC447953A0}"/>
+              </a:ext>
+            </a:extLst>
+          </p:cNvPr>
+          <p:cNvSpPr/>
+          <p:nvPr/>
+        </p:nvSpPr>
+        <p:spPr>
+          <a:xfrm>
+            <a:off x="4077419" y="4120992"/>
+            <a:ext cx="142304" cy="142304"/>
+          </a:xfrm>
+          <a:prstGeom prst="ellipse">
+            <a:avLst/>
+          </a:prstGeom>
+          <a:solidFill>
+            <a:srgbClr val="FF9900"/>
+          </a:solidFill>
+          <a:ln>
+            <a:solidFill>
+              <a:srgbClr val="9999FF"/>
+            </a:solidFill>
+          </a:ln>
+        </p:spPr>
+        <p:style>
+          <a:lnRef idx="2">
+            <a:schemeClr val="accent1">
+              <a:shade val="50000"/>
+            </a:schemeClr>
+          </a:lnRef>
+          <a:fillRef idx="1">
+            <a:schemeClr val="accent1"/>
+          </a:fillRef>
+          <a:effectRef idx="0">
+            <a:schemeClr val="accent1"/>
+          </a:effectRef>
+          <a:fontRef idx="minor">
+            <a:schemeClr val="lt1"/>
+          </a:fontRef>
+        </p:style>
+        <p:txBody>
+          <a:bodyPr rtlCol="0" anchor="ctr"/>
+          <a:lstStyle/>
+          <a:p>
+            <a:pPr algn="ctr"/>
+            <a:endParaRPr lang="en-AU"/>
+          </a:p>
+        </p:txBody>
+      </p:sp>
+      <p:sp>
+        <p:nvSpPr>
+          <p:cNvPr id="42" name="Content Placeholder 2">
+            <a:extLst>
+              <a:ext uri="{FF2B5EF4-FFF2-40B4-BE49-F238E27FC236}">
+                <a16:creationId xmlns:a16="http://schemas.microsoft.com/office/drawing/2014/main" id="{DE171574-C1BC-47AB-BC4B-48A53CB9133E}"/>
+              </a:ext>
+            </a:extLst>
+          </p:cNvPr>
+          <p:cNvSpPr txBox="1">
+            <a:spLocks/>
+          </p:cNvSpPr>
+          <p:nvPr/>
+        </p:nvSpPr>
+        <p:spPr>
+          <a:xfrm>
+            <a:off x="2686355" y="3190563"/>
+            <a:ext cx="2168110" cy="345576"/>
+          </a:xfrm>
+          <a:prstGeom prst="rect">
+            <a:avLst/>
+          </a:prstGeom>
+        </p:spPr>
+        <p:txBody>
+          <a:bodyPr vert="horz" lIns="91440" tIns="45720" rIns="91440" bIns="45720" rtlCol="0" anchor="ctr">
+            <a:normAutofit/>
+          </a:bodyPr>
+          <a:lstStyle>
+            <a:lvl1pPr marL="228600" indent="-228600" algn="l" defTabSz="914400" rtl="0" eaLnBrk="1" latinLnBrk="0" hangingPunct="1">
+              <a:lnSpc>
+                <a:spcPct val="90000"/>
+              </a:lnSpc>
+              <a:spcBef>
+                <a:spcPts val="1000"/>
+              </a:spcBef>
+              <a:buFont typeface="Arial" panose="020B0604020202020204" pitchFamily="34" charset="0"/>
+              <a:buChar char="•"/>
+              <a:defRPr sz="2800" kern="1200">
+                <a:solidFill>
+                  <a:schemeClr val="tx1"/>
+                </a:solidFill>
+                <a:latin typeface="+mn-lt"/>
+                <a:ea typeface="+mn-ea"/>
+                <a:cs typeface="+mn-cs"/>
+              </a:defRPr>
+            </a:lvl1pPr>
+            <a:lvl2pPr marL="685800" indent="-228600" algn="l" defTabSz="914400" rtl="0" eaLnBrk="1" latinLnBrk="0" hangingPunct="1">
+              <a:lnSpc>
+                <a:spcPct val="90000"/>
+              </a:lnSpc>
+              <a:spcBef>
+                <a:spcPts val="500"/>
+              </a:spcBef>
+              <a:buFont typeface="Arial" panose="020B0604020202020204" pitchFamily="34" charset="0"/>
+              <a:buChar char="•"/>
+              <a:defRPr sz="2400" kern="1200">
+                <a:solidFill>
+                  <a:schemeClr val="tx1"/>
+                </a:solidFill>
+                <a:latin typeface="+mn-lt"/>
+                <a:ea typeface="+mn-ea"/>
+                <a:cs typeface="+mn-cs"/>
+              </a:defRPr>
+            </a:lvl2pPr>
+            <a:lvl3pPr marL="1143000" indent="-228600" algn="l" defTabSz="914400" rtl="0" eaLnBrk="1" latinLnBrk="0" hangingPunct="1">
+              <a:lnSpc>
+                <a:spcPct val="90000"/>
+              </a:lnSpc>
+              <a:spcBef>
+                <a:spcPts val="500"/>
+              </a:spcBef>
+              <a:buFont typeface="Arial" panose="020B0604020202020204" pitchFamily="34" charset="0"/>
+              <a:buChar char="•"/>
+              <a:defRPr sz="2000" kern="1200">
+                <a:solidFill>
+                  <a:schemeClr val="tx1"/>
+                </a:solidFill>
+                <a:latin typeface="+mn-lt"/>
+                <a:ea typeface="+mn-ea"/>
+                <a:cs typeface="+mn-cs"/>
+              </a:defRPr>
+            </a:lvl3pPr>
+            <a:lvl4pPr marL="1600200" indent="-228600" algn="l" defTabSz="914400" rtl="0" eaLnBrk="1" latinLnBrk="0" hangingPunct="1">
+              <a:lnSpc>
+                <a:spcPct val="90000"/>
+              </a:lnSpc>
+              <a:spcBef>
+                <a:spcPts val="500"/>
+              </a:spcBef>
+              <a:buFont typeface="Arial" panose="020B0604020202020204" pitchFamily="34" charset="0"/>
+              <a:buChar char="•"/>
+              <a:defRPr sz="1800" kern="1200">
+                <a:solidFill>
+                  <a:schemeClr val="tx1"/>
+                </a:solidFill>
+                <a:latin typeface="+mn-lt"/>
+                <a:ea typeface="+mn-ea"/>
+                <a:cs typeface="+mn-cs"/>
+              </a:defRPr>
+            </a:lvl4pPr>
+            <a:lvl5pPr marL="2057400" indent="-228600" algn="l" defTabSz="914400" rtl="0" eaLnBrk="1" latinLnBrk="0" hangingPunct="1">
+              <a:lnSpc>
+                <a:spcPct val="90000"/>
+              </a:lnSpc>
+              <a:spcBef>
+                <a:spcPts val="500"/>
+              </a:spcBef>
+              <a:buFont typeface="Arial" panose="020B0604020202020204" pitchFamily="34" charset="0"/>
+              <a:buChar char="•"/>
+              <a:defRPr sz="1800" kern="1200">
+                <a:solidFill>
+                  <a:schemeClr val="tx1"/>
+                </a:solidFill>
+                <a:latin typeface="+mn-lt"/>
+                <a:ea typeface="+mn-ea"/>
+                <a:cs typeface="+mn-cs"/>
+              </a:defRPr>
+            </a:lvl5pPr>
+            <a:lvl6pPr marL="2514600" indent="-228600" algn="l" defTabSz="914400" rtl="0" eaLnBrk="1" latinLnBrk="0" hangingPunct="1">
+              <a:lnSpc>
+                <a:spcPct val="90000"/>
+              </a:lnSpc>
+              <a:spcBef>
+                <a:spcPts val="500"/>
+              </a:spcBef>
+              <a:buFont typeface="Arial" panose="020B0604020202020204" pitchFamily="34" charset="0"/>
+              <a:buChar char="•"/>
+              <a:defRPr sz="1800" kern="1200">
+                <a:solidFill>
+                  <a:schemeClr val="tx1"/>
+                </a:solidFill>
+                <a:latin typeface="+mn-lt"/>
+                <a:ea typeface="+mn-ea"/>
+                <a:cs typeface="+mn-cs"/>
+              </a:defRPr>
+            </a:lvl6pPr>
+            <a:lvl7pPr marL="2971800" indent="-228600" algn="l" defTabSz="914400" rtl="0" eaLnBrk="1" latinLnBrk="0" hangingPunct="1">
+              <a:lnSpc>
+                <a:spcPct val="90000"/>
+              </a:lnSpc>
+              <a:spcBef>
+                <a:spcPts val="500"/>
+              </a:spcBef>
+              <a:buFont typeface="Arial" panose="020B0604020202020204" pitchFamily="34" charset="0"/>
+              <a:buChar char="•"/>
+              <a:defRPr sz="1800" kern="1200">
+                <a:solidFill>
+                  <a:schemeClr val="tx1"/>
+                </a:solidFill>
+                <a:latin typeface="+mn-lt"/>
+                <a:ea typeface="+mn-ea"/>
+                <a:cs typeface="+mn-cs"/>
+              </a:defRPr>
+            </a:lvl7pPr>
+            <a:lvl8pPr marL="3429000" indent="-228600" algn="l" defTabSz="914400" rtl="0" eaLnBrk="1" latinLnBrk="0" hangingPunct="1">
+              <a:lnSpc>
+                <a:spcPct val="90000"/>
+              </a:lnSpc>
+              <a:spcBef>
+                <a:spcPts val="500"/>
+              </a:spcBef>
+              <a:buFont typeface="Arial" panose="020B0604020202020204" pitchFamily="34" charset="0"/>
+              <a:buChar char="•"/>
+              <a:defRPr sz="1800" kern="1200">
+                <a:solidFill>
+                  <a:schemeClr val="tx1"/>
+                </a:solidFill>
+                <a:latin typeface="+mn-lt"/>
+                <a:ea typeface="+mn-ea"/>
+                <a:cs typeface="+mn-cs"/>
+              </a:defRPr>
+            </a:lvl8pPr>
+            <a:lvl9pPr marL="3886200" indent="-228600" algn="l" defTabSz="914400" rtl="0" eaLnBrk="1" latinLnBrk="0" hangingPunct="1">
+              <a:lnSpc>
+                <a:spcPct val="90000"/>
+              </a:lnSpc>
+              <a:spcBef>
+                <a:spcPts val="500"/>
+              </a:spcBef>
+              <a:buFont typeface="Arial" panose="020B0604020202020204" pitchFamily="34" charset="0"/>
+              <a:buChar char="•"/>
+              <a:defRPr sz="1800" kern="1200">
+                <a:solidFill>
+                  <a:schemeClr val="tx1"/>
+                </a:solidFill>
+                <a:latin typeface="+mn-lt"/>
+                <a:ea typeface="+mn-ea"/>
+                <a:cs typeface="+mn-cs"/>
+              </a:defRPr>
+            </a:lvl9pPr>
+          </a:lstStyle>
+          <a:p>
+            <a:pPr marL="0" indent="0">
+              <a:buNone/>
+            </a:pPr>
+            <a:r>
+              <a:rPr lang="en-US" sz="1050" dirty="0">
+                <a:solidFill>
+                  <a:srgbClr val="FF0000"/>
+                </a:solidFill>
+                <a:latin typeface="Tw Cen MT" panose="020B0602020104020603" pitchFamily="34" charset="0"/>
+                <a:ea typeface="Verdana" panose="020B0604030504040204" pitchFamily="34" charset="0"/>
+              </a:rPr>
+              <a:t>Switch to Silver</a:t>
+            </a:r>
+          </a:p>
+        </p:txBody>
+      </p:sp>
+      <p:sp>
+        <p:nvSpPr>
+          <p:cNvPr id="43" name="Content Placeholder 2">
+            <a:extLst>
+              <a:ext uri="{FF2B5EF4-FFF2-40B4-BE49-F238E27FC236}">
+                <a16:creationId xmlns:a16="http://schemas.microsoft.com/office/drawing/2014/main" id="{53A77C70-F114-4195-9210-FF91B0B2DA78}"/>
+              </a:ext>
+            </a:extLst>
+          </p:cNvPr>
+          <p:cNvSpPr txBox="1">
+            <a:spLocks/>
+          </p:cNvSpPr>
+          <p:nvPr/>
+        </p:nvSpPr>
+        <p:spPr>
+          <a:xfrm>
+            <a:off x="2679654" y="4027149"/>
+            <a:ext cx="2168110" cy="345576"/>
+          </a:xfrm>
+          <a:prstGeom prst="rect">
+            <a:avLst/>
+          </a:prstGeom>
+        </p:spPr>
+        <p:txBody>
+          <a:bodyPr vert="horz" lIns="91440" tIns="45720" rIns="91440" bIns="45720" rtlCol="0" anchor="ctr">
+            <a:normAutofit/>
+          </a:bodyPr>
+          <a:lstStyle>
+            <a:lvl1pPr marL="228600" indent="-228600" algn="l" defTabSz="914400" rtl="0" eaLnBrk="1" latinLnBrk="0" hangingPunct="1">
+              <a:lnSpc>
+                <a:spcPct val="90000"/>
+              </a:lnSpc>
+              <a:spcBef>
+                <a:spcPts val="1000"/>
+              </a:spcBef>
+              <a:buFont typeface="Arial" panose="020B0604020202020204" pitchFamily="34" charset="0"/>
+              <a:buChar char="•"/>
+              <a:defRPr sz="2800" kern="1200">
+                <a:solidFill>
+                  <a:schemeClr val="tx1"/>
+                </a:solidFill>
+                <a:latin typeface="+mn-lt"/>
+                <a:ea typeface="+mn-ea"/>
+                <a:cs typeface="+mn-cs"/>
+              </a:defRPr>
+            </a:lvl1pPr>
+            <a:lvl2pPr marL="685800" indent="-228600" algn="l" defTabSz="914400" rtl="0" eaLnBrk="1" latinLnBrk="0" hangingPunct="1">
+              <a:lnSpc>
+                <a:spcPct val="90000"/>
+              </a:lnSpc>
+              <a:spcBef>
+                <a:spcPts val="500"/>
+              </a:spcBef>
+              <a:buFont typeface="Arial" panose="020B0604020202020204" pitchFamily="34" charset="0"/>
+              <a:buChar char="•"/>
+              <a:defRPr sz="2400" kern="1200">
+                <a:solidFill>
+                  <a:schemeClr val="tx1"/>
+                </a:solidFill>
+                <a:latin typeface="+mn-lt"/>
+                <a:ea typeface="+mn-ea"/>
+                <a:cs typeface="+mn-cs"/>
+              </a:defRPr>
+            </a:lvl2pPr>
+            <a:lvl3pPr marL="1143000" indent="-228600" algn="l" defTabSz="914400" rtl="0" eaLnBrk="1" latinLnBrk="0" hangingPunct="1">
+              <a:lnSpc>
+                <a:spcPct val="90000"/>
+              </a:lnSpc>
+              <a:spcBef>
+                <a:spcPts val="500"/>
+              </a:spcBef>
+              <a:buFont typeface="Arial" panose="020B0604020202020204" pitchFamily="34" charset="0"/>
+              <a:buChar char="•"/>
+              <a:defRPr sz="2000" kern="1200">
+                <a:solidFill>
+                  <a:schemeClr val="tx1"/>
+                </a:solidFill>
+                <a:latin typeface="+mn-lt"/>
+                <a:ea typeface="+mn-ea"/>
+                <a:cs typeface="+mn-cs"/>
+              </a:defRPr>
+            </a:lvl3pPr>
+            <a:lvl4pPr marL="1600200" indent="-228600" algn="l" defTabSz="914400" rtl="0" eaLnBrk="1" latinLnBrk="0" hangingPunct="1">
+              <a:lnSpc>
+                <a:spcPct val="90000"/>
+              </a:lnSpc>
+              <a:spcBef>
+                <a:spcPts val="500"/>
+              </a:spcBef>
+              <a:buFont typeface="Arial" panose="020B0604020202020204" pitchFamily="34" charset="0"/>
+              <a:buChar char="•"/>
+              <a:defRPr sz="1800" kern="1200">
+                <a:solidFill>
+                  <a:schemeClr val="tx1"/>
+                </a:solidFill>
+                <a:latin typeface="+mn-lt"/>
+                <a:ea typeface="+mn-ea"/>
+                <a:cs typeface="+mn-cs"/>
+              </a:defRPr>
+            </a:lvl4pPr>
+            <a:lvl5pPr marL="2057400" indent="-228600" algn="l" defTabSz="914400" rtl="0" eaLnBrk="1" latinLnBrk="0" hangingPunct="1">
+              <a:lnSpc>
+                <a:spcPct val="90000"/>
+              </a:lnSpc>
+              <a:spcBef>
+                <a:spcPts val="500"/>
+              </a:spcBef>
+              <a:buFont typeface="Arial" panose="020B0604020202020204" pitchFamily="34" charset="0"/>
+              <a:buChar char="•"/>
+              <a:defRPr sz="1800" kern="1200">
+                <a:solidFill>
+                  <a:schemeClr val="tx1"/>
+                </a:solidFill>
+                <a:latin typeface="+mn-lt"/>
+                <a:ea typeface="+mn-ea"/>
+                <a:cs typeface="+mn-cs"/>
+              </a:defRPr>
+            </a:lvl5pPr>
+            <a:lvl6pPr marL="2514600" indent="-228600" algn="l" defTabSz="914400" rtl="0" eaLnBrk="1" latinLnBrk="0" hangingPunct="1">
+              <a:lnSpc>
+                <a:spcPct val="90000"/>
+              </a:lnSpc>
+              <a:spcBef>
+                <a:spcPts val="500"/>
+              </a:spcBef>
+              <a:buFont typeface="Arial" panose="020B0604020202020204" pitchFamily="34" charset="0"/>
+              <a:buChar char="•"/>
+              <a:defRPr sz="1800" kern="1200">
+                <a:solidFill>
+                  <a:schemeClr val="tx1"/>
+                </a:solidFill>
+                <a:latin typeface="+mn-lt"/>
+                <a:ea typeface="+mn-ea"/>
+                <a:cs typeface="+mn-cs"/>
+              </a:defRPr>
+            </a:lvl6pPr>
+            <a:lvl7pPr marL="2971800" indent="-228600" algn="l" defTabSz="914400" rtl="0" eaLnBrk="1" latinLnBrk="0" hangingPunct="1">
+              <a:lnSpc>
+                <a:spcPct val="90000"/>
+              </a:lnSpc>
+              <a:spcBef>
+                <a:spcPts val="500"/>
+              </a:spcBef>
+              <a:buFont typeface="Arial" panose="020B0604020202020204" pitchFamily="34" charset="0"/>
+              <a:buChar char="•"/>
+              <a:defRPr sz="1800" kern="1200">
+                <a:solidFill>
+                  <a:schemeClr val="tx1"/>
+                </a:solidFill>
+                <a:latin typeface="+mn-lt"/>
+                <a:ea typeface="+mn-ea"/>
+                <a:cs typeface="+mn-cs"/>
+              </a:defRPr>
+            </a:lvl7pPr>
+            <a:lvl8pPr marL="3429000" indent="-228600" algn="l" defTabSz="914400" rtl="0" eaLnBrk="1" latinLnBrk="0" hangingPunct="1">
+              <a:lnSpc>
+                <a:spcPct val="90000"/>
+              </a:lnSpc>
+              <a:spcBef>
+                <a:spcPts val="500"/>
+              </a:spcBef>
+              <a:buFont typeface="Arial" panose="020B0604020202020204" pitchFamily="34" charset="0"/>
+              <a:buChar char="•"/>
+              <a:defRPr sz="1800" kern="1200">
+                <a:solidFill>
+                  <a:schemeClr val="tx1"/>
+                </a:solidFill>
+                <a:latin typeface="+mn-lt"/>
+                <a:ea typeface="+mn-ea"/>
+                <a:cs typeface="+mn-cs"/>
+              </a:defRPr>
+            </a:lvl8pPr>
+            <a:lvl9pPr marL="3886200" indent="-228600" algn="l" defTabSz="914400" rtl="0" eaLnBrk="1" latinLnBrk="0" hangingPunct="1">
+              <a:lnSpc>
+                <a:spcPct val="90000"/>
+              </a:lnSpc>
+              <a:spcBef>
+                <a:spcPts val="500"/>
+              </a:spcBef>
+              <a:buFont typeface="Arial" panose="020B0604020202020204" pitchFamily="34" charset="0"/>
+              <a:buChar char="•"/>
+              <a:defRPr sz="1800" kern="1200">
+                <a:solidFill>
+                  <a:schemeClr val="tx1"/>
+                </a:solidFill>
+                <a:latin typeface="+mn-lt"/>
+                <a:ea typeface="+mn-ea"/>
+                <a:cs typeface="+mn-cs"/>
+              </a:defRPr>
+            </a:lvl9pPr>
+          </a:lstStyle>
+          <a:p>
+            <a:pPr marL="0" indent="0">
+              <a:buNone/>
+            </a:pPr>
+            <a:r>
+              <a:rPr lang="en-US" sz="1050" dirty="0">
+                <a:solidFill>
+                  <a:schemeClr val="accent5"/>
+                </a:solidFill>
+                <a:latin typeface="Tw Cen MT" panose="020B0602020104020603" pitchFamily="34" charset="0"/>
+                <a:ea typeface="Verdana" panose="020B0604030504040204" pitchFamily="34" charset="0"/>
+              </a:rPr>
+              <a:t>Switch to Gold</a:t>
+            </a:r>
+          </a:p>
+        </p:txBody>
+      </p:sp>
+    </p:spTree>
+    <p:extLst>
+      <p:ext uri="{BB962C8B-B14F-4D97-AF65-F5344CB8AC3E}">
+        <p14:creationId xmlns:p14="http://schemas.microsoft.com/office/powerpoint/2010/main" val="4000690310"/>
+      </p:ext>
+    </p:extLst>
+  </p:cSld>
+  <p:clrMapOvr>
+    <a:masterClrMapping/>
+  </p:clrMapOvr>
+  <p:transition spd="slow">
+    <p:push dir="u"/>
+  </p:transition>
+  <p:timing>
+    <p:tnLst>
+      <p:par>
+        <p:cTn id="1" dur="indefinite" restart="never" nodeType="tmRoot">
+          <p:childTnLst>
+            <p:seq concurrent="1" nextAc="seek">
+              <p:cTn id="2" dur="indefinite" nodeType="mainSeq">
+                <p:childTnLst>
+                  <p:par>
+                    <p:cTn id="3" fill="hold">
+                      <p:stCondLst>
+                        <p:cond delay="indefinite"/>
+                      </p:stCondLst>
+                      <p:childTnLst>
+                        <p:par>
+                          <p:cTn id="4" fill="hold">
+                            <p:stCondLst>
+                              <p:cond delay="0"/>
+                            </p:stCondLst>
+                            <p:childTnLst>
+                              <p:par>
+                                <p:cTn id="5" presetID="10" presetClass="entr" presetSubtype="0" fill="hold" grpId="0" nodeType="clickEffect">
+                                  <p:stCondLst>
+                                    <p:cond delay="0"/>
+                                  </p:stCondLst>
+                                  <p:childTnLst>
+                                    <p:set>
+                                      <p:cBhvr>
+                                        <p:cTn id="6" dur="1" fill="hold">
+                                          <p:stCondLst>
+                                            <p:cond delay="0"/>
+                                          </p:stCondLst>
+                                        </p:cTn>
+                                        <p:tgtEl>
+                                          <p:spTgt spid="14"/>
+                                        </p:tgtEl>
+                                        <p:attrNameLst>
+                                          <p:attrName>style.visibility</p:attrName>
+                                        </p:attrNameLst>
+                                      </p:cBhvr>
+                                      <p:to>
+                                        <p:strVal val="visible"/>
+                                      </p:to>
+                                    </p:set>
+                                    <p:animEffect transition="in" filter="fade">
+                                      <p:cBhvr>
+                                        <p:cTn id="7" dur="500"/>
+                                        <p:tgtEl>
+                                          <p:spTgt spid="14"/>
+                                        </p:tgtEl>
+                                      </p:cBhvr>
+                                    </p:animEffect>
+                                  </p:childTnLst>
+                                </p:cTn>
+                              </p:par>
+                              <p:par>
+                                <p:cTn id="8" presetID="10" presetClass="entr" presetSubtype="0" fill="hold" nodeType="withEffect">
+                                  <p:stCondLst>
+                                    <p:cond delay="0"/>
+                                  </p:stCondLst>
+                                  <p:childTnLst>
+                                    <p:set>
+                                      <p:cBhvr>
+                                        <p:cTn id="9" dur="1" fill="hold">
+                                          <p:stCondLst>
+                                            <p:cond delay="0"/>
+                                          </p:stCondLst>
+                                        </p:cTn>
+                                        <p:tgtEl>
+                                          <p:spTgt spid="13"/>
+                                        </p:tgtEl>
+                                        <p:attrNameLst>
+                                          <p:attrName>style.visibility</p:attrName>
+                                        </p:attrNameLst>
+                                      </p:cBhvr>
+                                      <p:to>
+                                        <p:strVal val="visible"/>
+                                      </p:to>
+                                    </p:set>
+                                    <p:animEffect transition="in" filter="fade">
+                                      <p:cBhvr>
+                                        <p:cTn id="10" dur="500"/>
+                                        <p:tgtEl>
+                                          <p:spTgt spid="13"/>
+                                        </p:tgtEl>
+                                      </p:cBhvr>
+                                    </p:animEffect>
+                                  </p:childTnLst>
+                                </p:cTn>
+                              </p:par>
+                              <p:par>
+                                <p:cTn id="11" presetID="10" presetClass="entr" presetSubtype="0" fill="hold" nodeType="withEffect">
+                                  <p:stCondLst>
+                                    <p:cond delay="0"/>
+                                  </p:stCondLst>
+                                  <p:childTnLst>
+                                    <p:set>
+                                      <p:cBhvr>
+                                        <p:cTn id="12" dur="1" fill="hold">
+                                          <p:stCondLst>
+                                            <p:cond delay="0"/>
+                                          </p:stCondLst>
+                                        </p:cTn>
+                                        <p:tgtEl>
+                                          <p:spTgt spid="11"/>
+                                        </p:tgtEl>
+                                        <p:attrNameLst>
+                                          <p:attrName>style.visibility</p:attrName>
+                                        </p:attrNameLst>
+                                      </p:cBhvr>
+                                      <p:to>
+                                        <p:strVal val="visible"/>
+                                      </p:to>
+                                    </p:set>
+                                    <p:animEffect transition="in" filter="fade">
+                                      <p:cBhvr>
+                                        <p:cTn id="13" dur="500"/>
+                                        <p:tgtEl>
+                                          <p:spTgt spid="11"/>
+                                        </p:tgtEl>
+                                      </p:cBhvr>
+                                    </p:animEffect>
+                                  </p:childTnLst>
+                                </p:cTn>
+                              </p:par>
+                              <p:par>
+                                <p:cTn id="14" presetID="10" presetClass="entr" presetSubtype="0" fill="hold" grpId="0" nodeType="withEffect">
+                                  <p:stCondLst>
+                                    <p:cond delay="0"/>
+                                  </p:stCondLst>
+                                  <p:childTnLst>
+                                    <p:set>
+                                      <p:cBhvr>
+                                        <p:cTn id="15" dur="1" fill="hold">
+                                          <p:stCondLst>
+                                            <p:cond delay="0"/>
+                                          </p:stCondLst>
+                                        </p:cTn>
+                                        <p:tgtEl>
+                                          <p:spTgt spid="16"/>
+                                        </p:tgtEl>
+                                        <p:attrNameLst>
+                                          <p:attrName>style.visibility</p:attrName>
+                                        </p:attrNameLst>
+                                      </p:cBhvr>
+                                      <p:to>
+                                        <p:strVal val="visible"/>
+                                      </p:to>
+                                    </p:set>
+                                    <p:animEffect transition="in" filter="fade">
+                                      <p:cBhvr>
+                                        <p:cTn id="16" dur="500"/>
+                                        <p:tgtEl>
+                                          <p:spTgt spid="16"/>
+                                        </p:tgtEl>
+                                      </p:cBhvr>
+                                    </p:animEffect>
+                                  </p:childTnLst>
+                                </p:cTn>
+                              </p:par>
+                              <p:par>
+                                <p:cTn id="17" presetID="10" presetClass="entr" presetSubtype="0" fill="hold" grpId="0" nodeType="withEffect">
+                                  <p:stCondLst>
+                                    <p:cond delay="0"/>
+                                  </p:stCondLst>
+                                  <p:childTnLst>
+                                    <p:set>
+                                      <p:cBhvr>
+                                        <p:cTn id="18" dur="1" fill="hold">
+                                          <p:stCondLst>
+                                            <p:cond delay="0"/>
+                                          </p:stCondLst>
+                                        </p:cTn>
+                                        <p:tgtEl>
+                                          <p:spTgt spid="26"/>
+                                        </p:tgtEl>
+                                        <p:attrNameLst>
+                                          <p:attrName>style.visibility</p:attrName>
+                                        </p:attrNameLst>
+                                      </p:cBhvr>
+                                      <p:to>
+                                        <p:strVal val="visible"/>
+                                      </p:to>
+                                    </p:set>
+                                    <p:animEffect transition="in" filter="fade">
+                                      <p:cBhvr>
+                                        <p:cTn id="19" dur="500"/>
+                                        <p:tgtEl>
+                                          <p:spTgt spid="26"/>
+                                        </p:tgtEl>
+                                      </p:cBhvr>
+                                    </p:animEffect>
+                                  </p:childTnLst>
+                                </p:cTn>
+                              </p:par>
+                              <p:par>
+                                <p:cTn id="20" presetID="10" presetClass="exit" presetSubtype="0" fill="hold" grpId="1" nodeType="withEffect">
+                                  <p:stCondLst>
+                                    <p:cond delay="0"/>
+                                  </p:stCondLst>
+                                  <p:childTnLst>
+                                    <p:animEffect transition="out" filter="fade">
+                                      <p:cBhvr>
+                                        <p:cTn id="21" dur="500"/>
+                                        <p:tgtEl>
+                                          <p:spTgt spid="14"/>
+                                        </p:tgtEl>
+                                      </p:cBhvr>
+                                    </p:animEffect>
+                                    <p:set>
+                                      <p:cBhvr>
+                                        <p:cTn id="22" dur="1" fill="hold">
+                                          <p:stCondLst>
+                                            <p:cond delay="499"/>
+                                          </p:stCondLst>
+                                        </p:cTn>
+                                        <p:tgtEl>
+                                          <p:spTgt spid="14"/>
+                                        </p:tgtEl>
+                                        <p:attrNameLst>
+                                          <p:attrName>style.visibility</p:attrName>
+                                        </p:attrNameLst>
+                                      </p:cBhvr>
+                                      <p:to>
+                                        <p:strVal val="hidden"/>
+                                      </p:to>
+                                    </p:set>
+                                  </p:childTnLst>
+                                </p:cTn>
+                              </p:par>
+                            </p:childTnLst>
+                          </p:cTn>
+                        </p:par>
+                      </p:childTnLst>
+                    </p:cTn>
+                  </p:par>
+                  <p:par>
+                    <p:cTn id="23" fill="hold">
+                      <p:stCondLst>
+                        <p:cond delay="indefinite"/>
+                      </p:stCondLst>
+                      <p:childTnLst>
+                        <p:par>
+                          <p:cTn id="24" fill="hold">
+                            <p:stCondLst>
+                              <p:cond delay="0"/>
+                            </p:stCondLst>
+                            <p:childTnLst>
+                              <p:par>
+                                <p:cTn id="25" presetID="10" presetClass="entr" presetSubtype="0" fill="hold" grpId="0" nodeType="clickEffect">
+                                  <p:stCondLst>
+                                    <p:cond delay="0"/>
+                                  </p:stCondLst>
+                                  <p:childTnLst>
+                                    <p:set>
+                                      <p:cBhvr>
+                                        <p:cTn id="26" dur="1" fill="hold">
+                                          <p:stCondLst>
+                                            <p:cond delay="0"/>
+                                          </p:stCondLst>
+                                        </p:cTn>
+                                        <p:tgtEl>
+                                          <p:spTgt spid="23"/>
+                                        </p:tgtEl>
+                                        <p:attrNameLst>
+                                          <p:attrName>style.visibility</p:attrName>
+                                        </p:attrNameLst>
+                                      </p:cBhvr>
+                                      <p:to>
+                                        <p:strVal val="visible"/>
+                                      </p:to>
+                                    </p:set>
+                                    <p:animEffect transition="in" filter="fade">
+                                      <p:cBhvr>
+                                        <p:cTn id="27" dur="500"/>
+                                        <p:tgtEl>
+                                          <p:spTgt spid="23"/>
+                                        </p:tgtEl>
+                                      </p:cBhvr>
+                                    </p:animEffect>
+                                  </p:childTnLst>
+                                </p:cTn>
+                              </p:par>
+                              <p:par>
+                                <p:cTn id="28" presetID="10" presetClass="entr" presetSubtype="0" fill="hold" grpId="0" nodeType="withEffect">
+                                  <p:stCondLst>
+                                    <p:cond delay="0"/>
+                                  </p:stCondLst>
+                                  <p:childTnLst>
+                                    <p:set>
+                                      <p:cBhvr>
+                                        <p:cTn id="29" dur="1" fill="hold">
+                                          <p:stCondLst>
+                                            <p:cond delay="0"/>
+                                          </p:stCondLst>
+                                        </p:cTn>
+                                        <p:tgtEl>
+                                          <p:spTgt spid="18"/>
+                                        </p:tgtEl>
+                                        <p:attrNameLst>
+                                          <p:attrName>style.visibility</p:attrName>
+                                        </p:attrNameLst>
+                                      </p:cBhvr>
+                                      <p:to>
+                                        <p:strVal val="visible"/>
+                                      </p:to>
+                                    </p:set>
+                                    <p:animEffect transition="in" filter="fade">
+                                      <p:cBhvr>
+                                        <p:cTn id="30" dur="500"/>
+                                        <p:tgtEl>
+                                          <p:spTgt spid="18"/>
+                                        </p:tgtEl>
+                                      </p:cBhvr>
+                                    </p:animEffect>
+                                  </p:childTnLst>
+                                </p:cTn>
+                              </p:par>
+                              <p:par>
+                                <p:cTn id="31" presetID="10" presetClass="entr" presetSubtype="0" fill="hold" grpId="0" nodeType="withEffect">
+                                  <p:stCondLst>
+                                    <p:cond delay="0"/>
+                                  </p:stCondLst>
+                                  <p:childTnLst>
+                                    <p:set>
+                                      <p:cBhvr>
+                                        <p:cTn id="32" dur="1" fill="hold">
+                                          <p:stCondLst>
+                                            <p:cond delay="0"/>
+                                          </p:stCondLst>
+                                        </p:cTn>
+                                        <p:tgtEl>
+                                          <p:spTgt spid="28"/>
+                                        </p:tgtEl>
+                                        <p:attrNameLst>
+                                          <p:attrName>style.visibility</p:attrName>
+                                        </p:attrNameLst>
+                                      </p:cBhvr>
+                                      <p:to>
+                                        <p:strVal val="visible"/>
+                                      </p:to>
+                                    </p:set>
+                                    <p:animEffect transition="in" filter="fade">
+                                      <p:cBhvr>
+                                        <p:cTn id="33" dur="500"/>
+                                        <p:tgtEl>
+                                          <p:spTgt spid="28"/>
+                                        </p:tgtEl>
+                                      </p:cBhvr>
+                                    </p:animEffect>
+                                  </p:childTnLst>
+                                </p:cTn>
+                              </p:par>
+                            </p:childTnLst>
+                          </p:cTn>
+                        </p:par>
+                      </p:childTnLst>
+                    </p:cTn>
+                  </p:par>
+                  <p:par>
+                    <p:cTn id="34" fill="hold">
+                      <p:stCondLst>
+                        <p:cond delay="indefinite"/>
+                      </p:stCondLst>
+                      <p:childTnLst>
+                        <p:par>
+                          <p:cTn id="35" fill="hold">
+                            <p:stCondLst>
+                              <p:cond delay="0"/>
+                            </p:stCondLst>
+                            <p:childTnLst>
+                              <p:par>
+                                <p:cTn id="36" presetID="10" presetClass="entr" presetSubtype="0" fill="hold" grpId="0" nodeType="clickEffect">
+                                  <p:stCondLst>
+                                    <p:cond delay="0"/>
+                                  </p:stCondLst>
+                                  <p:childTnLst>
+                                    <p:set>
+                                      <p:cBhvr>
+                                        <p:cTn id="37" dur="1" fill="hold">
+                                          <p:stCondLst>
+                                            <p:cond delay="0"/>
+                                          </p:stCondLst>
+                                        </p:cTn>
+                                        <p:tgtEl>
+                                          <p:spTgt spid="15"/>
+                                        </p:tgtEl>
+                                        <p:attrNameLst>
+                                          <p:attrName>style.visibility</p:attrName>
+                                        </p:attrNameLst>
+                                      </p:cBhvr>
+                                      <p:to>
+                                        <p:strVal val="visible"/>
+                                      </p:to>
+                                    </p:set>
+                                    <p:animEffect transition="in" filter="fade">
+                                      <p:cBhvr>
+                                        <p:cTn id="38" dur="500"/>
+                                        <p:tgtEl>
+                                          <p:spTgt spid="15"/>
+                                        </p:tgtEl>
+                                      </p:cBhvr>
+                                    </p:animEffect>
+                                  </p:childTnLst>
+                                </p:cTn>
+                              </p:par>
+                              <p:par>
+                                <p:cTn id="39" presetID="10" presetClass="exit" presetSubtype="0" fill="hold" grpId="1" nodeType="withEffect">
+                                  <p:stCondLst>
+                                    <p:cond delay="0"/>
+                                  </p:stCondLst>
+                                  <p:childTnLst>
+                                    <p:animEffect transition="out" filter="fade">
+                                      <p:cBhvr>
+                                        <p:cTn id="40" dur="500"/>
+                                        <p:tgtEl>
+                                          <p:spTgt spid="23"/>
+                                        </p:tgtEl>
+                                      </p:cBhvr>
+                                    </p:animEffect>
+                                    <p:set>
+                                      <p:cBhvr>
+                                        <p:cTn id="41" dur="1" fill="hold">
+                                          <p:stCondLst>
+                                            <p:cond delay="499"/>
+                                          </p:stCondLst>
+                                        </p:cTn>
+                                        <p:tgtEl>
+                                          <p:spTgt spid="23"/>
+                                        </p:tgtEl>
+                                        <p:attrNameLst>
+                                          <p:attrName>style.visibility</p:attrName>
+                                        </p:attrNameLst>
+                                      </p:cBhvr>
+                                      <p:to>
+                                        <p:strVal val="hidden"/>
+                                      </p:to>
+                                    </p:set>
+                                  </p:childTnLst>
+                                </p:cTn>
+                              </p:par>
+                              <p:par>
+                                <p:cTn id="42" presetID="10" presetClass="exit" presetSubtype="0" fill="hold" grpId="1" nodeType="withEffect">
+                                  <p:stCondLst>
+                                    <p:cond delay="0"/>
+                                  </p:stCondLst>
+                                  <p:childTnLst>
+                                    <p:animEffect transition="out" filter="fade">
+                                      <p:cBhvr>
+                                        <p:cTn id="43" dur="500"/>
+                                        <p:tgtEl>
+                                          <p:spTgt spid="15"/>
+                                        </p:tgtEl>
+                                      </p:cBhvr>
+                                    </p:animEffect>
+                                    <p:set>
+                                      <p:cBhvr>
+                                        <p:cTn id="44" dur="1" fill="hold">
+                                          <p:stCondLst>
+                                            <p:cond delay="499"/>
+                                          </p:stCondLst>
+                                        </p:cTn>
+                                        <p:tgtEl>
+                                          <p:spTgt spid="15"/>
+                                        </p:tgtEl>
+                                        <p:attrNameLst>
+                                          <p:attrName>style.visibility</p:attrName>
+                                        </p:attrNameLst>
+                                      </p:cBhvr>
+                                      <p:to>
+                                        <p:strVal val="hidden"/>
+                                      </p:to>
+                                    </p:set>
+                                  </p:childTnLst>
+                                </p:cTn>
+                              </p:par>
+                            </p:childTnLst>
+                          </p:cTn>
+                        </p:par>
+                      </p:childTnLst>
+                    </p:cTn>
+                  </p:par>
+                  <p:par>
+                    <p:cTn id="45" fill="hold">
+                      <p:stCondLst>
+                        <p:cond delay="indefinite"/>
+                      </p:stCondLst>
+                      <p:childTnLst>
+                        <p:par>
+                          <p:cTn id="46" fill="hold">
+                            <p:stCondLst>
+                              <p:cond delay="0"/>
+                            </p:stCondLst>
+                            <p:childTnLst>
+                              <p:par>
+                                <p:cTn id="47" presetID="10" presetClass="entr" presetSubtype="0" fill="hold" grpId="0" nodeType="clickEffect">
+                                  <p:stCondLst>
+                                    <p:cond delay="0"/>
+                                  </p:stCondLst>
+                                  <p:childTnLst>
+                                    <p:set>
+                                      <p:cBhvr>
+                                        <p:cTn id="48" dur="1" fill="hold">
+                                          <p:stCondLst>
+                                            <p:cond delay="0"/>
+                                          </p:stCondLst>
+                                        </p:cTn>
+                                        <p:tgtEl>
+                                          <p:spTgt spid="19"/>
+                                        </p:tgtEl>
+                                        <p:attrNameLst>
+                                          <p:attrName>style.visibility</p:attrName>
+                                        </p:attrNameLst>
+                                      </p:cBhvr>
+                                      <p:to>
+                                        <p:strVal val="visible"/>
+                                      </p:to>
+                                    </p:set>
+                                    <p:animEffect transition="in" filter="fade">
+                                      <p:cBhvr>
+                                        <p:cTn id="49" dur="500"/>
+                                        <p:tgtEl>
+                                          <p:spTgt spid="19"/>
+                                        </p:tgtEl>
+                                      </p:cBhvr>
+                                    </p:animEffect>
+                                  </p:childTnLst>
+                                </p:cTn>
+                              </p:par>
+                              <p:par>
+                                <p:cTn id="50" presetID="10" presetClass="entr" presetSubtype="0" fill="hold" grpId="0" nodeType="withEffect">
+                                  <p:stCondLst>
+                                    <p:cond delay="0"/>
+                                  </p:stCondLst>
+                                  <p:childTnLst>
+                                    <p:set>
+                                      <p:cBhvr>
+                                        <p:cTn id="51" dur="1" fill="hold">
+                                          <p:stCondLst>
+                                            <p:cond delay="0"/>
+                                          </p:stCondLst>
+                                        </p:cTn>
+                                        <p:tgtEl>
+                                          <p:spTgt spid="29"/>
+                                        </p:tgtEl>
+                                        <p:attrNameLst>
+                                          <p:attrName>style.visibility</p:attrName>
+                                        </p:attrNameLst>
+                                      </p:cBhvr>
+                                      <p:to>
+                                        <p:strVal val="visible"/>
+                                      </p:to>
+                                    </p:set>
+                                    <p:animEffect transition="in" filter="fade">
+                                      <p:cBhvr>
+                                        <p:cTn id="52" dur="500"/>
+                                        <p:tgtEl>
+                                          <p:spTgt spid="29"/>
+                                        </p:tgtEl>
+                                      </p:cBhvr>
+                                    </p:animEffect>
+                                  </p:childTnLst>
+                                </p:cTn>
+                              </p:par>
+                              <p:par>
+                                <p:cTn id="53" presetID="10" presetClass="entr" presetSubtype="0" fill="hold" grpId="0" nodeType="withEffect">
+                                  <p:stCondLst>
+                                    <p:cond delay="0"/>
+                                  </p:stCondLst>
+                                  <p:childTnLst>
+                                    <p:set>
+                                      <p:cBhvr>
+                                        <p:cTn id="54" dur="1" fill="hold">
+                                          <p:stCondLst>
+                                            <p:cond delay="0"/>
+                                          </p:stCondLst>
+                                        </p:cTn>
+                                        <p:tgtEl>
+                                          <p:spTgt spid="33"/>
+                                        </p:tgtEl>
+                                        <p:attrNameLst>
+                                          <p:attrName>style.visibility</p:attrName>
+                                        </p:attrNameLst>
+                                      </p:cBhvr>
+                                      <p:to>
+                                        <p:strVal val="visible"/>
+                                      </p:to>
+                                    </p:set>
+                                    <p:animEffect transition="in" filter="fade">
+                                      <p:cBhvr>
+                                        <p:cTn id="55" dur="500"/>
+                                        <p:tgtEl>
+                                          <p:spTgt spid="33"/>
+                                        </p:tgtEl>
+                                      </p:cBhvr>
+                                    </p:animEffect>
+                                  </p:childTnLst>
+                                </p:cTn>
+                              </p:par>
+                              <p:par>
+                                <p:cTn id="56" presetID="10" presetClass="exit" presetSubtype="0" fill="hold" grpId="1" nodeType="withEffect">
+                                  <p:stCondLst>
+                                    <p:cond delay="0"/>
+                                  </p:stCondLst>
+                                  <p:childTnLst>
+                                    <p:animEffect transition="out" filter="fade">
+                                      <p:cBhvr>
+                                        <p:cTn id="57" dur="500"/>
+                                        <p:tgtEl>
+                                          <p:spTgt spid="33"/>
+                                        </p:tgtEl>
+                                      </p:cBhvr>
+                                    </p:animEffect>
+                                    <p:set>
+                                      <p:cBhvr>
+                                        <p:cTn id="58" dur="1" fill="hold">
+                                          <p:stCondLst>
+                                            <p:cond delay="499"/>
+                                          </p:stCondLst>
+                                        </p:cTn>
+                                        <p:tgtEl>
+                                          <p:spTgt spid="33"/>
+                                        </p:tgtEl>
+                                        <p:attrNameLst>
+                                          <p:attrName>style.visibility</p:attrName>
+                                        </p:attrNameLst>
+                                      </p:cBhvr>
+                                      <p:to>
+                                        <p:strVal val="hidden"/>
+                                      </p:to>
+                                    </p:set>
+                                  </p:childTnLst>
+                                </p:cTn>
+                              </p:par>
+                            </p:childTnLst>
+                          </p:cTn>
+                        </p:par>
+                      </p:childTnLst>
+                    </p:cTn>
+                  </p:par>
+                  <p:par>
+                    <p:cTn id="59" fill="hold">
+                      <p:stCondLst>
+                        <p:cond delay="indefinite"/>
+                      </p:stCondLst>
+                      <p:childTnLst>
+                        <p:par>
+                          <p:cTn id="60" fill="hold">
+                            <p:stCondLst>
+                              <p:cond delay="0"/>
+                            </p:stCondLst>
+                            <p:childTnLst>
+                              <p:par>
+                                <p:cTn id="61" presetID="10" presetClass="entr" presetSubtype="0" fill="hold" grpId="0" nodeType="clickEffect">
+                                  <p:stCondLst>
+                                    <p:cond delay="0"/>
+                                  </p:stCondLst>
+                                  <p:childTnLst>
+                                    <p:set>
+                                      <p:cBhvr>
+                                        <p:cTn id="62" dur="1" fill="hold">
+                                          <p:stCondLst>
+                                            <p:cond delay="0"/>
+                                          </p:stCondLst>
+                                        </p:cTn>
+                                        <p:tgtEl>
+                                          <p:spTgt spid="34"/>
+                                        </p:tgtEl>
+                                        <p:attrNameLst>
+                                          <p:attrName>style.visibility</p:attrName>
+                                        </p:attrNameLst>
+                                      </p:cBhvr>
+                                      <p:to>
+                                        <p:strVal val="visible"/>
+                                      </p:to>
+                                    </p:set>
+                                    <p:animEffect transition="in" filter="fade">
+                                      <p:cBhvr>
+                                        <p:cTn id="63" dur="500"/>
+                                        <p:tgtEl>
+                                          <p:spTgt spid="34"/>
+                                        </p:tgtEl>
+                                      </p:cBhvr>
+                                    </p:animEffect>
+                                  </p:childTnLst>
+                                </p:cTn>
+                              </p:par>
+                              <p:par>
+                                <p:cTn id="64" presetID="10" presetClass="entr" presetSubtype="0" fill="hold" grpId="0" nodeType="withEffect">
+                                  <p:stCondLst>
+                                    <p:cond delay="0"/>
+                                  </p:stCondLst>
+                                  <p:childTnLst>
+                                    <p:set>
+                                      <p:cBhvr>
+                                        <p:cTn id="65" dur="1" fill="hold">
+                                          <p:stCondLst>
+                                            <p:cond delay="0"/>
+                                          </p:stCondLst>
+                                        </p:cTn>
+                                        <p:tgtEl>
+                                          <p:spTgt spid="30"/>
+                                        </p:tgtEl>
+                                        <p:attrNameLst>
+                                          <p:attrName>style.visibility</p:attrName>
+                                        </p:attrNameLst>
+                                      </p:cBhvr>
+                                      <p:to>
+                                        <p:strVal val="visible"/>
+                                      </p:to>
+                                    </p:set>
+                                    <p:animEffect transition="in" filter="fade">
+                                      <p:cBhvr>
+                                        <p:cTn id="66" dur="500"/>
+                                        <p:tgtEl>
+                                          <p:spTgt spid="30"/>
+                                        </p:tgtEl>
+                                      </p:cBhvr>
+                                    </p:animEffect>
+                                  </p:childTnLst>
+                                </p:cTn>
+                              </p:par>
+                              <p:par>
+                                <p:cTn id="67" presetID="10" presetClass="entr" presetSubtype="0" fill="hold" grpId="0" nodeType="withEffect">
+                                  <p:stCondLst>
+                                    <p:cond delay="0"/>
+                                  </p:stCondLst>
+                                  <p:childTnLst>
+                                    <p:set>
+                                      <p:cBhvr>
+                                        <p:cTn id="68" dur="1" fill="hold">
+                                          <p:stCondLst>
+                                            <p:cond delay="0"/>
+                                          </p:stCondLst>
+                                        </p:cTn>
+                                        <p:tgtEl>
+                                          <p:spTgt spid="20"/>
+                                        </p:tgtEl>
+                                        <p:attrNameLst>
+                                          <p:attrName>style.visibility</p:attrName>
+                                        </p:attrNameLst>
+                                      </p:cBhvr>
+                                      <p:to>
+                                        <p:strVal val="visible"/>
+                                      </p:to>
+                                    </p:set>
+                                    <p:animEffect transition="in" filter="fade">
+                                      <p:cBhvr>
+                                        <p:cTn id="69" dur="500"/>
+                                        <p:tgtEl>
+                                          <p:spTgt spid="20"/>
+                                        </p:tgtEl>
+                                      </p:cBhvr>
+                                    </p:animEffect>
+                                  </p:childTnLst>
+                                </p:cTn>
+                              </p:par>
+                              <p:par>
+                                <p:cTn id="70" presetID="10" presetClass="exit" presetSubtype="0" fill="hold" grpId="1" nodeType="withEffect">
+                                  <p:stCondLst>
+                                    <p:cond delay="0"/>
+                                  </p:stCondLst>
+                                  <p:childTnLst>
+                                    <p:animEffect transition="out" filter="fade">
+                                      <p:cBhvr>
+                                        <p:cTn id="71" dur="500"/>
+                                        <p:tgtEl>
+                                          <p:spTgt spid="34"/>
+                                        </p:tgtEl>
+                                      </p:cBhvr>
+                                    </p:animEffect>
+                                    <p:set>
+                                      <p:cBhvr>
+                                        <p:cTn id="72" dur="1" fill="hold">
+                                          <p:stCondLst>
+                                            <p:cond delay="499"/>
+                                          </p:stCondLst>
+                                        </p:cTn>
+                                        <p:tgtEl>
+                                          <p:spTgt spid="34"/>
+                                        </p:tgtEl>
+                                        <p:attrNameLst>
+                                          <p:attrName>style.visibility</p:attrName>
+                                        </p:attrNameLst>
+                                      </p:cBhvr>
+                                      <p:to>
+                                        <p:strVal val="hidden"/>
+                                      </p:to>
+                                    </p:set>
+                                  </p:childTnLst>
+                                </p:cTn>
+                              </p:par>
+                            </p:childTnLst>
+                          </p:cTn>
+                        </p:par>
+                      </p:childTnLst>
+                    </p:cTn>
+                  </p:par>
+                  <p:par>
+                    <p:cTn id="73" fill="hold">
+                      <p:stCondLst>
+                        <p:cond delay="indefinite"/>
+                      </p:stCondLst>
+                      <p:childTnLst>
+                        <p:par>
+                          <p:cTn id="74" fill="hold">
+                            <p:stCondLst>
+                              <p:cond delay="0"/>
+                            </p:stCondLst>
+                            <p:childTnLst>
+                              <p:par>
+                                <p:cTn id="75" presetID="10" presetClass="entr" presetSubtype="0" fill="hold" grpId="0" nodeType="clickEffect">
+                                  <p:stCondLst>
+                                    <p:cond delay="0"/>
+                                  </p:stCondLst>
+                                  <p:childTnLst>
+                                    <p:set>
+                                      <p:cBhvr>
+                                        <p:cTn id="76" dur="1" fill="hold">
+                                          <p:stCondLst>
+                                            <p:cond delay="0"/>
+                                          </p:stCondLst>
+                                        </p:cTn>
+                                        <p:tgtEl>
+                                          <p:spTgt spid="35"/>
+                                        </p:tgtEl>
+                                        <p:attrNameLst>
+                                          <p:attrName>style.visibility</p:attrName>
+                                        </p:attrNameLst>
+                                      </p:cBhvr>
+                                      <p:to>
+                                        <p:strVal val="visible"/>
+                                      </p:to>
+                                    </p:set>
+                                    <p:animEffect transition="in" filter="fade">
+                                      <p:cBhvr>
+                                        <p:cTn id="77" dur="500"/>
+                                        <p:tgtEl>
+                                          <p:spTgt spid="35"/>
+                                        </p:tgtEl>
+                                      </p:cBhvr>
+                                    </p:animEffect>
+                                  </p:childTnLst>
+                                </p:cTn>
+                              </p:par>
+                              <p:par>
+                                <p:cTn id="78" presetID="10" presetClass="entr" presetSubtype="0" fill="hold" grpId="0" nodeType="withEffect">
+                                  <p:stCondLst>
+                                    <p:cond delay="0"/>
+                                  </p:stCondLst>
+                                  <p:childTnLst>
+                                    <p:set>
+                                      <p:cBhvr>
+                                        <p:cTn id="79" dur="1" fill="hold">
+                                          <p:stCondLst>
+                                            <p:cond delay="0"/>
+                                          </p:stCondLst>
+                                        </p:cTn>
+                                        <p:tgtEl>
+                                          <p:spTgt spid="21"/>
+                                        </p:tgtEl>
+                                        <p:attrNameLst>
+                                          <p:attrName>style.visibility</p:attrName>
+                                        </p:attrNameLst>
+                                      </p:cBhvr>
+                                      <p:to>
+                                        <p:strVal val="visible"/>
+                                      </p:to>
+                                    </p:set>
+                                    <p:animEffect transition="in" filter="fade">
+                                      <p:cBhvr>
+                                        <p:cTn id="80" dur="500"/>
+                                        <p:tgtEl>
+                                          <p:spTgt spid="21"/>
+                                        </p:tgtEl>
+                                      </p:cBhvr>
+                                    </p:animEffect>
+                                  </p:childTnLst>
+                                </p:cTn>
+                              </p:par>
+                              <p:par>
+                                <p:cTn id="81" presetID="10" presetClass="entr" presetSubtype="0" fill="hold" grpId="0" nodeType="withEffect">
+                                  <p:stCondLst>
+                                    <p:cond delay="0"/>
+                                  </p:stCondLst>
+                                  <p:childTnLst>
+                                    <p:set>
+                                      <p:cBhvr>
+                                        <p:cTn id="82" dur="1" fill="hold">
+                                          <p:stCondLst>
+                                            <p:cond delay="0"/>
+                                          </p:stCondLst>
+                                        </p:cTn>
+                                        <p:tgtEl>
+                                          <p:spTgt spid="31"/>
+                                        </p:tgtEl>
+                                        <p:attrNameLst>
+                                          <p:attrName>style.visibility</p:attrName>
+                                        </p:attrNameLst>
+                                      </p:cBhvr>
+                                      <p:to>
+                                        <p:strVal val="visible"/>
+                                      </p:to>
+                                    </p:set>
+                                    <p:animEffect transition="in" filter="fade">
+                                      <p:cBhvr>
+                                        <p:cTn id="83" dur="500"/>
+                                        <p:tgtEl>
+                                          <p:spTgt spid="31"/>
+                                        </p:tgtEl>
+                                      </p:cBhvr>
+                                    </p:animEffect>
+                                  </p:childTnLst>
+                                </p:cTn>
+                              </p:par>
+                              <p:par>
+                                <p:cTn id="84" presetID="10" presetClass="exit" presetSubtype="0" fill="hold" grpId="1" nodeType="withEffect">
+                                  <p:stCondLst>
+                                    <p:cond delay="0"/>
+                                  </p:stCondLst>
+                                  <p:childTnLst>
+                                    <p:animEffect transition="out" filter="fade">
+                                      <p:cBhvr>
+                                        <p:cTn id="85" dur="500"/>
+                                        <p:tgtEl>
+                                          <p:spTgt spid="35"/>
+                                        </p:tgtEl>
+                                      </p:cBhvr>
+                                    </p:animEffect>
+                                    <p:set>
+                                      <p:cBhvr>
+                                        <p:cTn id="86" dur="1" fill="hold">
+                                          <p:stCondLst>
+                                            <p:cond delay="499"/>
+                                          </p:stCondLst>
+                                        </p:cTn>
+                                        <p:tgtEl>
+                                          <p:spTgt spid="35"/>
+                                        </p:tgtEl>
+                                        <p:attrNameLst>
+                                          <p:attrName>style.visibility</p:attrName>
+                                        </p:attrNameLst>
+                                      </p:cBhvr>
+                                      <p:to>
+                                        <p:strVal val="hidden"/>
+                                      </p:to>
+                                    </p:set>
+                                  </p:childTnLst>
+                                </p:cTn>
+                              </p:par>
+                            </p:childTnLst>
+                          </p:cTn>
+                        </p:par>
+                      </p:childTnLst>
+                    </p:cTn>
+                  </p:par>
+                  <p:par>
+                    <p:cTn id="87" fill="hold">
+                      <p:stCondLst>
+                        <p:cond delay="indefinite"/>
+                      </p:stCondLst>
+                      <p:childTnLst>
+                        <p:par>
+                          <p:cTn id="88" fill="hold">
+                            <p:stCondLst>
+                              <p:cond delay="0"/>
+                            </p:stCondLst>
+                            <p:childTnLst>
+                              <p:par>
+                                <p:cTn id="89" presetID="10" presetClass="entr" presetSubtype="0" fill="hold" grpId="0" nodeType="clickEffect">
+                                  <p:stCondLst>
+                                    <p:cond delay="0"/>
+                                  </p:stCondLst>
+                                  <p:childTnLst>
+                                    <p:set>
+                                      <p:cBhvr>
+                                        <p:cTn id="90" dur="1" fill="hold">
+                                          <p:stCondLst>
+                                            <p:cond delay="0"/>
+                                          </p:stCondLst>
+                                        </p:cTn>
+                                        <p:tgtEl>
+                                          <p:spTgt spid="37"/>
+                                        </p:tgtEl>
+                                        <p:attrNameLst>
+                                          <p:attrName>style.visibility</p:attrName>
+                                        </p:attrNameLst>
+                                      </p:cBhvr>
+                                      <p:to>
+                                        <p:strVal val="visible"/>
+                                      </p:to>
+                                    </p:set>
+                                    <p:animEffect transition="in" filter="fade">
+                                      <p:cBhvr>
+                                        <p:cTn id="91" dur="500"/>
+                                        <p:tgtEl>
+                                          <p:spTgt spid="37"/>
+                                        </p:tgtEl>
+                                      </p:cBhvr>
+                                    </p:animEffect>
+                                  </p:childTnLst>
+                                </p:cTn>
+                              </p:par>
+                            </p:childTnLst>
+                          </p:cTn>
+                        </p:par>
+                      </p:childTnLst>
+                    </p:cTn>
+                  </p:par>
+                  <p:par>
+                    <p:cTn id="92" fill="hold">
+                      <p:stCondLst>
+                        <p:cond delay="indefinite"/>
+                      </p:stCondLst>
+                      <p:childTnLst>
+                        <p:par>
+                          <p:cTn id="93" fill="hold">
+                            <p:stCondLst>
+                              <p:cond delay="0"/>
+                            </p:stCondLst>
+                            <p:childTnLst>
+                              <p:par>
+                                <p:cTn id="94" presetID="10" presetClass="entr" presetSubtype="0" fill="hold" grpId="0" nodeType="clickEffect">
+                                  <p:stCondLst>
+                                    <p:cond delay="0"/>
+                                  </p:stCondLst>
+                                  <p:childTnLst>
+                                    <p:set>
+                                      <p:cBhvr>
+                                        <p:cTn id="95" dur="1" fill="hold">
+                                          <p:stCondLst>
+                                            <p:cond delay="0"/>
+                                          </p:stCondLst>
+                                        </p:cTn>
+                                        <p:tgtEl>
+                                          <p:spTgt spid="38"/>
+                                        </p:tgtEl>
+                                        <p:attrNameLst>
+                                          <p:attrName>style.visibility</p:attrName>
+                                        </p:attrNameLst>
+                                      </p:cBhvr>
+                                      <p:to>
+                                        <p:strVal val="visible"/>
+                                      </p:to>
+                                    </p:set>
+                                    <p:animEffect transition="in" filter="fade">
+                                      <p:cBhvr>
+                                        <p:cTn id="96" dur="500"/>
+                                        <p:tgtEl>
+                                          <p:spTgt spid="38"/>
+                                        </p:tgtEl>
+                                      </p:cBhvr>
+                                    </p:animEffect>
+                                  </p:childTnLst>
+                                </p:cTn>
+                              </p:par>
+                            </p:childTnLst>
+                          </p:cTn>
+                        </p:par>
+                      </p:childTnLst>
+                    </p:cTn>
+                  </p:par>
+                </p:childTnLst>
+              </p:cTn>
+              <p:prevCondLst>
+                <p:cond evt="onPrev" delay="0">
+                  <p:tgtEl>
+                    <p:sldTgt/>
+                  </p:tgtEl>
+                </p:cond>
+              </p:prevCondLst>
+              <p:nextCondLst>
+                <p:cond evt="onNext" delay="0">
+                  <p:tgtEl>
+                    <p:sldTgt/>
+                  </p:tgtEl>
+                </p:cond>
+              </p:nextCondLst>
+            </p:seq>
+          </p:childTnLst>
+        </p:cTn>
+      </p:par>
+    </p:tnLst>
+    <p:bldLst>
+      <p:bldP spid="14" grpId="0"/>
+      <p:bldP spid="14" grpId="1"/>
+      <p:bldP spid="15" grpId="0"/>
+      <p:bldP spid="15" grpId="1"/>
+      <p:bldP spid="23" grpId="0" animBg="1"/>
+      <p:bldP spid="23" grpId="1" animBg="1"/>
+      <p:bldP spid="26" grpId="0"/>
+      <p:bldP spid="28" grpId="0"/>
+      <p:bldP spid="29" grpId="0"/>
+      <p:bldP spid="30" grpId="0"/>
+      <p:bldP spid="31" grpId="0"/>
+      <p:bldP spid="33" grpId="0" animBg="1"/>
+      <p:bldP spid="33" grpId="1" animBg="1"/>
+      <p:bldP spid="34" grpId="0" animBg="1"/>
+      <p:bldP spid="34" grpId="1" animBg="1"/>
+      <p:bldP spid="35" grpId="0" animBg="1"/>
+      <p:bldP spid="35" grpId="1" animBg="1"/>
+      <p:bldP spid="37" grpId="0" animBg="1"/>
+      <p:bldP spid="38" grpId="0" animBg="1"/>
+      <p:bldP spid="18" grpId="0" animBg="1"/>
+      <p:bldP spid="19" grpId="0" animBg="1"/>
+      <p:bldP spid="20" grpId="0" animBg="1"/>
+      <p:bldP spid="21" grpId="0" animBg="1"/>
+      <p:bldP spid="16" grpId="0" animBg="1"/>
+    </p:bldLst>
+  </p:timing>
+</p:sld>
+</file>
+
+<file path=ppt/slides/slide7.xml><?xml version="1.0" encoding="utf-8"?>
+<p:sld xmlns:a="http://schemas.openxmlformats.org/drawingml/2006/main" xmlns:r="http://schemas.openxmlformats.org/officeDocument/2006/relationships" xmlns:p="http://schemas.openxmlformats.org/presentationml/2006/main">
+  <p:cSld>
+    <p:spTree>
+      <p:nvGrpSpPr>
+        <p:cNvPr id="1" name=""/>
+        <p:cNvGrpSpPr/>
+        <p:nvPr/>
+      </p:nvGrpSpPr>
+      <p:grpSpPr>
+        <a:xfrm>
+          <a:off x="0" y="0"/>
+          <a:ext cx="0" cy="0"/>
+          <a:chOff x="0" y="0"/>
+          <a:chExt cx="0" cy="0"/>
+        </a:xfrm>
+      </p:grpSpPr>
+      <p:sp>
+        <p:nvSpPr>
+          <p:cNvPr id="2" name="Title 1">
+            <a:extLst>
+              <a:ext uri="{FF2B5EF4-FFF2-40B4-BE49-F238E27FC236}">
+                <a16:creationId xmlns:a16="http://schemas.microsoft.com/office/drawing/2014/main" id="{E8546AE6-7B53-4A7C-A64F-E97A50E459ED}"/>
+              </a:ext>
+            </a:extLst>
+          </p:cNvPr>
+          <p:cNvSpPr>
+            <a:spLocks noGrp="1"/>
+          </p:cNvSpPr>
+          <p:nvPr>
+            <p:ph type="title"/>
+          </p:nvPr>
+        </p:nvSpPr>
+        <p:spPr>
+          <a:xfrm>
             <a:off x="705393" y="494775"/>
             <a:ext cx="10894423" cy="2407893"/>
           </a:xfrm>
@@ -11528,7 +16495,7 @@
     </p:spTree>
     <p:extLst>
       <p:ext uri="{BB962C8B-B14F-4D97-AF65-F5344CB8AC3E}">
-        <p14:creationId xmlns:p14="http://schemas.microsoft.com/office/powerpoint/2010/main" val="4000690310"/>
+        <p14:creationId xmlns:p14="http://schemas.microsoft.com/office/powerpoint/2010/main" val="3742590304"/>
       </p:ext>
     </p:extLst>
   </p:cSld>
@@ -12921,7 +17888,7 @@
 </p:sld>
 </file>
 
-<file path=ppt/slides/slide7.xml><?xml version="1.0" encoding="utf-8"?>
+<file path=ppt/slides/slide8.xml><?xml version="1.0" encoding="utf-8"?>
 <p:sld xmlns:a="http://schemas.openxmlformats.org/drawingml/2006/main" xmlns:r="http://schemas.openxmlformats.org/officeDocument/2006/relationships" xmlns:p="http://schemas.openxmlformats.org/presentationml/2006/main">
   <p:cSld>
     <p:bg>
